--- a/1.15-odl 2pc simulate.pptx
+++ b/1.15-odl 2pc simulate.pptx
@@ -5,7 +5,7 @@
     <p:sldMasterId id="2147483648" r:id="rId1"/>
   </p:sldMasterIdLst>
   <p:notesMasterIdLst>
-    <p:notesMasterId r:id="rId27"/>
+    <p:notesMasterId r:id="rId31"/>
   </p:notesMasterIdLst>
   <p:sldIdLst>
     <p:sldId id="256" r:id="rId2"/>
@@ -21,18 +21,22 @@
     <p:sldId id="266" r:id="rId12"/>
     <p:sldId id="267" r:id="rId13"/>
     <p:sldId id="269" r:id="rId14"/>
-    <p:sldId id="271" r:id="rId15"/>
-    <p:sldId id="270" r:id="rId16"/>
-    <p:sldId id="272" r:id="rId17"/>
-    <p:sldId id="273" r:id="rId18"/>
-    <p:sldId id="274" r:id="rId19"/>
-    <p:sldId id="275" r:id="rId20"/>
-    <p:sldId id="276" r:id="rId21"/>
-    <p:sldId id="282" r:id="rId22"/>
-    <p:sldId id="283" r:id="rId23"/>
-    <p:sldId id="284" r:id="rId24"/>
-    <p:sldId id="285" r:id="rId25"/>
-    <p:sldId id="281" r:id="rId26"/>
+    <p:sldId id="286" r:id="rId15"/>
+    <p:sldId id="287" r:id="rId16"/>
+    <p:sldId id="288" r:id="rId17"/>
+    <p:sldId id="289" r:id="rId18"/>
+    <p:sldId id="290" r:id="rId19"/>
+    <p:sldId id="291" r:id="rId20"/>
+    <p:sldId id="292" r:id="rId21"/>
+    <p:sldId id="293" r:id="rId22"/>
+    <p:sldId id="294" r:id="rId23"/>
+    <p:sldId id="295" r:id="rId24"/>
+    <p:sldId id="296" r:id="rId25"/>
+    <p:sldId id="297" r:id="rId26"/>
+    <p:sldId id="298" r:id="rId27"/>
+    <p:sldId id="299" r:id="rId28"/>
+    <p:sldId id="300" r:id="rId29"/>
+    <p:sldId id="301" r:id="rId30"/>
   </p:sldIdLst>
   <p:sldSz cx="12192000" cy="6858000"/>
   <p:notesSz cx="6858000" cy="9144000"/>
@@ -131,6 +135,11 @@
       </a:defRPr>
     </a:lvl9pPr>
   </p:defaultTextStyle>
+  <p:extLst>
+    <p:ext uri="{EFAFB233-063F-42B5-8137-9DF3F51BA10A}">
+      <p15:sldGuideLst xmlns:p15="http://schemas.microsoft.com/office/powerpoint/2012/main"/>
+    </p:ext>
+  </p:extLst>
 </p:presentation>
 </file>
 
@@ -216,7 +225,7 @@
           <a:p>
             <a:fld id="{F4EC992E-D1D9-5D4F-940E-1127744C5516}" type="datetimeFigureOut">
               <a:rPr kumimoji="1" lang="zh-CN" altLang="en-US" smtClean="0"/>
-              <a:t>2017/1/14</a:t>
+              <a:t>2017/1/16</a:t>
             </a:fld>
             <a:endParaRPr kumimoji="1" lang="zh-CN" altLang="en-US"/>
           </a:p>
@@ -484,6 +493,456 @@
 </p:notesMaster>
 </file>
 
+<file path=ppt/notesSlides/notesSlide1.xml><?xml version="1.0" encoding="utf-8"?>
+<p:notes xmlns:a="http://schemas.openxmlformats.org/drawingml/2006/main" xmlns:r="http://schemas.openxmlformats.org/officeDocument/2006/relationships" xmlns:p="http://schemas.openxmlformats.org/presentationml/2006/main">
+  <p:cSld>
+    <p:spTree>
+      <p:nvGrpSpPr>
+        <p:cNvPr id="1" name=""/>
+        <p:cNvGrpSpPr/>
+        <p:nvPr/>
+      </p:nvGrpSpPr>
+      <p:grpSpPr>
+        <a:xfrm>
+          <a:off x="0" y="0"/>
+          <a:ext cx="0" cy="0"/>
+          <a:chOff x="0" y="0"/>
+          <a:chExt cx="0" cy="0"/>
+        </a:xfrm>
+      </p:grpSpPr>
+      <p:sp>
+        <p:nvSpPr>
+          <p:cNvPr id="2" name="幻灯片图像占位符 1"/>
+          <p:cNvSpPr>
+            <a:spLocks noGrp="1" noRot="1" noChangeAspect="1"/>
+          </p:cNvSpPr>
+          <p:nvPr>
+            <p:ph type="sldImg"/>
+          </p:nvPr>
+        </p:nvSpPr>
+        <p:spPr/>
+      </p:sp>
+      <p:sp>
+        <p:nvSpPr>
+          <p:cNvPr id="3" name="备注占位符 2"/>
+          <p:cNvSpPr>
+            <a:spLocks noGrp="1"/>
+          </p:cNvSpPr>
+          <p:nvPr>
+            <p:ph type="body" idx="1"/>
+          </p:nvPr>
+        </p:nvSpPr>
+        <p:spPr/>
+        <p:txBody>
+          <a:bodyPr/>
+          <a:lstStyle/>
+          <a:p>
+            <a:r>
+              <a:rPr kumimoji="1" lang="en-US" altLang="zh-CN" dirty="0" smtClean="0"/>
+              <a:t>Transaction</a:t>
+            </a:r>
+            <a:r>
+              <a:rPr kumimoji="1" lang="zh-CN" altLang="en-US" dirty="0" smtClean="0"/>
+              <a:t>，事务</a:t>
+            </a:r>
+            <a:endParaRPr kumimoji="1" lang="en-US" altLang="zh-CN" dirty="0" smtClean="0"/>
+          </a:p>
+          <a:p>
+            <a:r>
+              <a:rPr kumimoji="1" lang="en-US" altLang="zh-CN" dirty="0" err="1" smtClean="0"/>
+              <a:t>Databroker</a:t>
+            </a:r>
+            <a:r>
+              <a:rPr kumimoji="1" lang="zh-CN" altLang="en-US" dirty="0" smtClean="0"/>
+              <a:t>：提供新建、提交事务功能</a:t>
+            </a:r>
+            <a:endParaRPr kumimoji="1" lang="en-US" altLang="zh-CN" dirty="0" smtClean="0"/>
+          </a:p>
+          <a:p>
+            <a:r>
+              <a:rPr kumimoji="1" lang="en-US" altLang="zh-CN" dirty="0" err="1" smtClean="0"/>
+              <a:t>CohortProxy</a:t>
+            </a:r>
+            <a:r>
+              <a:rPr kumimoji="1" lang="zh-CN" altLang="en-US" dirty="0" smtClean="0"/>
+              <a:t>：</a:t>
+            </a:r>
+            <a:r>
+              <a:rPr kumimoji="1" lang="en-US" altLang="zh-CN" dirty="0" smtClean="0"/>
+              <a:t>Transaction</a:t>
+            </a:r>
+            <a:r>
+              <a:rPr kumimoji="1" lang="zh-CN" altLang="en-US" dirty="0" smtClean="0"/>
+              <a:t>进行提交时建立，</a:t>
+            </a:r>
+            <a:r>
+              <a:rPr kumimoji="1" lang="zh-CN" altLang="en-US" dirty="0" smtClean="0"/>
+              <a:t>提供两段式提交的协调员功能</a:t>
+            </a:r>
+            <a:endParaRPr kumimoji="1" lang="en-US" altLang="zh-CN" dirty="0" smtClean="0"/>
+          </a:p>
+          <a:p>
+            <a:r>
+              <a:rPr kumimoji="1" lang="en-US" altLang="zh-CN" dirty="0" smtClean="0"/>
+              <a:t>Shard</a:t>
+            </a:r>
+            <a:r>
+              <a:rPr kumimoji="1" lang="zh-CN" altLang="en-US" dirty="0" smtClean="0"/>
+              <a:t>，维护</a:t>
+            </a:r>
+            <a:r>
+              <a:rPr kumimoji="1" lang="en-US" altLang="zh-CN" dirty="0" err="1" smtClean="0"/>
+              <a:t>Datatree</a:t>
+            </a:r>
+            <a:r>
+              <a:rPr kumimoji="1" lang="zh-CN" altLang="en-US" dirty="0" smtClean="0"/>
+              <a:t>，两端是提交中实质的</a:t>
+            </a:r>
+            <a:r>
+              <a:rPr kumimoji="1" lang="en-US" altLang="zh-CN" dirty="0" smtClean="0"/>
+              <a:t>Cohort</a:t>
+            </a:r>
+          </a:p>
+          <a:p>
+            <a:r>
+              <a:rPr kumimoji="1" lang="en-US" altLang="zh-CN" dirty="0" err="1" smtClean="0"/>
+              <a:t>Datatree</a:t>
+            </a:r>
+            <a:r>
+              <a:rPr kumimoji="1" lang="zh-CN" altLang="en-US" dirty="0" smtClean="0"/>
+              <a:t>，数据的容器</a:t>
+            </a:r>
+            <a:endParaRPr kumimoji="1" lang="en-US" altLang="zh-CN" dirty="0" smtClean="0"/>
+          </a:p>
+          <a:p>
+            <a:r>
+              <a:rPr kumimoji="1" lang="en-US" altLang="zh-CN" dirty="0" err="1" smtClean="0"/>
+              <a:t>MetricsRecounter</a:t>
+            </a:r>
+            <a:r>
+              <a:rPr kumimoji="1" lang="zh-CN" altLang="en-US" dirty="0" smtClean="0"/>
+              <a:t>：提供测试数据统计功能</a:t>
+            </a:r>
+            <a:endParaRPr kumimoji="1" lang="zh-CN" altLang="en-US" dirty="0"/>
+          </a:p>
+        </p:txBody>
+      </p:sp>
+      <p:sp>
+        <p:nvSpPr>
+          <p:cNvPr id="4" name="幻灯片编号占位符 3"/>
+          <p:cNvSpPr>
+            <a:spLocks noGrp="1"/>
+          </p:cNvSpPr>
+          <p:nvPr>
+            <p:ph type="sldNum" sz="quarter" idx="10"/>
+          </p:nvPr>
+        </p:nvSpPr>
+        <p:spPr/>
+        <p:txBody>
+          <a:bodyPr/>
+          <a:lstStyle/>
+          <a:p>
+            <a:fld id="{44AE2A6D-1A60-7B46-8B20-D315447A2CA4}" type="slidenum">
+              <a:rPr kumimoji="1" lang="zh-CN" altLang="en-US" smtClean="0"/>
+              <a:t>6</a:t>
+            </a:fld>
+            <a:endParaRPr kumimoji="1" lang="zh-CN" altLang="en-US"/>
+          </a:p>
+        </p:txBody>
+      </p:sp>
+    </p:spTree>
+    <p:extLst>
+      <p:ext uri="{BB962C8B-B14F-4D97-AF65-F5344CB8AC3E}">
+        <p14:creationId xmlns:p14="http://schemas.microsoft.com/office/powerpoint/2010/main" val="1009244832"/>
+      </p:ext>
+    </p:extLst>
+  </p:cSld>
+  <p:clrMapOvr>
+    <a:masterClrMapping/>
+  </p:clrMapOvr>
+</p:notes>
+</file>
+
+<file path=ppt/notesSlides/notesSlide2.xml><?xml version="1.0" encoding="utf-8"?>
+<p:notes xmlns:a="http://schemas.openxmlformats.org/drawingml/2006/main" xmlns:r="http://schemas.openxmlformats.org/officeDocument/2006/relationships" xmlns:p="http://schemas.openxmlformats.org/presentationml/2006/main">
+  <p:cSld>
+    <p:spTree>
+      <p:nvGrpSpPr>
+        <p:cNvPr id="1" name=""/>
+        <p:cNvGrpSpPr/>
+        <p:nvPr/>
+      </p:nvGrpSpPr>
+      <p:grpSpPr>
+        <a:xfrm>
+          <a:off x="0" y="0"/>
+          <a:ext cx="0" cy="0"/>
+          <a:chOff x="0" y="0"/>
+          <a:chExt cx="0" cy="0"/>
+        </a:xfrm>
+      </p:grpSpPr>
+      <p:sp>
+        <p:nvSpPr>
+          <p:cNvPr id="2" name="幻灯片图像占位符 1"/>
+          <p:cNvSpPr>
+            <a:spLocks noGrp="1" noRot="1" noChangeAspect="1"/>
+          </p:cNvSpPr>
+          <p:nvPr>
+            <p:ph type="sldImg"/>
+          </p:nvPr>
+        </p:nvSpPr>
+        <p:spPr/>
+      </p:sp>
+      <p:sp>
+        <p:nvSpPr>
+          <p:cNvPr id="3" name="备注占位符 2"/>
+          <p:cNvSpPr>
+            <a:spLocks noGrp="1"/>
+          </p:cNvSpPr>
+          <p:nvPr>
+            <p:ph type="body" idx="1"/>
+          </p:nvPr>
+        </p:nvSpPr>
+        <p:spPr/>
+        <p:txBody>
+          <a:bodyPr/>
+          <a:lstStyle/>
+          <a:p>
+            <a:r>
+              <a:rPr kumimoji="1" lang="en-US" altLang="zh-CN" dirty="0" smtClean="0"/>
+              <a:t>Leader</a:t>
+            </a:r>
+            <a:r>
+              <a:rPr kumimoji="1" lang="zh-CN" altLang="en-US" dirty="0" smtClean="0"/>
+              <a:t>节点负责向</a:t>
+            </a:r>
+            <a:r>
+              <a:rPr kumimoji="1" lang="en-US" altLang="zh-CN" dirty="0" smtClean="0"/>
+              <a:t>Frontend</a:t>
+            </a:r>
+            <a:r>
+              <a:rPr kumimoji="1" lang="zh-CN" altLang="en-US" dirty="0" smtClean="0"/>
+              <a:t>发送</a:t>
+            </a:r>
+            <a:r>
+              <a:rPr kumimoji="1" lang="en-US" altLang="zh-CN" dirty="0" err="1" smtClean="0"/>
+              <a:t>Databroker</a:t>
+            </a:r>
+            <a:r>
+              <a:rPr kumimoji="1" lang="zh-CN" altLang="en-US" dirty="0" smtClean="0"/>
+              <a:t>以及</a:t>
+            </a:r>
+            <a:r>
+              <a:rPr kumimoji="1" lang="en-US" altLang="zh-CN" dirty="0" err="1" smtClean="0"/>
+              <a:t>CohortProxy</a:t>
+            </a:r>
+            <a:r>
+              <a:rPr kumimoji="1" lang="zh-CN" altLang="en-US" dirty="0" smtClean="0"/>
+              <a:t>的配置；向</a:t>
+            </a:r>
+            <a:r>
+              <a:rPr kumimoji="1" lang="en-US" altLang="zh-CN" dirty="0" smtClean="0"/>
+              <a:t>Backend</a:t>
+            </a:r>
+            <a:r>
+              <a:rPr kumimoji="1" lang="zh-CN" altLang="en-US" dirty="0" smtClean="0"/>
+              <a:t>发送</a:t>
+            </a:r>
+            <a:r>
+              <a:rPr kumimoji="1" lang="en-US" altLang="zh-CN" dirty="0" smtClean="0"/>
+              <a:t>Shard</a:t>
+            </a:r>
+            <a:r>
+              <a:rPr kumimoji="1" lang="zh-CN" altLang="en-US" dirty="0" smtClean="0"/>
+              <a:t>的部署方案和配置；收集测量信息；</a:t>
+            </a:r>
+            <a:endParaRPr kumimoji="1" lang="en-US" altLang="zh-CN" dirty="0" smtClean="0"/>
+          </a:p>
+          <a:p>
+            <a:r>
+              <a:rPr kumimoji="1" lang="en-US" altLang="zh-CN" dirty="0" smtClean="0"/>
+              <a:t>Backend</a:t>
+            </a:r>
+            <a:r>
+              <a:rPr kumimoji="1" lang="zh-CN" altLang="en-US" dirty="0" smtClean="0"/>
+              <a:t>负责部署</a:t>
+            </a:r>
+            <a:r>
+              <a:rPr kumimoji="1" lang="en-US" altLang="zh-CN" dirty="0" smtClean="0"/>
+              <a:t>Shard</a:t>
+            </a:r>
+            <a:r>
+              <a:rPr kumimoji="1" lang="zh-CN" altLang="en-US" dirty="0" smtClean="0"/>
+              <a:t>和</a:t>
+            </a:r>
+            <a:r>
+              <a:rPr kumimoji="1" lang="en-US" altLang="zh-CN" dirty="0" err="1" smtClean="0"/>
+              <a:t>Datatree</a:t>
+            </a:r>
+            <a:endParaRPr kumimoji="1" lang="en-US" altLang="zh-CN" dirty="0" smtClean="0"/>
+          </a:p>
+          <a:p>
+            <a:r>
+              <a:rPr kumimoji="1" lang="en-US" altLang="zh-CN" dirty="0" smtClean="0"/>
+              <a:t>Frontend</a:t>
+            </a:r>
+            <a:r>
+              <a:rPr kumimoji="1" lang="zh-CN" altLang="en-US" dirty="0" smtClean="0"/>
+              <a:t>负责管理事务的提交</a:t>
+            </a:r>
+            <a:endParaRPr kumimoji="1" lang="en-US" altLang="zh-CN" dirty="0" smtClean="0"/>
+          </a:p>
+          <a:p>
+            <a:r>
+              <a:rPr kumimoji="1" lang="en-US" altLang="zh-CN" dirty="0" smtClean="0"/>
+              <a:t>Proxy</a:t>
+            </a:r>
+            <a:r>
+              <a:rPr kumimoji="1" lang="zh-CN" altLang="en-US" dirty="0" smtClean="0"/>
+              <a:t>为代理方案中的代理节点</a:t>
+            </a:r>
+            <a:endParaRPr kumimoji="1" lang="en-US" altLang="zh-CN" dirty="0" smtClean="0"/>
+          </a:p>
+          <a:p>
+            <a:r>
+              <a:rPr kumimoji="1" lang="en-US" altLang="zh-CN" dirty="0" smtClean="0"/>
+              <a:t>Operator</a:t>
+            </a:r>
+            <a:r>
+              <a:rPr kumimoji="1" lang="zh-CN" altLang="en-US" dirty="0" smtClean="0"/>
+              <a:t>节点负责向所有</a:t>
+            </a:r>
+            <a:r>
+              <a:rPr kumimoji="1" lang="en-US" altLang="zh-CN" dirty="0" smtClean="0"/>
+              <a:t>Frontend</a:t>
+            </a:r>
+            <a:r>
+              <a:rPr kumimoji="1" lang="zh-CN" altLang="en-US" dirty="0" smtClean="0"/>
+              <a:t>节点发起提交测试请求</a:t>
+            </a:r>
+            <a:endParaRPr kumimoji="1" lang="zh-CN" altLang="en-US" dirty="0"/>
+          </a:p>
+        </p:txBody>
+      </p:sp>
+      <p:sp>
+        <p:nvSpPr>
+          <p:cNvPr id="4" name="幻灯片编号占位符 3"/>
+          <p:cNvSpPr>
+            <a:spLocks noGrp="1"/>
+          </p:cNvSpPr>
+          <p:nvPr>
+            <p:ph type="sldNum" sz="quarter" idx="10"/>
+          </p:nvPr>
+        </p:nvSpPr>
+        <p:spPr/>
+        <p:txBody>
+          <a:bodyPr/>
+          <a:lstStyle/>
+          <a:p>
+            <a:fld id="{44AE2A6D-1A60-7B46-8B20-D315447A2CA4}" type="slidenum">
+              <a:rPr kumimoji="1" lang="zh-CN" altLang="en-US" smtClean="0"/>
+              <a:t>7</a:t>
+            </a:fld>
+            <a:endParaRPr kumimoji="1" lang="zh-CN" altLang="en-US"/>
+          </a:p>
+        </p:txBody>
+      </p:sp>
+    </p:spTree>
+    <p:extLst>
+      <p:ext uri="{BB962C8B-B14F-4D97-AF65-F5344CB8AC3E}">
+        <p14:creationId xmlns:p14="http://schemas.microsoft.com/office/powerpoint/2010/main" val="1278554596"/>
+      </p:ext>
+    </p:extLst>
+  </p:cSld>
+  <p:clrMapOvr>
+    <a:masterClrMapping/>
+  </p:clrMapOvr>
+</p:notes>
+</file>
+
+<file path=ppt/notesSlides/notesSlide3.xml><?xml version="1.0" encoding="utf-8"?>
+<p:notes xmlns:a="http://schemas.openxmlformats.org/drawingml/2006/main" xmlns:r="http://schemas.openxmlformats.org/officeDocument/2006/relationships" xmlns:p="http://schemas.openxmlformats.org/presentationml/2006/main">
+  <p:cSld>
+    <p:spTree>
+      <p:nvGrpSpPr>
+        <p:cNvPr id="1" name=""/>
+        <p:cNvGrpSpPr/>
+        <p:nvPr/>
+      </p:nvGrpSpPr>
+      <p:grpSpPr>
+        <a:xfrm>
+          <a:off x="0" y="0"/>
+          <a:ext cx="0" cy="0"/>
+          <a:chOff x="0" y="0"/>
+          <a:chExt cx="0" cy="0"/>
+        </a:xfrm>
+      </p:grpSpPr>
+      <p:sp>
+        <p:nvSpPr>
+          <p:cNvPr id="2" name="Slide Image Placeholder 1"/>
+          <p:cNvSpPr>
+            <a:spLocks noGrp="1" noRot="1" noChangeAspect="1"/>
+          </p:cNvSpPr>
+          <p:nvPr>
+            <p:ph type="sldImg" idx="2"/>
+          </p:nvPr>
+        </p:nvSpPr>
+        <p:spPr/>
+      </p:sp>
+      <p:sp>
+        <p:nvSpPr>
+          <p:cNvPr id="3" name="Text Placeholder 2"/>
+          <p:cNvSpPr>
+            <a:spLocks noGrp="1"/>
+          </p:cNvSpPr>
+          <p:nvPr>
+            <p:ph type="body" idx="3"/>
+          </p:nvPr>
+        </p:nvSpPr>
+        <p:spPr/>
+        <p:txBody>
+          <a:bodyPr/>
+          <a:lstStyle/>
+          <a:p>
+            <a:endParaRPr lang="en-US"/>
+          </a:p>
+        </p:txBody>
+      </p:sp>
+      <p:sp>
+        <p:nvSpPr>
+          <p:cNvPr id="4" name="Slide Number Placeholder 3"/>
+          <p:cNvSpPr>
+            <a:spLocks noGrp="1"/>
+          </p:cNvSpPr>
+          <p:nvPr>
+            <p:ph type="sldNum" sz="quarter" idx="5"/>
+          </p:nvPr>
+        </p:nvSpPr>
+        <p:spPr/>
+        <p:txBody>
+          <a:bodyPr/>
+          <a:lstStyle/>
+          <a:p>
+            <a:fld id="{21B2AA4F-B828-4D7C-AFD3-893933DAFCB4}" type="slidenum">
+              <a:rPr lang="en-US" smtClean="0"/>
+              <a:t>24</a:t>
+            </a:fld>
+            <a:endParaRPr lang="en-US"/>
+          </a:p>
+        </p:txBody>
+      </p:sp>
+    </p:spTree>
+    <p:extLst>
+      <p:ext uri="{BB962C8B-B14F-4D97-AF65-F5344CB8AC3E}">
+        <p14:creationId xmlns:p14="http://schemas.microsoft.com/office/powerpoint/2010/main" val="1140469007"/>
+      </p:ext>
+    </p:extLst>
+  </p:cSld>
+  <p:clrMapOvr>
+    <a:masterClrMapping/>
+  </p:clrMapOvr>
+</p:notes>
+</file>
+
 <file path=ppt/slideLayouts/slideLayout1.xml><?xml version="1.0" encoding="utf-8"?>
 <p:sldLayout xmlns:a="http://schemas.openxmlformats.org/drawingml/2006/main" xmlns:r="http://schemas.openxmlformats.org/officeDocument/2006/relationships" xmlns:p="http://schemas.openxmlformats.org/presentationml/2006/main" type="title" preserve="1">
   <p:cSld name="标题幻灯片">
@@ -615,7 +1074,7 @@
           <a:p>
             <a:fld id="{3F53E999-8805-1049-836A-3EA4F0FF4B83}" type="datetimeFigureOut">
               <a:rPr kumimoji="1" lang="zh-CN" altLang="en-US" smtClean="0"/>
-              <a:t>2017/1/14</a:t>
+              <a:t>2017/1/16</a:t>
             </a:fld>
             <a:endParaRPr kumimoji="1" lang="zh-CN" altLang="en-US"/>
           </a:p>
@@ -785,7 +1244,7 @@
           <a:p>
             <a:fld id="{3F53E999-8805-1049-836A-3EA4F0FF4B83}" type="datetimeFigureOut">
               <a:rPr kumimoji="1" lang="zh-CN" altLang="en-US" smtClean="0"/>
-              <a:t>2017/1/14</a:t>
+              <a:t>2017/1/16</a:t>
             </a:fld>
             <a:endParaRPr kumimoji="1" lang="zh-CN" altLang="en-US"/>
           </a:p>
@@ -965,7 +1424,7 @@
           <a:p>
             <a:fld id="{3F53E999-8805-1049-836A-3EA4F0FF4B83}" type="datetimeFigureOut">
               <a:rPr kumimoji="1" lang="zh-CN" altLang="en-US" smtClean="0"/>
-              <a:t>2017/1/14</a:t>
+              <a:t>2017/1/16</a:t>
             </a:fld>
             <a:endParaRPr kumimoji="1" lang="zh-CN" altLang="en-US"/>
           </a:p>
@@ -1135,7 +1594,7 @@
           <a:p>
             <a:fld id="{3F53E999-8805-1049-836A-3EA4F0FF4B83}" type="datetimeFigureOut">
               <a:rPr kumimoji="1" lang="zh-CN" altLang="en-US" smtClean="0"/>
-              <a:t>2017/1/14</a:t>
+              <a:t>2017/1/16</a:t>
             </a:fld>
             <a:endParaRPr kumimoji="1" lang="zh-CN" altLang="en-US"/>
           </a:p>
@@ -1381,7 +1840,7 @@
           <a:p>
             <a:fld id="{3F53E999-8805-1049-836A-3EA4F0FF4B83}" type="datetimeFigureOut">
               <a:rPr kumimoji="1" lang="zh-CN" altLang="en-US" smtClean="0"/>
-              <a:t>2017/1/14</a:t>
+              <a:t>2017/1/16</a:t>
             </a:fld>
             <a:endParaRPr kumimoji="1" lang="zh-CN" altLang="en-US"/>
           </a:p>
@@ -1613,7 +2072,7 @@
           <a:p>
             <a:fld id="{3F53E999-8805-1049-836A-3EA4F0FF4B83}" type="datetimeFigureOut">
               <a:rPr kumimoji="1" lang="zh-CN" altLang="en-US" smtClean="0"/>
-              <a:t>2017/1/14</a:t>
+              <a:t>2017/1/16</a:t>
             </a:fld>
             <a:endParaRPr kumimoji="1" lang="zh-CN" altLang="en-US"/>
           </a:p>
@@ -1980,7 +2439,7 @@
           <a:p>
             <a:fld id="{3F53E999-8805-1049-836A-3EA4F0FF4B83}" type="datetimeFigureOut">
               <a:rPr kumimoji="1" lang="zh-CN" altLang="en-US" smtClean="0"/>
-              <a:t>2017/1/14</a:t>
+              <a:t>2017/1/16</a:t>
             </a:fld>
             <a:endParaRPr kumimoji="1" lang="zh-CN" altLang="en-US"/>
           </a:p>
@@ -2098,7 +2557,7 @@
           <a:p>
             <a:fld id="{3F53E999-8805-1049-836A-3EA4F0FF4B83}" type="datetimeFigureOut">
               <a:rPr kumimoji="1" lang="zh-CN" altLang="en-US" smtClean="0"/>
-              <a:t>2017/1/14</a:t>
+              <a:t>2017/1/16</a:t>
             </a:fld>
             <a:endParaRPr kumimoji="1" lang="zh-CN" altLang="en-US"/>
           </a:p>
@@ -2193,7 +2652,7 @@
           <a:p>
             <a:fld id="{3F53E999-8805-1049-836A-3EA4F0FF4B83}" type="datetimeFigureOut">
               <a:rPr kumimoji="1" lang="zh-CN" altLang="en-US" smtClean="0"/>
-              <a:t>2017/1/14</a:t>
+              <a:t>2017/1/16</a:t>
             </a:fld>
             <a:endParaRPr kumimoji="1" lang="zh-CN" altLang="en-US"/>
           </a:p>
@@ -2470,7 +2929,7 @@
           <a:p>
             <a:fld id="{3F53E999-8805-1049-836A-3EA4F0FF4B83}" type="datetimeFigureOut">
               <a:rPr kumimoji="1" lang="zh-CN" altLang="en-US" smtClean="0"/>
-              <a:t>2017/1/14</a:t>
+              <a:t>2017/1/16</a:t>
             </a:fld>
             <a:endParaRPr kumimoji="1" lang="zh-CN" altLang="en-US"/>
           </a:p>
@@ -2723,7 +3182,7 @@
           <a:p>
             <a:fld id="{3F53E999-8805-1049-836A-3EA4F0FF4B83}" type="datetimeFigureOut">
               <a:rPr kumimoji="1" lang="zh-CN" altLang="en-US" smtClean="0"/>
-              <a:t>2017/1/14</a:t>
+              <a:t>2017/1/16</a:t>
             </a:fld>
             <a:endParaRPr kumimoji="1" lang="zh-CN" altLang="en-US"/>
           </a:p>
@@ -2936,7 +3395,7 @@
           <a:p>
             <a:fld id="{3F53E999-8805-1049-836A-3EA4F0FF4B83}" type="datetimeFigureOut">
               <a:rPr kumimoji="1" lang="zh-CN" altLang="en-US" smtClean="0"/>
-              <a:t>2017/1/14</a:t>
+              <a:t>2017/1/16</a:t>
             </a:fld>
             <a:endParaRPr kumimoji="1" lang="zh-CN" altLang="en-US"/>
           </a:p>
@@ -8884,7 +9343,15 @@
             </a:r>
             <a:r>
               <a:rPr kumimoji="1" lang="zh-CN" altLang="en-US" dirty="0" smtClean="0"/>
-              <a:t>的简化</a:t>
+              <a:t> </a:t>
+            </a:r>
+            <a:r>
+              <a:rPr kumimoji="1" lang="en-US" altLang="zh-CN" dirty="0" smtClean="0"/>
+              <a:t>-</a:t>
+            </a:r>
+            <a:r>
+              <a:rPr kumimoji="1" lang="zh-CN" altLang="en-US" dirty="0" smtClean="0"/>
+              <a:t> 原方案</a:t>
             </a:r>
             <a:endParaRPr kumimoji="1" lang="zh-CN" altLang="en-US" dirty="0"/>
           </a:p>
@@ -8905,6 +9372,188 @@
           <a:bodyPr/>
           <a:lstStyle/>
           <a:p>
+            <a:r>
+              <a:rPr kumimoji="1" lang="en-US" altLang="zh-CN" dirty="0" smtClean="0"/>
+              <a:t>Shard</a:t>
+            </a:r>
+            <a:r>
+              <a:rPr kumimoji="1" lang="zh-CN" altLang="en-US" dirty="0" smtClean="0"/>
+              <a:t>端将到达的</a:t>
+            </a:r>
+            <a:r>
+              <a:rPr kumimoji="1" lang="en-US" altLang="zh-CN" dirty="0" smtClean="0"/>
+              <a:t>can-commit</a:t>
+            </a:r>
+            <a:r>
+              <a:rPr kumimoji="1" lang="zh-CN" altLang="en-US" dirty="0" smtClean="0"/>
+              <a:t>请求按照事务</a:t>
+            </a:r>
+            <a:r>
+              <a:rPr kumimoji="1" lang="en-US" altLang="zh-CN" dirty="0" smtClean="0"/>
+              <a:t>Id</a:t>
+            </a:r>
+            <a:r>
+              <a:rPr kumimoji="1" lang="zh-CN" altLang="en-US" dirty="0" smtClean="0"/>
+              <a:t>进行升序排序；</a:t>
+            </a:r>
+            <a:endParaRPr kumimoji="1" lang="en-US" altLang="zh-CN" dirty="0" smtClean="0"/>
+          </a:p>
+          <a:p>
+            <a:r>
+              <a:rPr kumimoji="1" lang="zh-CN" altLang="en-US" dirty="0" smtClean="0"/>
+              <a:t>若</a:t>
+            </a:r>
+            <a:r>
+              <a:rPr kumimoji="1" lang="en-US" altLang="zh-CN" dirty="0" smtClean="0"/>
+              <a:t>Shard</a:t>
+            </a:r>
+            <a:r>
+              <a:rPr kumimoji="1" lang="zh-CN" altLang="en-US" dirty="0" smtClean="0"/>
+              <a:t>发现当前正在处理的事务的序号大于队头事务的序号，则在下次收到当前事务发起者的</a:t>
+            </a:r>
+            <a:r>
+              <a:rPr kumimoji="1" lang="en-US" altLang="zh-CN" dirty="0" smtClean="0"/>
+              <a:t>can-commit</a:t>
+            </a:r>
+            <a:r>
+              <a:rPr kumimoji="1" lang="zh-CN" altLang="en-US" dirty="0" smtClean="0"/>
+              <a:t>请求时回复</a:t>
+            </a:r>
+            <a:r>
+              <a:rPr kumimoji="1" lang="en-US" altLang="zh-CN" dirty="0" err="1" smtClean="0"/>
+              <a:t>MaybeDeadlock</a:t>
+            </a:r>
+            <a:r>
+              <a:rPr kumimoji="1" lang="zh-CN" altLang="en-US" dirty="0" smtClean="0"/>
+              <a:t>；</a:t>
+            </a:r>
+            <a:endParaRPr kumimoji="1" lang="en-US" altLang="zh-CN" dirty="0"/>
+          </a:p>
+          <a:p>
+            <a:r>
+              <a:rPr kumimoji="1" lang="zh-CN" altLang="en-US" dirty="0" smtClean="0"/>
+              <a:t>在未收到所有</a:t>
+            </a:r>
+            <a:r>
+              <a:rPr kumimoji="1" lang="en-US" altLang="zh-CN" dirty="0" smtClean="0"/>
+              <a:t>Shard</a:t>
+            </a:r>
+            <a:r>
+              <a:rPr kumimoji="1" lang="zh-CN" altLang="en-US" dirty="0" smtClean="0"/>
+              <a:t>的</a:t>
+            </a:r>
+            <a:r>
+              <a:rPr kumimoji="1" lang="en-US" altLang="zh-CN" dirty="0" smtClean="0"/>
+              <a:t>can-commit</a:t>
+            </a:r>
+            <a:r>
+              <a:rPr kumimoji="1" lang="zh-CN" altLang="en-US" dirty="0" smtClean="0"/>
+              <a:t>回复时，反复发送</a:t>
+            </a:r>
+            <a:r>
+              <a:rPr kumimoji="1" lang="en-US" altLang="zh-CN" dirty="0" smtClean="0"/>
+              <a:t>can-commit</a:t>
+            </a:r>
+            <a:r>
+              <a:rPr kumimoji="1" lang="zh-CN" altLang="en-US" dirty="0" smtClean="0"/>
+              <a:t>消息，直到</a:t>
+            </a:r>
+            <a:endParaRPr kumimoji="1" lang="en-US" altLang="zh-CN" dirty="0" smtClean="0"/>
+          </a:p>
+          <a:p>
+            <a:pPr lvl="1"/>
+            <a:r>
+              <a:rPr kumimoji="1" lang="zh-CN" altLang="en-US" dirty="0" smtClean="0"/>
+              <a:t>收到所有的</a:t>
+            </a:r>
+            <a:r>
+              <a:rPr kumimoji="1" lang="en-US" altLang="zh-CN" dirty="0" smtClean="0"/>
+              <a:t>Yes</a:t>
+            </a:r>
+            <a:r>
+              <a:rPr kumimoji="1" lang="zh-CN" altLang="en-US" dirty="0" smtClean="0"/>
+              <a:t>回复</a:t>
+            </a:r>
+            <a:r>
+              <a:rPr kumimoji="1" lang="en-US" altLang="zh-CN" dirty="0" smtClean="0"/>
+              <a:t>——</a:t>
+            </a:r>
+            <a:r>
+              <a:rPr kumimoji="1" lang="zh-CN" altLang="en-US" dirty="0" smtClean="0"/>
+              <a:t>提交</a:t>
+            </a:r>
+            <a:endParaRPr kumimoji="1" lang="en-US" altLang="zh-CN" dirty="0" smtClean="0"/>
+          </a:p>
+          <a:p>
+            <a:pPr lvl="1"/>
+            <a:r>
+              <a:rPr kumimoji="1" lang="zh-CN" altLang="en-US" dirty="0" smtClean="0"/>
+              <a:t>收到了任何一个</a:t>
+            </a:r>
+            <a:r>
+              <a:rPr kumimoji="1" lang="en-US" altLang="zh-CN" dirty="0" smtClean="0"/>
+              <a:t>No</a:t>
+            </a:r>
+            <a:r>
+              <a:rPr kumimoji="1" lang="zh-CN" altLang="en-US" dirty="0" smtClean="0"/>
+              <a:t>回复</a:t>
+            </a:r>
+            <a:r>
+              <a:rPr kumimoji="1" lang="en-US" altLang="zh-CN" dirty="0" smtClean="0"/>
+              <a:t>——</a:t>
+            </a:r>
+            <a:r>
+              <a:rPr kumimoji="1" lang="zh-CN" altLang="en-US" dirty="0" smtClean="0"/>
+              <a:t>放弃</a:t>
+            </a:r>
+            <a:endParaRPr kumimoji="1" lang="en-US" altLang="zh-CN" dirty="0" smtClean="0"/>
+          </a:p>
+          <a:p>
+            <a:pPr lvl="1"/>
+            <a:r>
+              <a:rPr kumimoji="1" lang="zh-CN" altLang="en-US" dirty="0" smtClean="0"/>
+              <a:t>收到了先前回复</a:t>
+            </a:r>
+            <a:r>
+              <a:rPr kumimoji="1" lang="en-US" altLang="zh-CN" dirty="0" smtClean="0"/>
+              <a:t>Yes</a:t>
+            </a:r>
+            <a:r>
+              <a:rPr kumimoji="1" lang="zh-CN" altLang="en-US" dirty="0" smtClean="0"/>
+              <a:t>回复的</a:t>
+            </a:r>
+            <a:r>
+              <a:rPr kumimoji="1" lang="en-US" altLang="zh-CN" dirty="0" err="1" smtClean="0"/>
+              <a:t>MaybeDeadlock</a:t>
+            </a:r>
+            <a:r>
+              <a:rPr kumimoji="1" lang="zh-CN" altLang="en-US" dirty="0" smtClean="0"/>
+              <a:t>回复</a:t>
+            </a:r>
+            <a:r>
+              <a:rPr kumimoji="1" lang="en-US" altLang="zh-CN" dirty="0" smtClean="0"/>
+              <a:t>——</a:t>
+            </a:r>
+            <a:r>
+              <a:rPr kumimoji="1" lang="zh-CN" altLang="en-US" dirty="0" smtClean="0"/>
+              <a:t>通知所有</a:t>
+            </a:r>
+            <a:r>
+              <a:rPr kumimoji="1" lang="en-US" altLang="zh-CN" dirty="0" smtClean="0"/>
+              <a:t>Shard</a:t>
+            </a:r>
+            <a:r>
+              <a:rPr kumimoji="1" lang="zh-CN" altLang="en-US" dirty="0" smtClean="0"/>
+              <a:t>将</a:t>
+            </a:r>
+            <a:r>
+              <a:rPr kumimoji="1" lang="en-US" altLang="zh-CN" dirty="0" smtClean="0"/>
+              <a:t>can-commit</a:t>
+            </a:r>
+            <a:r>
+              <a:rPr kumimoji="1" lang="zh-CN" altLang="en-US" dirty="0" smtClean="0"/>
+              <a:t>请求重新入队</a:t>
+            </a:r>
             <a:endParaRPr kumimoji="1" lang="zh-CN" altLang="en-US" dirty="0"/>
           </a:p>
         </p:txBody>
@@ -8948,7 +9597,7 @@
       </p:grpSpPr>
       <p:sp>
         <p:nvSpPr>
-          <p:cNvPr id="2" name="标题 1"/>
+          <p:cNvPr id="4" name="标题 3"/>
           <p:cNvSpPr>
             <a:spLocks noGrp="1"/>
           </p:cNvSpPr>
@@ -8963,7 +9612,23 @@
           <a:p>
             <a:r>
               <a:rPr kumimoji="1" lang="zh-CN" altLang="en-US" dirty="0" smtClean="0"/>
-              <a:t>测试情况及结果</a:t>
+              <a:t>测试框架中方案</a:t>
+            </a:r>
+            <a:r>
+              <a:rPr kumimoji="1" lang="en-US" altLang="zh-CN" dirty="0" smtClean="0"/>
+              <a:t>2</a:t>
+            </a:r>
+            <a:r>
+              <a:rPr kumimoji="1" lang="zh-CN" altLang="en-US" dirty="0" smtClean="0"/>
+              <a:t> </a:t>
+            </a:r>
+            <a:r>
+              <a:rPr kumimoji="1" lang="mr-IN" altLang="zh-CN" dirty="0" smtClean="0"/>
+              <a:t>–</a:t>
+            </a:r>
+            <a:r>
+              <a:rPr kumimoji="1" lang="zh-CN" altLang="en-US" dirty="0" smtClean="0"/>
+              <a:t> 简化的实施方案</a:t>
             </a:r>
             <a:endParaRPr kumimoji="1" lang="zh-CN" altLang="en-US" dirty="0"/>
           </a:p>
@@ -8971,7 +9636,7 @@
       </p:sp>
       <p:sp>
         <p:nvSpPr>
-          <p:cNvPr id="3" name="内容占位符 2"/>
+          <p:cNvPr id="5" name="内容占位符 4"/>
           <p:cNvSpPr>
             <a:spLocks noGrp="1"/>
           </p:cNvSpPr>
@@ -8981,26 +9646,141 @@
         </p:nvSpPr>
         <p:spPr/>
         <p:txBody>
-          <a:bodyPr/>
-          <a:lstStyle/>
-          <a:p>
-            <a:r>
-              <a:rPr kumimoji="1" lang="zh-CN" altLang="en-US" dirty="0" smtClean="0"/>
-              <a:t>测试目标</a:t>
+          <a:bodyPr>
+            <a:normAutofit fontScale="92500" lnSpcReduction="10000"/>
+          </a:bodyPr>
+          <a:lstStyle/>
+          <a:p>
+            <a:r>
+              <a:rPr kumimoji="1" lang="en-US" altLang="zh-CN" dirty="0" smtClean="0"/>
+              <a:t>Shard</a:t>
+            </a:r>
+            <a:r>
+              <a:rPr kumimoji="1" lang="zh-CN" altLang="en-US" dirty="0" smtClean="0"/>
+              <a:t>使用优先级</a:t>
+            </a:r>
+            <a:r>
+              <a:rPr kumimoji="1" lang="en-US" altLang="zh-CN" dirty="0" smtClean="0"/>
+              <a:t>can-commit</a:t>
+            </a:r>
+            <a:r>
+              <a:rPr kumimoji="1" lang="zh-CN" altLang="en-US" dirty="0" smtClean="0"/>
+              <a:t>队列；</a:t>
             </a:r>
             <a:endParaRPr kumimoji="1" lang="en-US" altLang="zh-CN" dirty="0" smtClean="0"/>
           </a:p>
           <a:p>
             <a:r>
               <a:rPr kumimoji="1" lang="zh-CN" altLang="en-US" dirty="0" smtClean="0"/>
-              <a:t>测试方法</a:t>
+              <a:t>当</a:t>
+            </a:r>
+            <a:r>
+              <a:rPr kumimoji="1" lang="en-US" altLang="zh-CN" dirty="0" smtClean="0"/>
+              <a:t>Shard</a:t>
+            </a:r>
+            <a:r>
+              <a:rPr kumimoji="1" lang="zh-CN" altLang="en-US" dirty="0" smtClean="0"/>
+              <a:t>收到</a:t>
+            </a:r>
+            <a:r>
+              <a:rPr kumimoji="1" lang="en-US" altLang="zh-CN" dirty="0" smtClean="0"/>
+              <a:t>can-commit</a:t>
+            </a:r>
+            <a:r>
+              <a:rPr kumimoji="1" lang="zh-CN" altLang="en-US" dirty="0" smtClean="0"/>
+              <a:t>请求时将</a:t>
+            </a:r>
+            <a:r>
+              <a:rPr kumimoji="1" lang="en-US" altLang="zh-CN" dirty="0" smtClean="0"/>
+              <a:t>can-commit</a:t>
+            </a:r>
+            <a:r>
+              <a:rPr kumimoji="1" lang="zh-CN" altLang="en-US" dirty="0" smtClean="0"/>
+              <a:t>请求直接放入队列而暂不处理</a:t>
             </a:r>
             <a:endParaRPr kumimoji="1" lang="en-US" altLang="zh-CN" dirty="0" smtClean="0"/>
           </a:p>
           <a:p>
             <a:r>
               <a:rPr kumimoji="1" lang="zh-CN" altLang="en-US" dirty="0" smtClean="0"/>
-              <a:t>测试结果</a:t>
+              <a:t>判断是否符合如下条件</a:t>
+            </a:r>
+            <a:endParaRPr kumimoji="1" lang="en-US" altLang="zh-CN" dirty="0" smtClean="0"/>
+          </a:p>
+          <a:p>
+            <a:pPr lvl="1"/>
+            <a:r>
+              <a:rPr kumimoji="1" lang="zh-CN" altLang="en-US" dirty="0" smtClean="0"/>
+              <a:t>没有正在处理的</a:t>
+            </a:r>
+            <a:r>
+              <a:rPr kumimoji="1" lang="en-US" altLang="zh-CN" dirty="0" smtClean="0"/>
+              <a:t>can-commit</a:t>
+            </a:r>
+            <a:r>
+              <a:rPr kumimoji="1" lang="zh-CN" altLang="en-US" dirty="0" smtClean="0"/>
+              <a:t>请求；</a:t>
+            </a:r>
+            <a:endParaRPr kumimoji="1" lang="en-US" altLang="zh-CN" dirty="0" smtClean="0"/>
+          </a:p>
+          <a:p>
+            <a:pPr lvl="1"/>
+            <a:r>
+              <a:rPr kumimoji="1" lang="en-US" altLang="zh-CN" dirty="0" smtClean="0"/>
+              <a:t>can-commit</a:t>
+            </a:r>
+            <a:r>
+              <a:rPr kumimoji="1" lang="zh-CN" altLang="en-US" dirty="0" smtClean="0"/>
+              <a:t>队列为空</a:t>
+            </a:r>
+            <a:endParaRPr kumimoji="1" lang="en-US" altLang="zh-CN" dirty="0" smtClean="0"/>
+          </a:p>
+          <a:p>
+            <a:r>
+              <a:rPr kumimoji="1" lang="zh-CN" altLang="en-US" dirty="0" smtClean="0"/>
+              <a:t>如果符合条件，则阻塞约</a:t>
+            </a:r>
+            <a:r>
+              <a:rPr kumimoji="1" lang="zh-CN" altLang="en-US" dirty="0" smtClean="0"/>
+              <a:t>一定时间（经验值为</a:t>
+            </a:r>
+            <a:r>
+              <a:rPr kumimoji="1" lang="en-US" altLang="zh-CN" dirty="0" smtClean="0"/>
+              <a:t>4</a:t>
+            </a:r>
+            <a:r>
+              <a:rPr kumimoji="1" lang="zh-CN" altLang="en-US" dirty="0" smtClean="0"/>
+              <a:t>*网络时延），然后出队</a:t>
+            </a:r>
+            <a:r>
+              <a:rPr kumimoji="1" lang="en-US" altLang="zh-CN" dirty="0" smtClean="0"/>
+              <a:t>can-commit</a:t>
+            </a:r>
+            <a:r>
+              <a:rPr kumimoji="1" lang="zh-CN" altLang="en-US" dirty="0" smtClean="0"/>
+              <a:t>队列中队头的请求进行处理；</a:t>
+            </a:r>
+            <a:endParaRPr kumimoji="1" lang="en-US" altLang="zh-CN" dirty="0" smtClean="0"/>
+          </a:p>
+          <a:p>
+            <a:r>
+              <a:rPr kumimoji="1" lang="zh-CN" altLang="en-US" dirty="0" smtClean="0"/>
+              <a:t>如果不符合条件，则不执行额外的操作</a:t>
+            </a:r>
+            <a:endParaRPr kumimoji="1" lang="en-US" altLang="zh-CN" dirty="0" smtClean="0"/>
+          </a:p>
+          <a:p>
+            <a:r>
+              <a:rPr kumimoji="1" lang="zh-CN" altLang="en-US" dirty="0" smtClean="0"/>
+              <a:t>当处理完某条提交操作的全过程后，立即从队列中取出下一条</a:t>
+            </a:r>
+            <a:r>
+              <a:rPr kumimoji="1" lang="en-US" altLang="zh-CN" dirty="0" smtClean="0"/>
+              <a:t>can-commit</a:t>
+            </a:r>
+            <a:r>
+              <a:rPr kumimoji="1" lang="zh-CN" altLang="en-US" dirty="0" smtClean="0"/>
+              <a:t>请求并处理</a:t>
             </a:r>
             <a:endParaRPr kumimoji="1" lang="zh-CN" altLang="en-US" dirty="0"/>
           </a:p>
@@ -9009,7 +9789,7 @@
     </p:spTree>
     <p:extLst>
       <p:ext uri="{BB962C8B-B14F-4D97-AF65-F5344CB8AC3E}">
-        <p14:creationId xmlns:p14="http://schemas.microsoft.com/office/powerpoint/2010/main" val="928951752"/>
+        <p14:creationId xmlns:p14="http://schemas.microsoft.com/office/powerpoint/2010/main" val="2102310028"/>
       </p:ext>
     </p:extLst>
   </p:cSld>
@@ -9060,7 +9840,149 @@
           <a:p>
             <a:r>
               <a:rPr kumimoji="1" lang="zh-CN" altLang="en-US" dirty="0" smtClean="0"/>
-              <a:t>测试情况及结果 </a:t>
+              <a:t>简化方案示例</a:t>
+            </a:r>
+            <a:endParaRPr kumimoji="1" lang="zh-CN" altLang="en-US" dirty="0"/>
+          </a:p>
+        </p:txBody>
+      </p:sp>
+      <p:sp>
+        <p:nvSpPr>
+          <p:cNvPr id="4" name="六边形 3"/>
+          <p:cNvSpPr/>
+          <p:nvPr/>
+        </p:nvSpPr>
+        <p:spPr>
+          <a:xfrm>
+            <a:off x="9400675" y="2912878"/>
+            <a:ext cx="1611756" cy="553453"/>
+          </a:xfrm>
+          <a:prstGeom prst="hexagon">
+            <a:avLst/>
+          </a:prstGeom>
+        </p:spPr>
+        <p:style>
+          <a:lnRef idx="2">
+            <a:schemeClr val="accent1">
+              <a:shade val="50000"/>
+            </a:schemeClr>
+          </a:lnRef>
+          <a:fillRef idx="1">
+            <a:schemeClr val="accent1"/>
+          </a:fillRef>
+          <a:effectRef idx="0">
+            <a:schemeClr val="accent1"/>
+          </a:effectRef>
+          <a:fontRef idx="minor">
+            <a:schemeClr val="lt1"/>
+          </a:fontRef>
+        </p:style>
+        <p:txBody>
+          <a:bodyPr rtlCol="0" anchor="ctr"/>
+          <a:lstStyle/>
+          <a:p>
+            <a:pPr algn="ctr"/>
+            <a:r>
+              <a:rPr kumimoji="1" lang="en-US" altLang="zh-CN" sz="1400" smtClean="0"/>
+              <a:t>DealDeadlock</a:t>
+            </a:r>
+            <a:r>
+              <a:rPr kumimoji="1" lang="en-US" altLang="zh-CN" sz="1400" smtClean="0"/>
+              <a:t>Shard1</a:t>
+            </a:r>
+            <a:endParaRPr kumimoji="1" lang="en-US" altLang="zh-CN" sz="1400" dirty="0" smtClean="0"/>
+          </a:p>
+        </p:txBody>
+      </p:sp>
+      <p:sp>
+        <p:nvSpPr>
+          <p:cNvPr id="6" name="六边形 5"/>
+          <p:cNvSpPr/>
+          <p:nvPr/>
+        </p:nvSpPr>
+        <p:spPr>
+          <a:xfrm>
+            <a:off x="9400675" y="3867384"/>
+            <a:ext cx="1611756" cy="553453"/>
+          </a:xfrm>
+          <a:prstGeom prst="hexagon">
+            <a:avLst/>
+          </a:prstGeom>
+        </p:spPr>
+        <p:style>
+          <a:lnRef idx="2">
+            <a:schemeClr val="accent1">
+              <a:shade val="50000"/>
+            </a:schemeClr>
+          </a:lnRef>
+          <a:fillRef idx="1">
+            <a:schemeClr val="accent1"/>
+          </a:fillRef>
+          <a:effectRef idx="0">
+            <a:schemeClr val="accent1"/>
+          </a:effectRef>
+          <a:fontRef idx="minor">
+            <a:schemeClr val="lt1"/>
+          </a:fontRef>
+        </p:style>
+        <p:txBody>
+          <a:bodyPr rtlCol="0" anchor="ctr"/>
+          <a:lstStyle/>
+          <a:p>
+            <a:pPr algn="ctr"/>
+            <a:r>
+              <a:rPr kumimoji="1" lang="en-US" altLang="zh-CN" sz="1400" dirty="0" smtClean="0"/>
+              <a:t>DealDeadlock</a:t>
+            </a:r>
+            <a:r>
+              <a:rPr kumimoji="1" lang="en-US" altLang="zh-CN" sz="1400" dirty="0" smtClean="0"/>
+              <a:t>Shard2</a:t>
+            </a:r>
+            <a:endParaRPr kumimoji="1" lang="en-US" altLang="zh-CN" sz="1400" dirty="0" smtClean="0"/>
+          </a:p>
+        </p:txBody>
+      </p:sp>
+      <p:sp>
+        <p:nvSpPr>
+          <p:cNvPr id="7" name="矩形 6"/>
+          <p:cNvSpPr/>
+          <p:nvPr/>
+        </p:nvSpPr>
+        <p:spPr>
+          <a:xfrm>
+            <a:off x="5702968" y="2856731"/>
+            <a:ext cx="3545306" cy="675006"/>
+          </a:xfrm>
+          <a:prstGeom prst="rect">
+            <a:avLst/>
+          </a:prstGeom>
+        </p:spPr>
+        <p:style>
+          <a:lnRef idx="1">
+            <a:schemeClr val="accent3"/>
+          </a:lnRef>
+          <a:fillRef idx="2">
+            <a:schemeClr val="accent3"/>
+          </a:fillRef>
+          <a:effectRef idx="1">
+            <a:schemeClr val="accent3"/>
+          </a:effectRef>
+          <a:fontRef idx="minor">
+            <a:schemeClr val="dk1"/>
+          </a:fontRef>
+        </p:style>
+        <p:txBody>
+          <a:bodyPr rtlCol="0" anchor="ctr"/>
+          <a:lstStyle/>
+          <a:p>
+            <a:pPr algn="ctr"/>
+            <a:r>
+              <a:rPr kumimoji="1" lang="en-US" altLang="zh-CN" dirty="0" err="1" smtClean="0"/>
+              <a:t>PriorityQueue</a:t>
+            </a:r>
+            <a:r>
+              <a:rPr kumimoji="1" lang="zh-CN" altLang="en-US" dirty="0" smtClean="0"/>
+              <a:t> </a:t>
             </a:r>
             <a:r>
               <a:rPr kumimoji="1" lang="mr-IN" altLang="zh-CN" dirty="0" smtClean="0"/>
@@ -9068,7 +9990,11 @@
             </a:r>
             <a:r>
               <a:rPr kumimoji="1" lang="zh-CN" altLang="en-US" dirty="0" smtClean="0"/>
-              <a:t> 测试目标</a:t>
+              <a:t> </a:t>
+            </a:r>
+            <a:r>
+              <a:rPr kumimoji="1" lang="en-US" altLang="zh-CN" dirty="0" smtClean="0"/>
+              <a:t>can-commit</a:t>
             </a:r>
             <a:endParaRPr kumimoji="1" lang="zh-CN" altLang="en-US" dirty="0"/>
           </a:p>
@@ -9076,103 +10002,868 @@
       </p:sp>
       <p:sp>
         <p:nvSpPr>
-          <p:cNvPr id="3" name="内容占位符 2"/>
-          <p:cNvSpPr>
-            <a:spLocks noGrp="1"/>
-          </p:cNvSpPr>
-          <p:nvPr>
-            <p:ph idx="1"/>
-          </p:nvPr>
-        </p:nvSpPr>
-        <p:spPr/>
-        <p:txBody>
-          <a:bodyPr/>
-          <a:lstStyle/>
-          <a:p>
-            <a:r>
-              <a:rPr kumimoji="1" lang="zh-CN" altLang="en-US" dirty="0" smtClean="0"/>
-              <a:t>比较如下三种方案两端是提交的效率</a:t>
+          <p:cNvPr id="9" name="矩形 8"/>
+          <p:cNvSpPr/>
+          <p:nvPr/>
+        </p:nvSpPr>
+        <p:spPr>
+          <a:xfrm>
+            <a:off x="5702968" y="3806607"/>
+            <a:ext cx="3545306" cy="675006"/>
+          </a:xfrm>
+          <a:prstGeom prst="rect">
+            <a:avLst/>
+          </a:prstGeom>
+        </p:spPr>
+        <p:style>
+          <a:lnRef idx="1">
+            <a:schemeClr val="accent3"/>
+          </a:lnRef>
+          <a:fillRef idx="2">
+            <a:schemeClr val="accent3"/>
+          </a:fillRef>
+          <a:effectRef idx="1">
+            <a:schemeClr val="accent3"/>
+          </a:effectRef>
+          <a:fontRef idx="minor">
+            <a:schemeClr val="dk1"/>
+          </a:fontRef>
+        </p:style>
+        <p:txBody>
+          <a:bodyPr rtlCol="0" anchor="ctr"/>
+          <a:lstStyle/>
+          <a:p>
+            <a:pPr algn="ctr"/>
+            <a:r>
+              <a:rPr kumimoji="1" lang="en-US" altLang="zh-CN" dirty="0" err="1"/>
+              <a:t>PriorityQueue</a:t>
+            </a:r>
+            <a:r>
+              <a:rPr kumimoji="1" lang="zh-CN" altLang="en-US" dirty="0"/>
+              <a:t> </a:t>
+            </a:r>
+            <a:r>
+              <a:rPr kumimoji="1" lang="mr-IN" altLang="zh-CN" dirty="0"/>
+              <a:t>–</a:t>
+            </a:r>
+            <a:r>
+              <a:rPr kumimoji="1" lang="zh-CN" altLang="en-US" dirty="0"/>
+              <a:t> </a:t>
+            </a:r>
+            <a:r>
+              <a:rPr kumimoji="1" lang="en-US" altLang="zh-CN" dirty="0" smtClean="0"/>
+              <a:t>can-commit</a:t>
+            </a:r>
+            <a:endParaRPr kumimoji="1" lang="zh-CN" altLang="en-US" dirty="0"/>
+          </a:p>
+        </p:txBody>
+      </p:sp>
+      <p:sp>
+        <p:nvSpPr>
+          <p:cNvPr id="10" name="矩形 9"/>
+          <p:cNvSpPr/>
+          <p:nvPr/>
+        </p:nvSpPr>
+        <p:spPr>
+          <a:xfrm>
+            <a:off x="3336761" y="1973041"/>
+            <a:ext cx="689812" cy="401053"/>
+          </a:xfrm>
+          <a:prstGeom prst="rect">
+            <a:avLst/>
+          </a:prstGeom>
+        </p:spPr>
+        <p:style>
+          <a:lnRef idx="2">
+            <a:schemeClr val="dk1">
+              <a:shade val="50000"/>
+            </a:schemeClr>
+          </a:lnRef>
+          <a:fillRef idx="1">
+            <a:schemeClr val="dk1"/>
+          </a:fillRef>
+          <a:effectRef idx="0">
+            <a:schemeClr val="dk1"/>
+          </a:effectRef>
+          <a:fontRef idx="minor">
+            <a:schemeClr val="lt1"/>
+          </a:fontRef>
+        </p:style>
+        <p:txBody>
+          <a:bodyPr rtlCol="0" anchor="ctr"/>
+          <a:lstStyle/>
+          <a:p>
+            <a:pPr algn="ctr"/>
+            <a:r>
+              <a:rPr kumimoji="1" lang="en-US" altLang="zh-CN" sz="1600" dirty="0" smtClean="0"/>
+              <a:t>T1C1</a:t>
+            </a:r>
+            <a:endParaRPr kumimoji="1" lang="zh-CN" altLang="en-US" sz="1600" dirty="0"/>
+          </a:p>
+        </p:txBody>
+      </p:sp>
+      <p:sp>
+        <p:nvSpPr>
+          <p:cNvPr id="11" name="矩形 10"/>
+          <p:cNvSpPr/>
+          <p:nvPr/>
+        </p:nvSpPr>
+        <p:spPr>
+          <a:xfrm>
+            <a:off x="4106784" y="1973041"/>
+            <a:ext cx="689812" cy="401053"/>
+          </a:xfrm>
+          <a:prstGeom prst="rect">
+            <a:avLst/>
+          </a:prstGeom>
+        </p:spPr>
+        <p:style>
+          <a:lnRef idx="2">
+            <a:schemeClr val="dk1">
+              <a:shade val="50000"/>
+            </a:schemeClr>
+          </a:lnRef>
+          <a:fillRef idx="1">
+            <a:schemeClr val="dk1"/>
+          </a:fillRef>
+          <a:effectRef idx="0">
+            <a:schemeClr val="dk1"/>
+          </a:effectRef>
+          <a:fontRef idx="minor">
+            <a:schemeClr val="lt1"/>
+          </a:fontRef>
+        </p:style>
+        <p:txBody>
+          <a:bodyPr rtlCol="0" anchor="ctr"/>
+          <a:lstStyle/>
+          <a:p>
+            <a:pPr algn="ctr"/>
+            <a:r>
+              <a:rPr kumimoji="1" lang="en-US" altLang="zh-CN" sz="1600" dirty="0" smtClean="0"/>
+              <a:t>T1C2</a:t>
+            </a:r>
+            <a:endParaRPr kumimoji="1" lang="zh-CN" altLang="en-US" sz="1600" dirty="0"/>
+          </a:p>
+        </p:txBody>
+      </p:sp>
+      <p:sp>
+        <p:nvSpPr>
+          <p:cNvPr id="12" name="矩形 11"/>
+          <p:cNvSpPr/>
+          <p:nvPr/>
+        </p:nvSpPr>
+        <p:spPr>
+          <a:xfrm>
+            <a:off x="1451809" y="3000972"/>
+            <a:ext cx="689812" cy="401053"/>
+          </a:xfrm>
+          <a:prstGeom prst="rect">
+            <a:avLst/>
+          </a:prstGeom>
+        </p:spPr>
+        <p:style>
+          <a:lnRef idx="2">
+            <a:schemeClr val="dk1">
+              <a:shade val="50000"/>
+            </a:schemeClr>
+          </a:lnRef>
+          <a:fillRef idx="1">
+            <a:schemeClr val="dk1"/>
+          </a:fillRef>
+          <a:effectRef idx="0">
+            <a:schemeClr val="dk1"/>
+          </a:effectRef>
+          <a:fontRef idx="minor">
+            <a:schemeClr val="lt1"/>
+          </a:fontRef>
+        </p:style>
+        <p:txBody>
+          <a:bodyPr rtlCol="0" anchor="ctr"/>
+          <a:lstStyle/>
+          <a:p>
+            <a:pPr algn="ctr"/>
+            <a:r>
+              <a:rPr kumimoji="1" lang="en-US" altLang="zh-CN" sz="1600" dirty="0" smtClean="0"/>
+              <a:t>T2C1</a:t>
+            </a:r>
+            <a:endParaRPr kumimoji="1" lang="zh-CN" altLang="en-US" sz="1600" dirty="0"/>
+          </a:p>
+        </p:txBody>
+      </p:sp>
+      <p:sp>
+        <p:nvSpPr>
+          <p:cNvPr id="13" name="矩形 12"/>
+          <p:cNvSpPr/>
+          <p:nvPr/>
+        </p:nvSpPr>
+        <p:spPr>
+          <a:xfrm>
+            <a:off x="2221832" y="3000972"/>
+            <a:ext cx="689812" cy="401053"/>
+          </a:xfrm>
+          <a:prstGeom prst="rect">
+            <a:avLst/>
+          </a:prstGeom>
+        </p:spPr>
+        <p:style>
+          <a:lnRef idx="2">
+            <a:schemeClr val="dk1">
+              <a:shade val="50000"/>
+            </a:schemeClr>
+          </a:lnRef>
+          <a:fillRef idx="1">
+            <a:schemeClr val="dk1"/>
+          </a:fillRef>
+          <a:effectRef idx="0">
+            <a:schemeClr val="dk1"/>
+          </a:effectRef>
+          <a:fontRef idx="minor">
+            <a:schemeClr val="lt1"/>
+          </a:fontRef>
+        </p:style>
+        <p:txBody>
+          <a:bodyPr rtlCol="0" anchor="ctr"/>
+          <a:lstStyle/>
+          <a:p>
+            <a:pPr algn="ctr"/>
+            <a:r>
+              <a:rPr kumimoji="1" lang="en-US" altLang="zh-CN" sz="1600" dirty="0" smtClean="0"/>
+              <a:t>T2C2</a:t>
+            </a:r>
+            <a:endParaRPr kumimoji="1" lang="zh-CN" altLang="en-US" sz="1600" dirty="0"/>
+          </a:p>
+        </p:txBody>
+      </p:sp>
+      <p:sp>
+        <p:nvSpPr>
+          <p:cNvPr id="14" name="矩形 13"/>
+          <p:cNvSpPr/>
+          <p:nvPr/>
+        </p:nvSpPr>
+        <p:spPr>
+          <a:xfrm>
+            <a:off x="2679028" y="5712586"/>
+            <a:ext cx="689812" cy="401053"/>
+          </a:xfrm>
+          <a:prstGeom prst="rect">
+            <a:avLst/>
+          </a:prstGeom>
+        </p:spPr>
+        <p:style>
+          <a:lnRef idx="2">
+            <a:schemeClr val="dk1">
+              <a:shade val="50000"/>
+            </a:schemeClr>
+          </a:lnRef>
+          <a:fillRef idx="1">
+            <a:schemeClr val="dk1"/>
+          </a:fillRef>
+          <a:effectRef idx="0">
+            <a:schemeClr val="dk1"/>
+          </a:effectRef>
+          <a:fontRef idx="minor">
+            <a:schemeClr val="lt1"/>
+          </a:fontRef>
+        </p:style>
+        <p:txBody>
+          <a:bodyPr rtlCol="0" anchor="ctr"/>
+          <a:lstStyle/>
+          <a:p>
+            <a:pPr algn="ctr"/>
+            <a:r>
+              <a:rPr kumimoji="1" lang="en-US" altLang="zh-CN" sz="1600" dirty="0" smtClean="0"/>
+              <a:t>T4C1</a:t>
+            </a:r>
+            <a:endParaRPr kumimoji="1" lang="zh-CN" altLang="en-US" sz="1600" dirty="0"/>
+          </a:p>
+        </p:txBody>
+      </p:sp>
+      <p:sp>
+        <p:nvSpPr>
+          <p:cNvPr id="15" name="矩形 14"/>
+          <p:cNvSpPr/>
+          <p:nvPr/>
+        </p:nvSpPr>
+        <p:spPr>
+          <a:xfrm>
+            <a:off x="3449051" y="5712586"/>
+            <a:ext cx="689812" cy="401053"/>
+          </a:xfrm>
+          <a:prstGeom prst="rect">
+            <a:avLst/>
+          </a:prstGeom>
+        </p:spPr>
+        <p:style>
+          <a:lnRef idx="2">
+            <a:schemeClr val="dk1">
+              <a:shade val="50000"/>
+            </a:schemeClr>
+          </a:lnRef>
+          <a:fillRef idx="1">
+            <a:schemeClr val="dk1"/>
+          </a:fillRef>
+          <a:effectRef idx="0">
+            <a:schemeClr val="dk1"/>
+          </a:effectRef>
+          <a:fontRef idx="minor">
+            <a:schemeClr val="lt1"/>
+          </a:fontRef>
+        </p:style>
+        <p:txBody>
+          <a:bodyPr rtlCol="0" anchor="ctr"/>
+          <a:lstStyle/>
+          <a:p>
+            <a:pPr algn="ctr"/>
+            <a:r>
+              <a:rPr kumimoji="1" lang="en-US" altLang="zh-CN" sz="1600" dirty="0" smtClean="0"/>
+              <a:t>T4C2</a:t>
+            </a:r>
+            <a:endParaRPr kumimoji="1" lang="zh-CN" altLang="en-US" sz="1600" dirty="0"/>
+          </a:p>
+        </p:txBody>
+      </p:sp>
+      <p:sp>
+        <p:nvSpPr>
+          <p:cNvPr id="16" name="矩形 15"/>
+          <p:cNvSpPr/>
+          <p:nvPr/>
+        </p:nvSpPr>
+        <p:spPr>
+          <a:xfrm>
+            <a:off x="1876926" y="4281086"/>
+            <a:ext cx="689812" cy="401053"/>
+          </a:xfrm>
+          <a:prstGeom prst="rect">
+            <a:avLst/>
+          </a:prstGeom>
+        </p:spPr>
+        <p:style>
+          <a:lnRef idx="2">
+            <a:schemeClr val="dk1">
+              <a:shade val="50000"/>
+            </a:schemeClr>
+          </a:lnRef>
+          <a:fillRef idx="1">
+            <a:schemeClr val="dk1"/>
+          </a:fillRef>
+          <a:effectRef idx="0">
+            <a:schemeClr val="dk1"/>
+          </a:effectRef>
+          <a:fontRef idx="minor">
+            <a:schemeClr val="lt1"/>
+          </a:fontRef>
+        </p:style>
+        <p:txBody>
+          <a:bodyPr rtlCol="0" anchor="ctr"/>
+          <a:lstStyle/>
+          <a:p>
+            <a:pPr algn="ctr"/>
+            <a:r>
+              <a:rPr kumimoji="1" lang="en-US" altLang="zh-CN" sz="1600" dirty="0" smtClean="0"/>
+              <a:t>T3C1</a:t>
+            </a:r>
+            <a:endParaRPr kumimoji="1" lang="zh-CN" altLang="en-US" sz="1600" dirty="0"/>
+          </a:p>
+        </p:txBody>
+      </p:sp>
+      <p:sp>
+        <p:nvSpPr>
+          <p:cNvPr id="17" name="矩形 16"/>
+          <p:cNvSpPr/>
+          <p:nvPr/>
+        </p:nvSpPr>
+        <p:spPr>
+          <a:xfrm>
+            <a:off x="2646949" y="4281086"/>
+            <a:ext cx="689812" cy="401053"/>
+          </a:xfrm>
+          <a:prstGeom prst="rect">
+            <a:avLst/>
+          </a:prstGeom>
+        </p:spPr>
+        <p:style>
+          <a:lnRef idx="2">
+            <a:schemeClr val="dk1">
+              <a:shade val="50000"/>
+            </a:schemeClr>
+          </a:lnRef>
+          <a:fillRef idx="1">
+            <a:schemeClr val="dk1"/>
+          </a:fillRef>
+          <a:effectRef idx="0">
+            <a:schemeClr val="dk1"/>
+          </a:effectRef>
+          <a:fontRef idx="minor">
+            <a:schemeClr val="lt1"/>
+          </a:fontRef>
+        </p:style>
+        <p:txBody>
+          <a:bodyPr rtlCol="0" anchor="ctr"/>
+          <a:lstStyle/>
+          <a:p>
+            <a:pPr algn="ctr"/>
+            <a:r>
+              <a:rPr kumimoji="1" lang="en-US" altLang="zh-CN" sz="1600" dirty="0" smtClean="0"/>
+              <a:t>T3C2</a:t>
+            </a:r>
+            <a:endParaRPr kumimoji="1" lang="zh-CN" altLang="en-US" sz="1600" dirty="0"/>
+          </a:p>
+        </p:txBody>
+      </p:sp>
+      <p:sp>
+        <p:nvSpPr>
+          <p:cNvPr id="18" name="文本框 17"/>
+          <p:cNvSpPr txBox="1"/>
+          <p:nvPr/>
+        </p:nvSpPr>
+        <p:spPr>
+          <a:xfrm>
+            <a:off x="5702968" y="704740"/>
+            <a:ext cx="1422377" cy="646331"/>
+          </a:xfrm>
+          <a:prstGeom prst="rect">
+            <a:avLst/>
+          </a:prstGeom>
+          <a:noFill/>
+        </p:spPr>
+        <p:txBody>
+          <a:bodyPr wrap="none" rtlCol="0">
+            <a:spAutoFit/>
+          </a:bodyPr>
+          <a:lstStyle/>
+          <a:p>
+            <a:r>
+              <a:rPr kumimoji="1" lang="en-US" altLang="zh-CN" dirty="0" smtClean="0"/>
+              <a:t>T:</a:t>
+            </a:r>
+            <a:r>
+              <a:rPr kumimoji="1" lang="zh-CN" altLang="en-US" dirty="0" smtClean="0"/>
+              <a:t> 事务序号</a:t>
             </a:r>
             <a:endParaRPr kumimoji="1" lang="en-US" altLang="zh-CN" dirty="0" smtClean="0"/>
           </a:p>
           <a:p>
-            <a:pPr marL="914400" lvl="1" indent="-457200">
-              <a:buFont typeface="+mj-lt"/>
-              <a:buAutoNum type="arabicPeriod"/>
-            </a:pPr>
             <a:r>
               <a:rPr kumimoji="1" lang="en-US" altLang="zh-CN" dirty="0" smtClean="0"/>
-              <a:t>ODL</a:t>
-            </a:r>
-            <a:r>
-              <a:rPr kumimoji="1" lang="zh-CN" altLang="en-US" dirty="0" smtClean="0"/>
-              <a:t>原有方案</a:t>
-            </a:r>
-            <a:endParaRPr kumimoji="1" lang="en-US" altLang="zh-CN" dirty="0" smtClean="0"/>
-          </a:p>
-          <a:p>
-            <a:pPr marL="914400" lvl="1" indent="-457200">
-              <a:buFont typeface="+mj-lt"/>
-              <a:buAutoNum type="arabicPeriod"/>
-            </a:pPr>
-            <a:r>
-              <a:rPr kumimoji="1" lang="zh-CN" altLang="en-US" dirty="0" smtClean="0"/>
-              <a:t>代理方案</a:t>
-            </a:r>
-            <a:endParaRPr kumimoji="1" lang="en-US" altLang="zh-CN" dirty="0" smtClean="0"/>
-          </a:p>
-          <a:p>
-            <a:pPr marL="914400" lvl="1" indent="-457200">
-              <a:buFont typeface="+mj-lt"/>
-              <a:buAutoNum type="arabicPeriod"/>
-            </a:pPr>
-            <a:r>
-              <a:rPr kumimoji="1" lang="zh-CN" altLang="en-US" dirty="0" smtClean="0"/>
-              <a:t>事务排序方案</a:t>
-            </a:r>
-            <a:endParaRPr kumimoji="1" lang="en-US" altLang="zh-CN" dirty="0" smtClean="0"/>
-          </a:p>
-          <a:p>
-            <a:r>
-              <a:rPr kumimoji="1" lang="zh-CN" altLang="en-US" dirty="0" smtClean="0"/>
-              <a:t>测试通信时延带来的影响</a:t>
-            </a:r>
-            <a:endParaRPr kumimoji="1" lang="en-US" altLang="zh-CN" dirty="0" smtClean="0"/>
-          </a:p>
-          <a:p>
-            <a:r>
-              <a:rPr kumimoji="1" lang="zh-CN" altLang="en-US" dirty="0" smtClean="0"/>
-              <a:t>使用时延、吞吐率两个指标来衡量提交的效率</a:t>
-            </a:r>
-            <a:endParaRPr kumimoji="1" lang="en-US" altLang="zh-CN" dirty="0" smtClean="0"/>
-          </a:p>
-          <a:p>
-            <a:pPr marL="914400" lvl="1" indent="-457200">
-              <a:buFont typeface="+mj-lt"/>
-              <a:buAutoNum type="arabicPeriod"/>
-            </a:pPr>
-            <a:endParaRPr kumimoji="1" lang="en-US" altLang="zh-CN" dirty="0" smtClean="0"/>
-          </a:p>
-          <a:p>
-            <a:pPr marL="914400" lvl="1" indent="-457200">
-              <a:buFont typeface="+mj-lt"/>
-              <a:buAutoNum type="arabicPeriod"/>
-            </a:pPr>
-            <a:endParaRPr kumimoji="1" lang="en-US" altLang="zh-CN" dirty="0" smtClean="0"/>
-          </a:p>
-          <a:p>
-            <a:pPr marL="914400" lvl="1" indent="-457200">
-              <a:buFont typeface="+mj-lt"/>
-              <a:buAutoNum type="arabicPeriod"/>
-            </a:pPr>
+              <a:t>C:</a:t>
+            </a:r>
+            <a:r>
+              <a:rPr kumimoji="1" lang="zh-CN" altLang="en-US" dirty="0" smtClean="0"/>
+              <a:t> 对应</a:t>
+            </a:r>
+            <a:r>
+              <a:rPr kumimoji="1" lang="en-US" altLang="zh-CN" dirty="0" smtClean="0"/>
+              <a:t>Shard</a:t>
+            </a:r>
             <a:endParaRPr kumimoji="1" lang="zh-CN" altLang="en-US" dirty="0"/>
+          </a:p>
+        </p:txBody>
+      </p:sp>
+      <p:sp>
+        <p:nvSpPr>
+          <p:cNvPr id="20" name="矩形 19"/>
+          <p:cNvSpPr/>
+          <p:nvPr/>
+        </p:nvSpPr>
+        <p:spPr>
+          <a:xfrm>
+            <a:off x="7626662" y="3940810"/>
+            <a:ext cx="689812" cy="401053"/>
+          </a:xfrm>
+          <a:prstGeom prst="rect">
+            <a:avLst/>
+          </a:prstGeom>
+        </p:spPr>
+        <p:style>
+          <a:lnRef idx="2">
+            <a:schemeClr val="dk1">
+              <a:shade val="50000"/>
+            </a:schemeClr>
+          </a:lnRef>
+          <a:fillRef idx="1">
+            <a:schemeClr val="dk1"/>
+          </a:fillRef>
+          <a:effectRef idx="0">
+            <a:schemeClr val="dk1"/>
+          </a:effectRef>
+          <a:fontRef idx="minor">
+            <a:schemeClr val="lt1"/>
+          </a:fontRef>
+        </p:style>
+        <p:txBody>
+          <a:bodyPr rtlCol="0" anchor="ctr"/>
+          <a:lstStyle/>
+          <a:p>
+            <a:pPr algn="ctr"/>
+            <a:r>
+              <a:rPr kumimoji="1" lang="en-US" altLang="zh-CN" sz="1600" dirty="0" smtClean="0"/>
+              <a:t>T3C2</a:t>
+            </a:r>
+            <a:endParaRPr kumimoji="1" lang="zh-CN" altLang="en-US" sz="1600" dirty="0"/>
+          </a:p>
+        </p:txBody>
+      </p:sp>
+      <p:sp>
+        <p:nvSpPr>
+          <p:cNvPr id="21" name="矩形 20"/>
+          <p:cNvSpPr/>
+          <p:nvPr/>
+        </p:nvSpPr>
+        <p:spPr>
+          <a:xfrm>
+            <a:off x="8430128" y="2989781"/>
+            <a:ext cx="689812" cy="401053"/>
+          </a:xfrm>
+          <a:prstGeom prst="rect">
+            <a:avLst/>
+          </a:prstGeom>
+        </p:spPr>
+        <p:style>
+          <a:lnRef idx="2">
+            <a:schemeClr val="dk1">
+              <a:shade val="50000"/>
+            </a:schemeClr>
+          </a:lnRef>
+          <a:fillRef idx="1">
+            <a:schemeClr val="dk1"/>
+          </a:fillRef>
+          <a:effectRef idx="0">
+            <a:schemeClr val="dk1"/>
+          </a:effectRef>
+          <a:fontRef idx="minor">
+            <a:schemeClr val="lt1"/>
+          </a:fontRef>
+        </p:style>
+        <p:txBody>
+          <a:bodyPr rtlCol="0" anchor="ctr"/>
+          <a:lstStyle/>
+          <a:p>
+            <a:pPr algn="ctr"/>
+            <a:r>
+              <a:rPr kumimoji="1" lang="en-US" altLang="zh-CN" sz="1600" dirty="0" smtClean="0"/>
+              <a:t>T3C1</a:t>
+            </a:r>
+            <a:endParaRPr kumimoji="1" lang="zh-CN" altLang="en-US" sz="1600" dirty="0"/>
+          </a:p>
+        </p:txBody>
+      </p:sp>
+      <p:sp>
+        <p:nvSpPr>
+          <p:cNvPr id="22" name="矩形 21"/>
+          <p:cNvSpPr/>
+          <p:nvPr/>
+        </p:nvSpPr>
+        <p:spPr>
+          <a:xfrm>
+            <a:off x="8460856" y="3940809"/>
+            <a:ext cx="689812" cy="401053"/>
+          </a:xfrm>
+          <a:prstGeom prst="rect">
+            <a:avLst/>
+          </a:prstGeom>
+        </p:spPr>
+        <p:style>
+          <a:lnRef idx="2">
+            <a:schemeClr val="dk1">
+              <a:shade val="50000"/>
+            </a:schemeClr>
+          </a:lnRef>
+          <a:fillRef idx="1">
+            <a:schemeClr val="dk1"/>
+          </a:fillRef>
+          <a:effectRef idx="0">
+            <a:schemeClr val="dk1"/>
+          </a:effectRef>
+          <a:fontRef idx="minor">
+            <a:schemeClr val="lt1"/>
+          </a:fontRef>
+        </p:style>
+        <p:txBody>
+          <a:bodyPr rtlCol="0" anchor="ctr"/>
+          <a:lstStyle/>
+          <a:p>
+            <a:pPr algn="ctr"/>
+            <a:r>
+              <a:rPr kumimoji="1" lang="en-US" altLang="zh-CN" sz="1600" dirty="0" smtClean="0"/>
+              <a:t>T2C2</a:t>
+            </a:r>
+            <a:endParaRPr kumimoji="1" lang="zh-CN" altLang="en-US" sz="1600" dirty="0"/>
+          </a:p>
+        </p:txBody>
+      </p:sp>
+      <p:sp>
+        <p:nvSpPr>
+          <p:cNvPr id="23" name="矩形 22"/>
+          <p:cNvSpPr/>
+          <p:nvPr/>
+        </p:nvSpPr>
+        <p:spPr>
+          <a:xfrm>
+            <a:off x="7587915" y="2989077"/>
+            <a:ext cx="689812" cy="401053"/>
+          </a:xfrm>
+          <a:prstGeom prst="rect">
+            <a:avLst/>
+          </a:prstGeom>
+        </p:spPr>
+        <p:style>
+          <a:lnRef idx="2">
+            <a:schemeClr val="dk1">
+              <a:shade val="50000"/>
+            </a:schemeClr>
+          </a:lnRef>
+          <a:fillRef idx="1">
+            <a:schemeClr val="dk1"/>
+          </a:fillRef>
+          <a:effectRef idx="0">
+            <a:schemeClr val="dk1"/>
+          </a:effectRef>
+          <a:fontRef idx="minor">
+            <a:schemeClr val="lt1"/>
+          </a:fontRef>
+        </p:style>
+        <p:txBody>
+          <a:bodyPr rtlCol="0" anchor="ctr"/>
+          <a:lstStyle/>
+          <a:p>
+            <a:pPr algn="ctr"/>
+            <a:r>
+              <a:rPr kumimoji="1" lang="en-US" altLang="zh-CN" sz="1600" dirty="0" smtClean="0"/>
+              <a:t>T2C1</a:t>
+            </a:r>
+            <a:endParaRPr kumimoji="1" lang="zh-CN" altLang="en-US" sz="1600" dirty="0"/>
+          </a:p>
+        </p:txBody>
+      </p:sp>
+      <p:sp>
+        <p:nvSpPr>
+          <p:cNvPr id="24" name="文本框 23"/>
+          <p:cNvSpPr txBox="1"/>
+          <p:nvPr/>
+        </p:nvSpPr>
+        <p:spPr>
+          <a:xfrm>
+            <a:off x="8805762" y="2060970"/>
+            <a:ext cx="1050288" cy="369332"/>
+          </a:xfrm>
+          <a:prstGeom prst="rect">
+            <a:avLst/>
+          </a:prstGeom>
+        </p:spPr>
+        <p:style>
+          <a:lnRef idx="2">
+            <a:schemeClr val="accent2">
+              <a:shade val="50000"/>
+            </a:schemeClr>
+          </a:lnRef>
+          <a:fillRef idx="1">
+            <a:schemeClr val="accent2"/>
+          </a:fillRef>
+          <a:effectRef idx="0">
+            <a:schemeClr val="accent2"/>
+          </a:effectRef>
+          <a:fontRef idx="minor">
+            <a:schemeClr val="lt1"/>
+          </a:fontRef>
+        </p:style>
+        <p:txBody>
+          <a:bodyPr wrap="none" rtlCol="0">
+            <a:spAutoFit/>
+          </a:bodyPr>
+          <a:lstStyle/>
+          <a:p>
+            <a:r>
+              <a:rPr kumimoji="1" lang="zh-CN" altLang="en-US" dirty="0" smtClean="0"/>
+              <a:t>阻塞中</a:t>
+            </a:r>
+            <a:r>
+              <a:rPr kumimoji="1" lang="mr-IN" altLang="zh-CN" dirty="0" smtClean="0"/>
+              <a:t>…</a:t>
+            </a:r>
+            <a:endParaRPr kumimoji="1" lang="zh-CN" altLang="en-US" dirty="0"/>
+          </a:p>
+        </p:txBody>
+      </p:sp>
+      <p:sp>
+        <p:nvSpPr>
+          <p:cNvPr id="25" name="矩形 24"/>
+          <p:cNvSpPr/>
+          <p:nvPr/>
+        </p:nvSpPr>
+        <p:spPr>
+          <a:xfrm>
+            <a:off x="7587915" y="2996778"/>
+            <a:ext cx="689812" cy="401053"/>
+          </a:xfrm>
+          <a:prstGeom prst="rect">
+            <a:avLst/>
+          </a:prstGeom>
+        </p:spPr>
+        <p:style>
+          <a:lnRef idx="2">
+            <a:schemeClr val="dk1">
+              <a:shade val="50000"/>
+            </a:schemeClr>
+          </a:lnRef>
+          <a:fillRef idx="1">
+            <a:schemeClr val="dk1"/>
+          </a:fillRef>
+          <a:effectRef idx="0">
+            <a:schemeClr val="dk1"/>
+          </a:effectRef>
+          <a:fontRef idx="minor">
+            <a:schemeClr val="lt1"/>
+          </a:fontRef>
+        </p:style>
+        <p:txBody>
+          <a:bodyPr rtlCol="0" anchor="ctr"/>
+          <a:lstStyle/>
+          <a:p>
+            <a:pPr algn="ctr"/>
+            <a:r>
+              <a:rPr kumimoji="1" lang="en-US" altLang="zh-CN" sz="1600" dirty="0" smtClean="0"/>
+              <a:t>T4C1</a:t>
+            </a:r>
+            <a:endParaRPr kumimoji="1" lang="zh-CN" altLang="en-US" sz="1600" dirty="0"/>
+          </a:p>
+        </p:txBody>
+      </p:sp>
+      <p:sp>
+        <p:nvSpPr>
+          <p:cNvPr id="26" name="矩形 25"/>
+          <p:cNvSpPr/>
+          <p:nvPr/>
+        </p:nvSpPr>
+        <p:spPr>
+          <a:xfrm>
+            <a:off x="7626662" y="3940808"/>
+            <a:ext cx="689812" cy="401053"/>
+          </a:xfrm>
+          <a:prstGeom prst="rect">
+            <a:avLst/>
+          </a:prstGeom>
+        </p:spPr>
+        <p:style>
+          <a:lnRef idx="2">
+            <a:schemeClr val="dk1">
+              <a:shade val="50000"/>
+            </a:schemeClr>
+          </a:lnRef>
+          <a:fillRef idx="1">
+            <a:schemeClr val="dk1"/>
+          </a:fillRef>
+          <a:effectRef idx="0">
+            <a:schemeClr val="dk1"/>
+          </a:effectRef>
+          <a:fontRef idx="minor">
+            <a:schemeClr val="lt1"/>
+          </a:fontRef>
+        </p:style>
+        <p:txBody>
+          <a:bodyPr rtlCol="0" anchor="ctr"/>
+          <a:lstStyle/>
+          <a:p>
+            <a:pPr algn="ctr"/>
+            <a:r>
+              <a:rPr kumimoji="1" lang="en-US" altLang="zh-CN" sz="1600" dirty="0" smtClean="0"/>
+              <a:t>T4C2</a:t>
+            </a:r>
+            <a:endParaRPr kumimoji="1" lang="zh-CN" altLang="en-US" sz="1600" dirty="0"/>
+          </a:p>
+        </p:txBody>
+      </p:sp>
+      <p:sp>
+        <p:nvSpPr>
+          <p:cNvPr id="27" name="矩形 26"/>
+          <p:cNvSpPr/>
+          <p:nvPr/>
+        </p:nvSpPr>
+        <p:spPr>
+          <a:xfrm>
+            <a:off x="8466870" y="3940809"/>
+            <a:ext cx="689812" cy="401053"/>
+          </a:xfrm>
+          <a:prstGeom prst="rect">
+            <a:avLst/>
+          </a:prstGeom>
+        </p:spPr>
+        <p:style>
+          <a:lnRef idx="2">
+            <a:schemeClr val="dk1">
+              <a:shade val="50000"/>
+            </a:schemeClr>
+          </a:lnRef>
+          <a:fillRef idx="1">
+            <a:schemeClr val="dk1"/>
+          </a:fillRef>
+          <a:effectRef idx="0">
+            <a:schemeClr val="dk1"/>
+          </a:effectRef>
+          <a:fontRef idx="minor">
+            <a:schemeClr val="lt1"/>
+          </a:fontRef>
+        </p:style>
+        <p:txBody>
+          <a:bodyPr rtlCol="0" anchor="ctr"/>
+          <a:lstStyle/>
+          <a:p>
+            <a:pPr algn="ctr"/>
+            <a:r>
+              <a:rPr kumimoji="1" lang="en-US" altLang="zh-CN" sz="1600" dirty="0" smtClean="0"/>
+              <a:t>T1C2</a:t>
+            </a:r>
+            <a:endParaRPr kumimoji="1" lang="zh-CN" altLang="en-US" sz="1600" dirty="0"/>
+          </a:p>
+        </p:txBody>
+      </p:sp>
+      <p:sp>
+        <p:nvSpPr>
+          <p:cNvPr id="28" name="矩形 27"/>
+          <p:cNvSpPr/>
+          <p:nvPr/>
+        </p:nvSpPr>
+        <p:spPr>
+          <a:xfrm>
+            <a:off x="8430128" y="2992594"/>
+            <a:ext cx="689812" cy="401053"/>
+          </a:xfrm>
+          <a:prstGeom prst="rect">
+            <a:avLst/>
+          </a:prstGeom>
+        </p:spPr>
+        <p:style>
+          <a:lnRef idx="2">
+            <a:schemeClr val="dk1">
+              <a:shade val="50000"/>
+            </a:schemeClr>
+          </a:lnRef>
+          <a:fillRef idx="1">
+            <a:schemeClr val="dk1"/>
+          </a:fillRef>
+          <a:effectRef idx="0">
+            <a:schemeClr val="dk1"/>
+          </a:effectRef>
+          <a:fontRef idx="minor">
+            <a:schemeClr val="lt1"/>
+          </a:fontRef>
+        </p:style>
+        <p:txBody>
+          <a:bodyPr rtlCol="0" anchor="ctr"/>
+          <a:lstStyle/>
+          <a:p>
+            <a:pPr algn="ctr"/>
+            <a:r>
+              <a:rPr kumimoji="1" lang="en-US" altLang="zh-CN" sz="1600" dirty="0" smtClean="0"/>
+              <a:t>T1C1</a:t>
+            </a:r>
+            <a:endParaRPr kumimoji="1" lang="zh-CN" altLang="en-US" sz="1600" dirty="0"/>
           </a:p>
         </p:txBody>
       </p:sp>
     </p:spTree>
     <p:extLst>
       <p:ext uri="{BB962C8B-B14F-4D97-AF65-F5344CB8AC3E}">
-        <p14:creationId xmlns:p14="http://schemas.microsoft.com/office/powerpoint/2010/main" val="941289989"/>
+        <p14:creationId xmlns:p14="http://schemas.microsoft.com/office/powerpoint/2010/main" val="1002187642"/>
       </p:ext>
     </p:extLst>
   </p:cSld>
@@ -9182,9 +10873,1319 @@
   <p:timing>
     <p:tnLst>
       <p:par>
-        <p:cTn id="1" dur="indefinite" restart="never" nodeType="tmRoot"/>
+        <p:cTn id="1" dur="indefinite" restart="never" nodeType="tmRoot">
+          <p:childTnLst>
+            <p:seq concurrent="1" nextAc="seek">
+              <p:cTn id="2" dur="indefinite" nodeType="mainSeq">
+                <p:childTnLst>
+                  <p:par>
+                    <p:cTn id="3" fill="hold">
+                      <p:stCondLst>
+                        <p:cond delay="indefinite"/>
+                      </p:stCondLst>
+                      <p:childTnLst>
+                        <p:par>
+                          <p:cTn id="4" fill="hold">
+                            <p:stCondLst>
+                              <p:cond delay="0"/>
+                            </p:stCondLst>
+                            <p:childTnLst>
+                              <p:par>
+                                <p:cTn id="5" presetID="12" presetClass="exit" presetSubtype="2" fill="hold" grpId="0" nodeType="clickEffect">
+                                  <p:stCondLst>
+                                    <p:cond delay="0"/>
+                                  </p:stCondLst>
+                                  <p:childTnLst>
+                                    <p:anim calcmode="lin" valueType="num">
+                                      <p:cBhvr additive="base">
+                                        <p:cTn id="6" dur="500"/>
+                                        <p:tgtEl>
+                                          <p:spTgt spid="13"/>
+                                        </p:tgtEl>
+                                        <p:attrNameLst>
+                                          <p:attrName>ppt_x</p:attrName>
+                                        </p:attrNameLst>
+                                      </p:cBhvr>
+                                      <p:tavLst>
+                                        <p:tav tm="0">
+                                          <p:val>
+                                            <p:strVal val="#ppt_x"/>
+                                          </p:val>
+                                        </p:tav>
+                                        <p:tav tm="100000">
+                                          <p:val>
+                                            <p:strVal val="#ppt_x+#ppt_w*1.125000"/>
+                                          </p:val>
+                                        </p:tav>
+                                      </p:tavLst>
+                                    </p:anim>
+                                    <p:animEffect transition="out" filter="wipe(right)">
+                                      <p:cBhvr>
+                                        <p:cTn id="7" dur="500"/>
+                                        <p:tgtEl>
+                                          <p:spTgt spid="13"/>
+                                        </p:tgtEl>
+                                      </p:cBhvr>
+                                    </p:animEffect>
+                                    <p:set>
+                                      <p:cBhvr>
+                                        <p:cTn id="8" dur="1" fill="hold">
+                                          <p:stCondLst>
+                                            <p:cond delay="499"/>
+                                          </p:stCondLst>
+                                        </p:cTn>
+                                        <p:tgtEl>
+                                          <p:spTgt spid="13"/>
+                                        </p:tgtEl>
+                                        <p:attrNameLst>
+                                          <p:attrName>style.visibility</p:attrName>
+                                        </p:attrNameLst>
+                                      </p:cBhvr>
+                                      <p:to>
+                                        <p:strVal val="hidden"/>
+                                      </p:to>
+                                    </p:set>
+                                  </p:childTnLst>
+                                </p:cTn>
+                              </p:par>
+                              <p:par>
+                                <p:cTn id="9" presetID="12" presetClass="exit" presetSubtype="2" fill="hold" grpId="0" nodeType="withEffect">
+                                  <p:stCondLst>
+                                    <p:cond delay="0"/>
+                                  </p:stCondLst>
+                                  <p:childTnLst>
+                                    <p:anim calcmode="lin" valueType="num">
+                                      <p:cBhvr additive="base">
+                                        <p:cTn id="10" dur="500"/>
+                                        <p:tgtEl>
+                                          <p:spTgt spid="16"/>
+                                        </p:tgtEl>
+                                        <p:attrNameLst>
+                                          <p:attrName>ppt_x</p:attrName>
+                                        </p:attrNameLst>
+                                      </p:cBhvr>
+                                      <p:tavLst>
+                                        <p:tav tm="0">
+                                          <p:val>
+                                            <p:strVal val="#ppt_x"/>
+                                          </p:val>
+                                        </p:tav>
+                                        <p:tav tm="100000">
+                                          <p:val>
+                                            <p:strVal val="#ppt_x+#ppt_w*1.125000"/>
+                                          </p:val>
+                                        </p:tav>
+                                      </p:tavLst>
+                                    </p:anim>
+                                    <p:animEffect transition="out" filter="wipe(right)">
+                                      <p:cBhvr>
+                                        <p:cTn id="11" dur="500"/>
+                                        <p:tgtEl>
+                                          <p:spTgt spid="16"/>
+                                        </p:tgtEl>
+                                      </p:cBhvr>
+                                    </p:animEffect>
+                                    <p:set>
+                                      <p:cBhvr>
+                                        <p:cTn id="12" dur="1" fill="hold">
+                                          <p:stCondLst>
+                                            <p:cond delay="499"/>
+                                          </p:stCondLst>
+                                        </p:cTn>
+                                        <p:tgtEl>
+                                          <p:spTgt spid="16"/>
+                                        </p:tgtEl>
+                                        <p:attrNameLst>
+                                          <p:attrName>style.visibility</p:attrName>
+                                        </p:attrNameLst>
+                                      </p:cBhvr>
+                                      <p:to>
+                                        <p:strVal val="hidden"/>
+                                      </p:to>
+                                    </p:set>
+                                  </p:childTnLst>
+                                </p:cTn>
+                              </p:par>
+                            </p:childTnLst>
+                          </p:cTn>
+                        </p:par>
+                        <p:par>
+                          <p:cTn id="13" fill="hold">
+                            <p:stCondLst>
+                              <p:cond delay="500"/>
+                            </p:stCondLst>
+                            <p:childTnLst>
+                              <p:par>
+                                <p:cTn id="14" presetID="12" presetClass="entr" presetSubtype="8" fill="hold" grpId="0" nodeType="afterEffect">
+                                  <p:stCondLst>
+                                    <p:cond delay="0"/>
+                                  </p:stCondLst>
+                                  <p:childTnLst>
+                                    <p:set>
+                                      <p:cBhvr>
+                                        <p:cTn id="15" dur="1" fill="hold">
+                                          <p:stCondLst>
+                                            <p:cond delay="0"/>
+                                          </p:stCondLst>
+                                        </p:cTn>
+                                        <p:tgtEl>
+                                          <p:spTgt spid="21"/>
+                                        </p:tgtEl>
+                                        <p:attrNameLst>
+                                          <p:attrName>style.visibility</p:attrName>
+                                        </p:attrNameLst>
+                                      </p:cBhvr>
+                                      <p:to>
+                                        <p:strVal val="visible"/>
+                                      </p:to>
+                                    </p:set>
+                                    <p:anim calcmode="lin" valueType="num">
+                                      <p:cBhvr additive="base">
+                                        <p:cTn id="16" dur="500"/>
+                                        <p:tgtEl>
+                                          <p:spTgt spid="21"/>
+                                        </p:tgtEl>
+                                        <p:attrNameLst>
+                                          <p:attrName>ppt_x</p:attrName>
+                                        </p:attrNameLst>
+                                      </p:cBhvr>
+                                      <p:tavLst>
+                                        <p:tav tm="0">
+                                          <p:val>
+                                            <p:strVal val="#ppt_x-#ppt_w*1.125000"/>
+                                          </p:val>
+                                        </p:tav>
+                                        <p:tav tm="100000">
+                                          <p:val>
+                                            <p:strVal val="#ppt_x"/>
+                                          </p:val>
+                                        </p:tav>
+                                      </p:tavLst>
+                                    </p:anim>
+                                    <p:animEffect transition="in" filter="wipe(right)">
+                                      <p:cBhvr>
+                                        <p:cTn id="17" dur="500"/>
+                                        <p:tgtEl>
+                                          <p:spTgt spid="21"/>
+                                        </p:tgtEl>
+                                      </p:cBhvr>
+                                    </p:animEffect>
+                                  </p:childTnLst>
+                                </p:cTn>
+                              </p:par>
+                              <p:par>
+                                <p:cTn id="18" presetID="12" presetClass="entr" presetSubtype="8" fill="hold" grpId="0" nodeType="withEffect">
+                                  <p:stCondLst>
+                                    <p:cond delay="0"/>
+                                  </p:stCondLst>
+                                  <p:childTnLst>
+                                    <p:set>
+                                      <p:cBhvr>
+                                        <p:cTn id="19" dur="1" fill="hold">
+                                          <p:stCondLst>
+                                            <p:cond delay="0"/>
+                                          </p:stCondLst>
+                                        </p:cTn>
+                                        <p:tgtEl>
+                                          <p:spTgt spid="22"/>
+                                        </p:tgtEl>
+                                        <p:attrNameLst>
+                                          <p:attrName>style.visibility</p:attrName>
+                                        </p:attrNameLst>
+                                      </p:cBhvr>
+                                      <p:to>
+                                        <p:strVal val="visible"/>
+                                      </p:to>
+                                    </p:set>
+                                    <p:anim calcmode="lin" valueType="num">
+                                      <p:cBhvr additive="base">
+                                        <p:cTn id="20" dur="500"/>
+                                        <p:tgtEl>
+                                          <p:spTgt spid="22"/>
+                                        </p:tgtEl>
+                                        <p:attrNameLst>
+                                          <p:attrName>ppt_x</p:attrName>
+                                        </p:attrNameLst>
+                                      </p:cBhvr>
+                                      <p:tavLst>
+                                        <p:tav tm="0">
+                                          <p:val>
+                                            <p:strVal val="#ppt_x-#ppt_w*1.125000"/>
+                                          </p:val>
+                                        </p:tav>
+                                        <p:tav tm="100000">
+                                          <p:val>
+                                            <p:strVal val="#ppt_x"/>
+                                          </p:val>
+                                        </p:tav>
+                                      </p:tavLst>
+                                    </p:anim>
+                                    <p:animEffect transition="in" filter="wipe(right)">
+                                      <p:cBhvr>
+                                        <p:cTn id="21" dur="500"/>
+                                        <p:tgtEl>
+                                          <p:spTgt spid="22"/>
+                                        </p:tgtEl>
+                                      </p:cBhvr>
+                                    </p:animEffect>
+                                  </p:childTnLst>
+                                </p:cTn>
+                              </p:par>
+                              <p:par>
+                                <p:cTn id="22" presetID="3" presetClass="entr" presetSubtype="10" fill="hold" grpId="0" nodeType="withEffect">
+                                  <p:stCondLst>
+                                    <p:cond delay="0"/>
+                                  </p:stCondLst>
+                                  <p:childTnLst>
+                                    <p:set>
+                                      <p:cBhvr>
+                                        <p:cTn id="23" dur="1" fill="hold">
+                                          <p:stCondLst>
+                                            <p:cond delay="0"/>
+                                          </p:stCondLst>
+                                        </p:cTn>
+                                        <p:tgtEl>
+                                          <p:spTgt spid="24"/>
+                                        </p:tgtEl>
+                                        <p:attrNameLst>
+                                          <p:attrName>style.visibility</p:attrName>
+                                        </p:attrNameLst>
+                                      </p:cBhvr>
+                                      <p:to>
+                                        <p:strVal val="visible"/>
+                                      </p:to>
+                                    </p:set>
+                                    <p:animEffect transition="in" filter="blinds(horizontal)">
+                                      <p:cBhvr>
+                                        <p:cTn id="24" dur="500"/>
+                                        <p:tgtEl>
+                                          <p:spTgt spid="24"/>
+                                        </p:tgtEl>
+                                      </p:cBhvr>
+                                    </p:animEffect>
+                                  </p:childTnLst>
+                                </p:cTn>
+                              </p:par>
+                            </p:childTnLst>
+                          </p:cTn>
+                        </p:par>
+                      </p:childTnLst>
+                    </p:cTn>
+                  </p:par>
+                  <p:par>
+                    <p:cTn id="25" fill="hold">
+                      <p:stCondLst>
+                        <p:cond delay="indefinite"/>
+                      </p:stCondLst>
+                      <p:childTnLst>
+                        <p:par>
+                          <p:cTn id="26" fill="hold">
+                            <p:stCondLst>
+                              <p:cond delay="0"/>
+                            </p:stCondLst>
+                            <p:childTnLst>
+                              <p:par>
+                                <p:cTn id="27" presetID="12" presetClass="exit" presetSubtype="2" fill="hold" grpId="0" nodeType="clickEffect">
+                                  <p:stCondLst>
+                                    <p:cond delay="0"/>
+                                  </p:stCondLst>
+                                  <p:childTnLst>
+                                    <p:anim calcmode="lin" valueType="num">
+                                      <p:cBhvr additive="base">
+                                        <p:cTn id="28" dur="500"/>
+                                        <p:tgtEl>
+                                          <p:spTgt spid="17"/>
+                                        </p:tgtEl>
+                                        <p:attrNameLst>
+                                          <p:attrName>ppt_x</p:attrName>
+                                        </p:attrNameLst>
+                                      </p:cBhvr>
+                                      <p:tavLst>
+                                        <p:tav tm="0">
+                                          <p:val>
+                                            <p:strVal val="#ppt_x"/>
+                                          </p:val>
+                                        </p:tav>
+                                        <p:tav tm="100000">
+                                          <p:val>
+                                            <p:strVal val="#ppt_x+#ppt_w*1.125000"/>
+                                          </p:val>
+                                        </p:tav>
+                                      </p:tavLst>
+                                    </p:anim>
+                                    <p:animEffect transition="out" filter="wipe(right)">
+                                      <p:cBhvr>
+                                        <p:cTn id="29" dur="500"/>
+                                        <p:tgtEl>
+                                          <p:spTgt spid="17"/>
+                                        </p:tgtEl>
+                                      </p:cBhvr>
+                                    </p:animEffect>
+                                    <p:set>
+                                      <p:cBhvr>
+                                        <p:cTn id="30" dur="1" fill="hold">
+                                          <p:stCondLst>
+                                            <p:cond delay="499"/>
+                                          </p:stCondLst>
+                                        </p:cTn>
+                                        <p:tgtEl>
+                                          <p:spTgt spid="17"/>
+                                        </p:tgtEl>
+                                        <p:attrNameLst>
+                                          <p:attrName>style.visibility</p:attrName>
+                                        </p:attrNameLst>
+                                      </p:cBhvr>
+                                      <p:to>
+                                        <p:strVal val="hidden"/>
+                                      </p:to>
+                                    </p:set>
+                                  </p:childTnLst>
+                                </p:cTn>
+                              </p:par>
+                              <p:par>
+                                <p:cTn id="31" presetID="12" presetClass="exit" presetSubtype="2" fill="hold" grpId="0" nodeType="withEffect">
+                                  <p:stCondLst>
+                                    <p:cond delay="0"/>
+                                  </p:stCondLst>
+                                  <p:childTnLst>
+                                    <p:anim calcmode="lin" valueType="num">
+                                      <p:cBhvr additive="base">
+                                        <p:cTn id="32" dur="500"/>
+                                        <p:tgtEl>
+                                          <p:spTgt spid="12"/>
+                                        </p:tgtEl>
+                                        <p:attrNameLst>
+                                          <p:attrName>ppt_x</p:attrName>
+                                        </p:attrNameLst>
+                                      </p:cBhvr>
+                                      <p:tavLst>
+                                        <p:tav tm="0">
+                                          <p:val>
+                                            <p:strVal val="#ppt_x"/>
+                                          </p:val>
+                                        </p:tav>
+                                        <p:tav tm="100000">
+                                          <p:val>
+                                            <p:strVal val="#ppt_x+#ppt_w*1.125000"/>
+                                          </p:val>
+                                        </p:tav>
+                                      </p:tavLst>
+                                    </p:anim>
+                                    <p:animEffect transition="out" filter="wipe(right)">
+                                      <p:cBhvr>
+                                        <p:cTn id="33" dur="500"/>
+                                        <p:tgtEl>
+                                          <p:spTgt spid="12"/>
+                                        </p:tgtEl>
+                                      </p:cBhvr>
+                                    </p:animEffect>
+                                    <p:set>
+                                      <p:cBhvr>
+                                        <p:cTn id="34" dur="1" fill="hold">
+                                          <p:stCondLst>
+                                            <p:cond delay="499"/>
+                                          </p:stCondLst>
+                                        </p:cTn>
+                                        <p:tgtEl>
+                                          <p:spTgt spid="12"/>
+                                        </p:tgtEl>
+                                        <p:attrNameLst>
+                                          <p:attrName>style.visibility</p:attrName>
+                                        </p:attrNameLst>
+                                      </p:cBhvr>
+                                      <p:to>
+                                        <p:strVal val="hidden"/>
+                                      </p:to>
+                                    </p:set>
+                                  </p:childTnLst>
+                                </p:cTn>
+                              </p:par>
+                            </p:childTnLst>
+                          </p:cTn>
+                        </p:par>
+                        <p:par>
+                          <p:cTn id="35" fill="hold">
+                            <p:stCondLst>
+                              <p:cond delay="500"/>
+                            </p:stCondLst>
+                            <p:childTnLst>
+                              <p:par>
+                                <p:cTn id="36" presetID="12" presetClass="entr" presetSubtype="8" fill="hold" grpId="0" nodeType="afterEffect">
+                                  <p:stCondLst>
+                                    <p:cond delay="0"/>
+                                  </p:stCondLst>
+                                  <p:childTnLst>
+                                    <p:set>
+                                      <p:cBhvr>
+                                        <p:cTn id="37" dur="1" fill="hold">
+                                          <p:stCondLst>
+                                            <p:cond delay="0"/>
+                                          </p:stCondLst>
+                                        </p:cTn>
+                                        <p:tgtEl>
+                                          <p:spTgt spid="23"/>
+                                        </p:tgtEl>
+                                        <p:attrNameLst>
+                                          <p:attrName>style.visibility</p:attrName>
+                                        </p:attrNameLst>
+                                      </p:cBhvr>
+                                      <p:to>
+                                        <p:strVal val="visible"/>
+                                      </p:to>
+                                    </p:set>
+                                    <p:anim calcmode="lin" valueType="num">
+                                      <p:cBhvr additive="base">
+                                        <p:cTn id="38" dur="500"/>
+                                        <p:tgtEl>
+                                          <p:spTgt spid="23"/>
+                                        </p:tgtEl>
+                                        <p:attrNameLst>
+                                          <p:attrName>ppt_x</p:attrName>
+                                        </p:attrNameLst>
+                                      </p:cBhvr>
+                                      <p:tavLst>
+                                        <p:tav tm="0">
+                                          <p:val>
+                                            <p:strVal val="#ppt_x-#ppt_w*1.125000"/>
+                                          </p:val>
+                                        </p:tav>
+                                        <p:tav tm="100000">
+                                          <p:val>
+                                            <p:strVal val="#ppt_x"/>
+                                          </p:val>
+                                        </p:tav>
+                                      </p:tavLst>
+                                    </p:anim>
+                                    <p:animEffect transition="in" filter="wipe(right)">
+                                      <p:cBhvr>
+                                        <p:cTn id="39" dur="500"/>
+                                        <p:tgtEl>
+                                          <p:spTgt spid="23"/>
+                                        </p:tgtEl>
+                                      </p:cBhvr>
+                                    </p:animEffect>
+                                  </p:childTnLst>
+                                </p:cTn>
+                              </p:par>
+                              <p:par>
+                                <p:cTn id="40" presetID="12" presetClass="entr" presetSubtype="8" fill="hold" grpId="0" nodeType="withEffect">
+                                  <p:stCondLst>
+                                    <p:cond delay="0"/>
+                                  </p:stCondLst>
+                                  <p:childTnLst>
+                                    <p:set>
+                                      <p:cBhvr>
+                                        <p:cTn id="41" dur="1" fill="hold">
+                                          <p:stCondLst>
+                                            <p:cond delay="0"/>
+                                          </p:stCondLst>
+                                        </p:cTn>
+                                        <p:tgtEl>
+                                          <p:spTgt spid="20"/>
+                                        </p:tgtEl>
+                                        <p:attrNameLst>
+                                          <p:attrName>style.visibility</p:attrName>
+                                        </p:attrNameLst>
+                                      </p:cBhvr>
+                                      <p:to>
+                                        <p:strVal val="visible"/>
+                                      </p:to>
+                                    </p:set>
+                                    <p:anim calcmode="lin" valueType="num">
+                                      <p:cBhvr additive="base">
+                                        <p:cTn id="42" dur="500"/>
+                                        <p:tgtEl>
+                                          <p:spTgt spid="20"/>
+                                        </p:tgtEl>
+                                        <p:attrNameLst>
+                                          <p:attrName>ppt_x</p:attrName>
+                                        </p:attrNameLst>
+                                      </p:cBhvr>
+                                      <p:tavLst>
+                                        <p:tav tm="0">
+                                          <p:val>
+                                            <p:strVal val="#ppt_x-#ppt_w*1.125000"/>
+                                          </p:val>
+                                        </p:tav>
+                                        <p:tav tm="100000">
+                                          <p:val>
+                                            <p:strVal val="#ppt_x"/>
+                                          </p:val>
+                                        </p:tav>
+                                      </p:tavLst>
+                                    </p:anim>
+                                    <p:animEffect transition="in" filter="wipe(right)">
+                                      <p:cBhvr>
+                                        <p:cTn id="43" dur="500"/>
+                                        <p:tgtEl>
+                                          <p:spTgt spid="20"/>
+                                        </p:tgtEl>
+                                      </p:cBhvr>
+                                    </p:animEffect>
+                                  </p:childTnLst>
+                                </p:cTn>
+                              </p:par>
+                            </p:childTnLst>
+                          </p:cTn>
+                        </p:par>
+                      </p:childTnLst>
+                    </p:cTn>
+                  </p:par>
+                  <p:par>
+                    <p:cTn id="44" fill="hold">
+                      <p:stCondLst>
+                        <p:cond delay="indefinite"/>
+                      </p:stCondLst>
+                      <p:childTnLst>
+                        <p:par>
+                          <p:cTn id="45" fill="hold">
+                            <p:stCondLst>
+                              <p:cond delay="0"/>
+                            </p:stCondLst>
+                            <p:childTnLst>
+                              <p:par>
+                                <p:cTn id="46" presetID="14" presetClass="exit" presetSubtype="10" fill="hold" grpId="1" nodeType="clickEffect">
+                                  <p:stCondLst>
+                                    <p:cond delay="0"/>
+                                  </p:stCondLst>
+                                  <p:childTnLst>
+                                    <p:animEffect transition="out" filter="randombar(horizontal)">
+                                      <p:cBhvr>
+                                        <p:cTn id="47" dur="500"/>
+                                        <p:tgtEl>
+                                          <p:spTgt spid="24"/>
+                                        </p:tgtEl>
+                                      </p:cBhvr>
+                                    </p:animEffect>
+                                    <p:set>
+                                      <p:cBhvr>
+                                        <p:cTn id="48" dur="1" fill="hold">
+                                          <p:stCondLst>
+                                            <p:cond delay="499"/>
+                                          </p:stCondLst>
+                                        </p:cTn>
+                                        <p:tgtEl>
+                                          <p:spTgt spid="24"/>
+                                        </p:tgtEl>
+                                        <p:attrNameLst>
+                                          <p:attrName>style.visibility</p:attrName>
+                                        </p:attrNameLst>
+                                      </p:cBhvr>
+                                      <p:to>
+                                        <p:strVal val="hidden"/>
+                                      </p:to>
+                                    </p:set>
+                                  </p:childTnLst>
+                                </p:cTn>
+                              </p:par>
+                              <p:par>
+                                <p:cTn id="49" presetID="63" presetClass="path" presetSubtype="0" accel="50000" decel="50000" fill="hold" grpId="1" nodeType="withEffect">
+                                  <p:stCondLst>
+                                    <p:cond delay="0"/>
+                                  </p:stCondLst>
+                                  <p:childTnLst>
+                                    <p:animMotion origin="layout" path="M 4.375E-6 -3.7037E-6 L 0.11484 -3.7037E-6 " pathEditMode="relative" rAng="0" ptsTypes="AA">
+                                      <p:cBhvr>
+                                        <p:cTn id="50" dur="2000" fill="hold"/>
+                                        <p:tgtEl>
+                                          <p:spTgt spid="22"/>
+                                        </p:tgtEl>
+                                        <p:attrNameLst>
+                                          <p:attrName>ppt_x</p:attrName>
+                                          <p:attrName>ppt_y</p:attrName>
+                                        </p:attrNameLst>
+                                      </p:cBhvr>
+                                      <p:rCtr x="5742" y="0"/>
+                                    </p:animMotion>
+                                  </p:childTnLst>
+                                </p:cTn>
+                              </p:par>
+                              <p:par>
+                                <p:cTn id="51" presetID="63" presetClass="path" presetSubtype="0" accel="50000" decel="50000" fill="hold" grpId="1" nodeType="withEffect">
+                                  <p:stCondLst>
+                                    <p:cond delay="0"/>
+                                  </p:stCondLst>
+                                  <p:childTnLst>
+                                    <p:animMotion origin="layout" path="M -1.04167E-6 3.7037E-6 L 0.18646 3.7037E-6 " pathEditMode="relative" rAng="0" ptsTypes="AA">
+                                      <p:cBhvr>
+                                        <p:cTn id="52" dur="2000" fill="hold"/>
+                                        <p:tgtEl>
+                                          <p:spTgt spid="23"/>
+                                        </p:tgtEl>
+                                        <p:attrNameLst>
+                                          <p:attrName>ppt_x</p:attrName>
+                                          <p:attrName>ppt_y</p:attrName>
+                                        </p:attrNameLst>
+                                      </p:cBhvr>
+                                      <p:rCtr x="9323" y="0"/>
+                                    </p:animMotion>
+                                  </p:childTnLst>
+                                </p:cTn>
+                              </p:par>
+                              <p:par>
+                                <p:cTn id="53" presetID="42" presetClass="path" presetSubtype="0" accel="50000" decel="50000" fill="hold" grpId="1" nodeType="withEffect">
+                                  <p:stCondLst>
+                                    <p:cond delay="500"/>
+                                  </p:stCondLst>
+                                  <p:childTnLst>
+                                    <p:animMotion origin="layout" path="M 3.95833E-6 -3.7037E-6 L 0.06849 2.96296E-6 " pathEditMode="relative" rAng="0" ptsTypes="AA">
+                                      <p:cBhvr>
+                                        <p:cTn id="54" dur="1000" fill="hold"/>
+                                        <p:tgtEl>
+                                          <p:spTgt spid="20"/>
+                                        </p:tgtEl>
+                                        <p:attrNameLst>
+                                          <p:attrName>ppt_x</p:attrName>
+                                          <p:attrName>ppt_y</p:attrName>
+                                        </p:attrNameLst>
+                                      </p:cBhvr>
+                                      <p:rCtr x="3424" y="93"/>
+                                    </p:animMotion>
+                                  </p:childTnLst>
+                                </p:cTn>
+                              </p:par>
+                            </p:childTnLst>
+                          </p:cTn>
+                        </p:par>
+                      </p:childTnLst>
+                    </p:cTn>
+                  </p:par>
+                  <p:par>
+                    <p:cTn id="55" fill="hold">
+                      <p:stCondLst>
+                        <p:cond delay="indefinite"/>
+                      </p:stCondLst>
+                      <p:childTnLst>
+                        <p:par>
+                          <p:cTn id="56" fill="hold">
+                            <p:stCondLst>
+                              <p:cond delay="0"/>
+                            </p:stCondLst>
+                            <p:childTnLst>
+                              <p:par>
+                                <p:cTn id="57" presetID="12" presetClass="exit" presetSubtype="2" fill="hold" grpId="0" nodeType="clickEffect">
+                                  <p:stCondLst>
+                                    <p:cond delay="0"/>
+                                  </p:stCondLst>
+                                  <p:childTnLst>
+                                    <p:anim calcmode="lin" valueType="num">
+                                      <p:cBhvr additive="base">
+                                        <p:cTn id="58" dur="500"/>
+                                        <p:tgtEl>
+                                          <p:spTgt spid="14"/>
+                                        </p:tgtEl>
+                                        <p:attrNameLst>
+                                          <p:attrName>ppt_x</p:attrName>
+                                        </p:attrNameLst>
+                                      </p:cBhvr>
+                                      <p:tavLst>
+                                        <p:tav tm="0">
+                                          <p:val>
+                                            <p:strVal val="#ppt_x"/>
+                                          </p:val>
+                                        </p:tav>
+                                        <p:tav tm="100000">
+                                          <p:val>
+                                            <p:strVal val="#ppt_x+#ppt_w*1.125000"/>
+                                          </p:val>
+                                        </p:tav>
+                                      </p:tavLst>
+                                    </p:anim>
+                                    <p:animEffect transition="out" filter="wipe(right)">
+                                      <p:cBhvr>
+                                        <p:cTn id="59" dur="500"/>
+                                        <p:tgtEl>
+                                          <p:spTgt spid="14"/>
+                                        </p:tgtEl>
+                                      </p:cBhvr>
+                                    </p:animEffect>
+                                    <p:set>
+                                      <p:cBhvr>
+                                        <p:cTn id="60" dur="1" fill="hold">
+                                          <p:stCondLst>
+                                            <p:cond delay="499"/>
+                                          </p:stCondLst>
+                                        </p:cTn>
+                                        <p:tgtEl>
+                                          <p:spTgt spid="14"/>
+                                        </p:tgtEl>
+                                        <p:attrNameLst>
+                                          <p:attrName>style.visibility</p:attrName>
+                                        </p:attrNameLst>
+                                      </p:cBhvr>
+                                      <p:to>
+                                        <p:strVal val="hidden"/>
+                                      </p:to>
+                                    </p:set>
+                                  </p:childTnLst>
+                                </p:cTn>
+                              </p:par>
+                              <p:par>
+                                <p:cTn id="61" presetID="12" presetClass="exit" presetSubtype="2" fill="hold" grpId="0" nodeType="withEffect">
+                                  <p:stCondLst>
+                                    <p:cond delay="0"/>
+                                  </p:stCondLst>
+                                  <p:childTnLst>
+                                    <p:anim calcmode="lin" valueType="num">
+                                      <p:cBhvr additive="base">
+                                        <p:cTn id="62" dur="500"/>
+                                        <p:tgtEl>
+                                          <p:spTgt spid="15"/>
+                                        </p:tgtEl>
+                                        <p:attrNameLst>
+                                          <p:attrName>ppt_x</p:attrName>
+                                        </p:attrNameLst>
+                                      </p:cBhvr>
+                                      <p:tavLst>
+                                        <p:tav tm="0">
+                                          <p:val>
+                                            <p:strVal val="#ppt_x"/>
+                                          </p:val>
+                                        </p:tav>
+                                        <p:tav tm="100000">
+                                          <p:val>
+                                            <p:strVal val="#ppt_x+#ppt_w*1.125000"/>
+                                          </p:val>
+                                        </p:tav>
+                                      </p:tavLst>
+                                    </p:anim>
+                                    <p:animEffect transition="out" filter="wipe(right)">
+                                      <p:cBhvr>
+                                        <p:cTn id="63" dur="500"/>
+                                        <p:tgtEl>
+                                          <p:spTgt spid="15"/>
+                                        </p:tgtEl>
+                                      </p:cBhvr>
+                                    </p:animEffect>
+                                    <p:set>
+                                      <p:cBhvr>
+                                        <p:cTn id="64" dur="1" fill="hold">
+                                          <p:stCondLst>
+                                            <p:cond delay="499"/>
+                                          </p:stCondLst>
+                                        </p:cTn>
+                                        <p:tgtEl>
+                                          <p:spTgt spid="15"/>
+                                        </p:tgtEl>
+                                        <p:attrNameLst>
+                                          <p:attrName>style.visibility</p:attrName>
+                                        </p:attrNameLst>
+                                      </p:cBhvr>
+                                      <p:to>
+                                        <p:strVal val="hidden"/>
+                                      </p:to>
+                                    </p:set>
+                                  </p:childTnLst>
+                                </p:cTn>
+                              </p:par>
+                              <p:par>
+                                <p:cTn id="65" presetID="12" presetClass="entr" presetSubtype="8" fill="hold" grpId="0" nodeType="withEffect">
+                                  <p:stCondLst>
+                                    <p:cond delay="0"/>
+                                  </p:stCondLst>
+                                  <p:childTnLst>
+                                    <p:set>
+                                      <p:cBhvr>
+                                        <p:cTn id="66" dur="1" fill="hold">
+                                          <p:stCondLst>
+                                            <p:cond delay="0"/>
+                                          </p:stCondLst>
+                                        </p:cTn>
+                                        <p:tgtEl>
+                                          <p:spTgt spid="25"/>
+                                        </p:tgtEl>
+                                        <p:attrNameLst>
+                                          <p:attrName>style.visibility</p:attrName>
+                                        </p:attrNameLst>
+                                      </p:cBhvr>
+                                      <p:to>
+                                        <p:strVal val="visible"/>
+                                      </p:to>
+                                    </p:set>
+                                    <p:anim calcmode="lin" valueType="num">
+                                      <p:cBhvr additive="base">
+                                        <p:cTn id="67" dur="500"/>
+                                        <p:tgtEl>
+                                          <p:spTgt spid="25"/>
+                                        </p:tgtEl>
+                                        <p:attrNameLst>
+                                          <p:attrName>ppt_x</p:attrName>
+                                        </p:attrNameLst>
+                                      </p:cBhvr>
+                                      <p:tavLst>
+                                        <p:tav tm="0">
+                                          <p:val>
+                                            <p:strVal val="#ppt_x-#ppt_w*1.125000"/>
+                                          </p:val>
+                                        </p:tav>
+                                        <p:tav tm="100000">
+                                          <p:val>
+                                            <p:strVal val="#ppt_x"/>
+                                          </p:val>
+                                        </p:tav>
+                                      </p:tavLst>
+                                    </p:anim>
+                                    <p:animEffect transition="in" filter="wipe(right)">
+                                      <p:cBhvr>
+                                        <p:cTn id="68" dur="500"/>
+                                        <p:tgtEl>
+                                          <p:spTgt spid="25"/>
+                                        </p:tgtEl>
+                                      </p:cBhvr>
+                                    </p:animEffect>
+                                  </p:childTnLst>
+                                </p:cTn>
+                              </p:par>
+                              <p:par>
+                                <p:cTn id="69" presetID="12" presetClass="entr" presetSubtype="8" fill="hold" grpId="0" nodeType="withEffect">
+                                  <p:stCondLst>
+                                    <p:cond delay="0"/>
+                                  </p:stCondLst>
+                                  <p:childTnLst>
+                                    <p:set>
+                                      <p:cBhvr>
+                                        <p:cTn id="70" dur="1" fill="hold">
+                                          <p:stCondLst>
+                                            <p:cond delay="0"/>
+                                          </p:stCondLst>
+                                        </p:cTn>
+                                        <p:tgtEl>
+                                          <p:spTgt spid="26"/>
+                                        </p:tgtEl>
+                                        <p:attrNameLst>
+                                          <p:attrName>style.visibility</p:attrName>
+                                        </p:attrNameLst>
+                                      </p:cBhvr>
+                                      <p:to>
+                                        <p:strVal val="visible"/>
+                                      </p:to>
+                                    </p:set>
+                                    <p:anim calcmode="lin" valueType="num">
+                                      <p:cBhvr additive="base">
+                                        <p:cTn id="71" dur="500"/>
+                                        <p:tgtEl>
+                                          <p:spTgt spid="26"/>
+                                        </p:tgtEl>
+                                        <p:attrNameLst>
+                                          <p:attrName>ppt_x</p:attrName>
+                                        </p:attrNameLst>
+                                      </p:cBhvr>
+                                      <p:tavLst>
+                                        <p:tav tm="0">
+                                          <p:val>
+                                            <p:strVal val="#ppt_x-#ppt_w*1.125000"/>
+                                          </p:val>
+                                        </p:tav>
+                                        <p:tav tm="100000">
+                                          <p:val>
+                                            <p:strVal val="#ppt_x"/>
+                                          </p:val>
+                                        </p:tav>
+                                      </p:tavLst>
+                                    </p:anim>
+                                    <p:animEffect transition="in" filter="wipe(right)">
+                                      <p:cBhvr>
+                                        <p:cTn id="72" dur="500"/>
+                                        <p:tgtEl>
+                                          <p:spTgt spid="26"/>
+                                        </p:tgtEl>
+                                      </p:cBhvr>
+                                    </p:animEffect>
+                                  </p:childTnLst>
+                                </p:cTn>
+                              </p:par>
+                            </p:childTnLst>
+                          </p:cTn>
+                        </p:par>
+                      </p:childTnLst>
+                    </p:cTn>
+                  </p:par>
+                  <p:par>
+                    <p:cTn id="73" fill="hold">
+                      <p:stCondLst>
+                        <p:cond delay="indefinite"/>
+                      </p:stCondLst>
+                      <p:childTnLst>
+                        <p:par>
+                          <p:cTn id="74" fill="hold">
+                            <p:stCondLst>
+                              <p:cond delay="0"/>
+                            </p:stCondLst>
+                            <p:childTnLst>
+                              <p:par>
+                                <p:cTn id="75" presetID="12" presetClass="exit" presetSubtype="2" fill="hold" grpId="0" nodeType="clickEffect">
+                                  <p:stCondLst>
+                                    <p:cond delay="0"/>
+                                  </p:stCondLst>
+                                  <p:childTnLst>
+                                    <p:anim calcmode="lin" valueType="num">
+                                      <p:cBhvr additive="base">
+                                        <p:cTn id="76" dur="500"/>
+                                        <p:tgtEl>
+                                          <p:spTgt spid="10"/>
+                                        </p:tgtEl>
+                                        <p:attrNameLst>
+                                          <p:attrName>ppt_x</p:attrName>
+                                        </p:attrNameLst>
+                                      </p:cBhvr>
+                                      <p:tavLst>
+                                        <p:tav tm="0">
+                                          <p:val>
+                                            <p:strVal val="#ppt_x"/>
+                                          </p:val>
+                                        </p:tav>
+                                        <p:tav tm="100000">
+                                          <p:val>
+                                            <p:strVal val="#ppt_x+#ppt_w*1.125000"/>
+                                          </p:val>
+                                        </p:tav>
+                                      </p:tavLst>
+                                    </p:anim>
+                                    <p:animEffect transition="out" filter="wipe(right)">
+                                      <p:cBhvr>
+                                        <p:cTn id="77" dur="500"/>
+                                        <p:tgtEl>
+                                          <p:spTgt spid="10"/>
+                                        </p:tgtEl>
+                                      </p:cBhvr>
+                                    </p:animEffect>
+                                    <p:set>
+                                      <p:cBhvr>
+                                        <p:cTn id="78" dur="1" fill="hold">
+                                          <p:stCondLst>
+                                            <p:cond delay="499"/>
+                                          </p:stCondLst>
+                                        </p:cTn>
+                                        <p:tgtEl>
+                                          <p:spTgt spid="10"/>
+                                        </p:tgtEl>
+                                        <p:attrNameLst>
+                                          <p:attrName>style.visibility</p:attrName>
+                                        </p:attrNameLst>
+                                      </p:cBhvr>
+                                      <p:to>
+                                        <p:strVal val="hidden"/>
+                                      </p:to>
+                                    </p:set>
+                                  </p:childTnLst>
+                                </p:cTn>
+                              </p:par>
+                              <p:par>
+                                <p:cTn id="79" presetID="12" presetClass="exit" presetSubtype="2" fill="hold" grpId="0" nodeType="withEffect">
+                                  <p:stCondLst>
+                                    <p:cond delay="0"/>
+                                  </p:stCondLst>
+                                  <p:childTnLst>
+                                    <p:anim calcmode="lin" valueType="num">
+                                      <p:cBhvr additive="base">
+                                        <p:cTn id="80" dur="500"/>
+                                        <p:tgtEl>
+                                          <p:spTgt spid="11"/>
+                                        </p:tgtEl>
+                                        <p:attrNameLst>
+                                          <p:attrName>ppt_x</p:attrName>
+                                        </p:attrNameLst>
+                                      </p:cBhvr>
+                                      <p:tavLst>
+                                        <p:tav tm="0">
+                                          <p:val>
+                                            <p:strVal val="#ppt_x"/>
+                                          </p:val>
+                                        </p:tav>
+                                        <p:tav tm="100000">
+                                          <p:val>
+                                            <p:strVal val="#ppt_x+#ppt_w*1.125000"/>
+                                          </p:val>
+                                        </p:tav>
+                                      </p:tavLst>
+                                    </p:anim>
+                                    <p:animEffect transition="out" filter="wipe(right)">
+                                      <p:cBhvr>
+                                        <p:cTn id="81" dur="500"/>
+                                        <p:tgtEl>
+                                          <p:spTgt spid="11"/>
+                                        </p:tgtEl>
+                                      </p:cBhvr>
+                                    </p:animEffect>
+                                    <p:set>
+                                      <p:cBhvr>
+                                        <p:cTn id="82" dur="1" fill="hold">
+                                          <p:stCondLst>
+                                            <p:cond delay="499"/>
+                                          </p:stCondLst>
+                                        </p:cTn>
+                                        <p:tgtEl>
+                                          <p:spTgt spid="11"/>
+                                        </p:tgtEl>
+                                        <p:attrNameLst>
+                                          <p:attrName>style.visibility</p:attrName>
+                                        </p:attrNameLst>
+                                      </p:cBhvr>
+                                      <p:to>
+                                        <p:strVal val="hidden"/>
+                                      </p:to>
+                                    </p:set>
+                                  </p:childTnLst>
+                                </p:cTn>
+                              </p:par>
+                              <p:par>
+                                <p:cTn id="83" presetID="12" presetClass="entr" presetSubtype="8" fill="hold" grpId="0" nodeType="withEffect">
+                                  <p:stCondLst>
+                                    <p:cond delay="0"/>
+                                  </p:stCondLst>
+                                  <p:childTnLst>
+                                    <p:set>
+                                      <p:cBhvr>
+                                        <p:cTn id="84" dur="1" fill="hold">
+                                          <p:stCondLst>
+                                            <p:cond delay="0"/>
+                                          </p:stCondLst>
+                                        </p:cTn>
+                                        <p:tgtEl>
+                                          <p:spTgt spid="28"/>
+                                        </p:tgtEl>
+                                        <p:attrNameLst>
+                                          <p:attrName>style.visibility</p:attrName>
+                                        </p:attrNameLst>
+                                      </p:cBhvr>
+                                      <p:to>
+                                        <p:strVal val="visible"/>
+                                      </p:to>
+                                    </p:set>
+                                    <p:anim calcmode="lin" valueType="num">
+                                      <p:cBhvr additive="base">
+                                        <p:cTn id="85" dur="500"/>
+                                        <p:tgtEl>
+                                          <p:spTgt spid="28"/>
+                                        </p:tgtEl>
+                                        <p:attrNameLst>
+                                          <p:attrName>ppt_x</p:attrName>
+                                        </p:attrNameLst>
+                                      </p:cBhvr>
+                                      <p:tavLst>
+                                        <p:tav tm="0">
+                                          <p:val>
+                                            <p:strVal val="#ppt_x-#ppt_w*1.125000"/>
+                                          </p:val>
+                                        </p:tav>
+                                        <p:tav tm="100000">
+                                          <p:val>
+                                            <p:strVal val="#ppt_x"/>
+                                          </p:val>
+                                        </p:tav>
+                                      </p:tavLst>
+                                    </p:anim>
+                                    <p:animEffect transition="in" filter="wipe(right)">
+                                      <p:cBhvr>
+                                        <p:cTn id="86" dur="500"/>
+                                        <p:tgtEl>
+                                          <p:spTgt spid="28"/>
+                                        </p:tgtEl>
+                                      </p:cBhvr>
+                                    </p:animEffect>
+                                  </p:childTnLst>
+                                </p:cTn>
+                              </p:par>
+                              <p:par>
+                                <p:cTn id="87" presetID="12" presetClass="entr" presetSubtype="8" fill="hold" grpId="0" nodeType="withEffect">
+                                  <p:stCondLst>
+                                    <p:cond delay="0"/>
+                                  </p:stCondLst>
+                                  <p:childTnLst>
+                                    <p:set>
+                                      <p:cBhvr>
+                                        <p:cTn id="88" dur="1" fill="hold">
+                                          <p:stCondLst>
+                                            <p:cond delay="0"/>
+                                          </p:stCondLst>
+                                        </p:cTn>
+                                        <p:tgtEl>
+                                          <p:spTgt spid="27"/>
+                                        </p:tgtEl>
+                                        <p:attrNameLst>
+                                          <p:attrName>style.visibility</p:attrName>
+                                        </p:attrNameLst>
+                                      </p:cBhvr>
+                                      <p:to>
+                                        <p:strVal val="visible"/>
+                                      </p:to>
+                                    </p:set>
+                                    <p:anim calcmode="lin" valueType="num">
+                                      <p:cBhvr additive="base">
+                                        <p:cTn id="89" dur="500"/>
+                                        <p:tgtEl>
+                                          <p:spTgt spid="27"/>
+                                        </p:tgtEl>
+                                        <p:attrNameLst>
+                                          <p:attrName>ppt_x</p:attrName>
+                                        </p:attrNameLst>
+                                      </p:cBhvr>
+                                      <p:tavLst>
+                                        <p:tav tm="0">
+                                          <p:val>
+                                            <p:strVal val="#ppt_x-#ppt_w*1.125000"/>
+                                          </p:val>
+                                        </p:tav>
+                                        <p:tav tm="100000">
+                                          <p:val>
+                                            <p:strVal val="#ppt_x"/>
+                                          </p:val>
+                                        </p:tav>
+                                      </p:tavLst>
+                                    </p:anim>
+                                    <p:animEffect transition="in" filter="wipe(right)">
+                                      <p:cBhvr>
+                                        <p:cTn id="90" dur="500"/>
+                                        <p:tgtEl>
+                                          <p:spTgt spid="27"/>
+                                        </p:tgtEl>
+                                      </p:cBhvr>
+                                    </p:animEffect>
+                                  </p:childTnLst>
+                                </p:cTn>
+                              </p:par>
+                              <p:par>
+                                <p:cTn id="91" presetID="42" presetClass="path" presetSubtype="0" accel="50000" decel="50000" fill="hold" grpId="1" nodeType="withEffect">
+                                  <p:stCondLst>
+                                    <p:cond delay="0"/>
+                                  </p:stCondLst>
+                                  <p:childTnLst>
+                                    <p:animMotion origin="layout" path="M -1.04167E-6 -3.7037E-6 L -0.06627 0.00047 " pathEditMode="relative" rAng="0" ptsTypes="AA">
+                                      <p:cBhvr>
+                                        <p:cTn id="92" dur="1000" fill="hold"/>
+                                        <p:tgtEl>
+                                          <p:spTgt spid="25"/>
+                                        </p:tgtEl>
+                                        <p:attrNameLst>
+                                          <p:attrName>ppt_x</p:attrName>
+                                          <p:attrName>ppt_y</p:attrName>
+                                        </p:attrNameLst>
+                                      </p:cBhvr>
+                                      <p:rCtr x="-3320" y="23"/>
+                                    </p:animMotion>
+                                  </p:childTnLst>
+                                </p:cTn>
+                              </p:par>
+                              <p:par>
+                                <p:cTn id="93" presetID="42" presetClass="path" presetSubtype="0" accel="50000" decel="50000" fill="hold" grpId="1" nodeType="withEffect">
+                                  <p:stCondLst>
+                                    <p:cond delay="0"/>
+                                  </p:stCondLst>
+                                  <p:childTnLst>
+                                    <p:animMotion origin="layout" path="M 3.95833E-6 -3.7037E-6 L -0.0655 0.00047 " pathEditMode="relative" rAng="0" ptsTypes="AA">
+                                      <p:cBhvr>
+                                        <p:cTn id="94" dur="1000" fill="hold"/>
+                                        <p:tgtEl>
+                                          <p:spTgt spid="26"/>
+                                        </p:tgtEl>
+                                        <p:attrNameLst>
+                                          <p:attrName>ppt_x</p:attrName>
+                                          <p:attrName>ppt_y</p:attrName>
+                                        </p:attrNameLst>
+                                      </p:cBhvr>
+                                      <p:rCtr x="-3281" y="23"/>
+                                    </p:animMotion>
+                                  </p:childTnLst>
+                                </p:cTn>
+                              </p:par>
+                              <p:par>
+                                <p:cTn id="95" presetID="42" presetClass="path" presetSubtype="0" accel="50000" decel="50000" fill="hold" grpId="2" nodeType="withEffect">
+                                  <p:stCondLst>
+                                    <p:cond delay="0"/>
+                                  </p:stCondLst>
+                                  <p:childTnLst>
+                                    <p:animMotion origin="layout" path="M 0.06849 -3.7037E-6 L 4.58333E-6 3.33333E-6 " pathEditMode="relative" rAng="0" ptsTypes="AA">
+                                      <p:cBhvr>
+                                        <p:cTn id="96" dur="1000" fill="hold"/>
+                                        <p:tgtEl>
+                                          <p:spTgt spid="20"/>
+                                        </p:tgtEl>
+                                        <p:attrNameLst>
+                                          <p:attrName>ppt_x</p:attrName>
+                                          <p:attrName>ppt_y</p:attrName>
+                                        </p:attrNameLst>
+                                      </p:cBhvr>
+                                      <p:rCtr x="-3451" y="23"/>
+                                    </p:animMotion>
+                                  </p:childTnLst>
+                                </p:cTn>
+                              </p:par>
+                              <p:par>
+                                <p:cTn id="97" presetID="42" presetClass="path" presetSubtype="0" accel="50000" decel="50000" fill="hold" grpId="1" nodeType="withEffect">
+                                  <p:stCondLst>
+                                    <p:cond delay="0"/>
+                                  </p:stCondLst>
+                                  <p:childTnLst>
+                                    <p:animMotion origin="layout" path="M -1.45833E-6 3.7037E-6 L -0.06901 7.40741E-7 " pathEditMode="relative" rAng="0" ptsTypes="AA">
+                                      <p:cBhvr>
+                                        <p:cTn id="98" dur="1000" fill="hold"/>
+                                        <p:tgtEl>
+                                          <p:spTgt spid="21"/>
+                                        </p:tgtEl>
+                                        <p:attrNameLst>
+                                          <p:attrName>ppt_x</p:attrName>
+                                          <p:attrName>ppt_y</p:attrName>
+                                        </p:attrNameLst>
+                                      </p:cBhvr>
+                                      <p:rCtr x="-3477" y="23"/>
+                                    </p:animMotion>
+                                  </p:childTnLst>
+                                </p:cTn>
+                              </p:par>
+                            </p:childTnLst>
+                          </p:cTn>
+                        </p:par>
+                      </p:childTnLst>
+                    </p:cTn>
+                  </p:par>
+                </p:childTnLst>
+              </p:cTn>
+              <p:prevCondLst>
+                <p:cond evt="onPrev" delay="0">
+                  <p:tgtEl>
+                    <p:sldTgt/>
+                  </p:tgtEl>
+                </p:cond>
+              </p:prevCondLst>
+              <p:nextCondLst>
+                <p:cond evt="onNext" delay="0">
+                  <p:tgtEl>
+                    <p:sldTgt/>
+                  </p:tgtEl>
+                </p:cond>
+              </p:nextCondLst>
+            </p:seq>
+          </p:childTnLst>
+        </p:cTn>
       </p:par>
     </p:tnLst>
+    <p:bldLst>
+      <p:bldP spid="10" grpId="0" animBg="1"/>
+      <p:bldP spid="11" grpId="0" animBg="1"/>
+      <p:bldP spid="12" grpId="0" animBg="1"/>
+      <p:bldP spid="13" grpId="0" animBg="1"/>
+      <p:bldP spid="14" grpId="0" animBg="1"/>
+      <p:bldP spid="15" grpId="0" animBg="1"/>
+      <p:bldP spid="16" grpId="0" animBg="1"/>
+      <p:bldP spid="17" grpId="0" animBg="1"/>
+      <p:bldP spid="20" grpId="0" animBg="1"/>
+      <p:bldP spid="20" grpId="1" animBg="1"/>
+      <p:bldP spid="20" grpId="2" animBg="1"/>
+      <p:bldP spid="21" grpId="0" animBg="1"/>
+      <p:bldP spid="21" grpId="1" animBg="1"/>
+      <p:bldP spid="22" grpId="0" animBg="1"/>
+      <p:bldP spid="22" grpId="1" animBg="1"/>
+      <p:bldP spid="23" grpId="0" animBg="1"/>
+      <p:bldP spid="23" grpId="1" animBg="1"/>
+      <p:bldP spid="24" grpId="0" animBg="1"/>
+      <p:bldP spid="24" grpId="1" animBg="1"/>
+      <p:bldP spid="25" grpId="0" animBg="1"/>
+      <p:bldP spid="25" grpId="1" animBg="1"/>
+      <p:bldP spid="26" grpId="0" animBg="1"/>
+      <p:bldP spid="26" grpId="1" animBg="1"/>
+      <p:bldP spid="27" grpId="0" animBg="1"/>
+      <p:bldP spid="28" grpId="0" animBg="1"/>
+    </p:bldLst>
   </p:timing>
 </p:sld>
 </file>
@@ -9223,15 +12224,7 @@
           <a:p>
             <a:r>
               <a:rPr kumimoji="1" lang="zh-CN" altLang="en-US" dirty="0" smtClean="0"/>
-              <a:t>测试情况及结果 </a:t>
-            </a:r>
-            <a:r>
-              <a:rPr kumimoji="1" lang="mr-IN" altLang="zh-CN" dirty="0" smtClean="0"/>
-              <a:t>–</a:t>
-            </a:r>
-            <a:r>
-              <a:rPr kumimoji="1" lang="zh-CN" altLang="en-US" dirty="0" smtClean="0"/>
-              <a:t> 测试方法</a:t>
+              <a:t>测试情况及结果</a:t>
             </a:r>
             <a:endParaRPr kumimoji="1" lang="zh-CN" altLang="en-US" dirty="0"/>
           </a:p>
@@ -9254,167 +12247,30 @@
           <a:p>
             <a:r>
               <a:rPr kumimoji="1" lang="zh-CN" altLang="en-US" dirty="0" smtClean="0"/>
-              <a:t>对</a:t>
-            </a:r>
-            <a:r>
-              <a:rPr kumimoji="1" lang="en-US" altLang="zh-CN" dirty="0" smtClean="0"/>
-              <a:t>Leader</a:t>
-            </a:r>
-            <a:r>
-              <a:rPr kumimoji="1" lang="zh-CN" altLang="en-US" dirty="0" smtClean="0"/>
-              <a:t>节点进行配置以选择方案</a:t>
+              <a:t>测试目标</a:t>
             </a:r>
             <a:endParaRPr kumimoji="1" lang="en-US" altLang="zh-CN" dirty="0" smtClean="0"/>
           </a:p>
           <a:p>
-            <a:pPr lvl="1"/>
-            <a:r>
-              <a:rPr kumimoji="1" lang="en-US" altLang="zh-CN" dirty="0" err="1" smtClean="0"/>
-              <a:t>CohortProxyType</a:t>
-            </a:r>
-            <a:r>
-              <a:rPr kumimoji="1" lang="zh-CN" altLang="en-US" dirty="0" smtClean="0"/>
-              <a:t> </a:t>
-            </a:r>
-            <a:r>
-              <a:rPr kumimoji="1" lang="en-US" altLang="zh-CN" dirty="0" smtClean="0"/>
-              <a:t>=</a:t>
-            </a:r>
-            <a:r>
-              <a:rPr kumimoji="1" lang="zh-CN" altLang="en-US" dirty="0" smtClean="0"/>
-              <a:t> </a:t>
-            </a:r>
-            <a:r>
-              <a:rPr kumimoji="1" lang="en-US" altLang="zh-CN" dirty="0" smtClean="0"/>
-              <a:t>Sync</a:t>
-            </a:r>
-            <a:r>
-              <a:rPr kumimoji="1" lang="zh-CN" altLang="en-US" dirty="0" smtClean="0"/>
-              <a:t>（</a:t>
-            </a:r>
-            <a:r>
-              <a:rPr kumimoji="1" lang="en-US" altLang="zh-CN" dirty="0" smtClean="0"/>
-              <a:t>ODL</a:t>
-            </a:r>
-            <a:r>
-              <a:rPr kumimoji="1" lang="zh-CN" altLang="en-US" dirty="0" smtClean="0"/>
-              <a:t>的同步方案）、</a:t>
-            </a:r>
-            <a:r>
-              <a:rPr kumimoji="1" lang="en-US" altLang="zh-CN" dirty="0" smtClean="0"/>
-              <a:t>Forward</a:t>
-            </a:r>
-            <a:r>
-              <a:rPr kumimoji="1" lang="zh-CN" altLang="en-US" dirty="0" smtClean="0"/>
-              <a:t>（代理方案）、</a:t>
-            </a:r>
-            <a:r>
-              <a:rPr kumimoji="1" lang="en-US" altLang="zh-CN" dirty="0" smtClean="0"/>
-              <a:t>Concurrent</a:t>
-            </a:r>
-            <a:r>
-              <a:rPr kumimoji="1" lang="zh-CN" altLang="en-US" dirty="0" smtClean="0"/>
-              <a:t>（异步，由</a:t>
-            </a:r>
-            <a:r>
-              <a:rPr kumimoji="1" lang="en-US" altLang="zh-CN" dirty="0" smtClean="0"/>
-              <a:t>Shard</a:t>
-            </a:r>
-            <a:r>
-              <a:rPr kumimoji="1" lang="zh-CN" altLang="en-US" dirty="0" smtClean="0"/>
-              <a:t>负责事务排序的方案）</a:t>
-            </a:r>
-            <a:endParaRPr kumimoji="1" lang="en-US" altLang="zh-CN" dirty="0"/>
-          </a:p>
-          <a:p>
-            <a:pPr lvl="1"/>
-            <a:r>
-              <a:rPr kumimoji="1" lang="en-US" altLang="zh-CN" dirty="0" err="1" smtClean="0"/>
-              <a:t>ShardType</a:t>
-            </a:r>
-            <a:r>
-              <a:rPr kumimoji="1" lang="zh-CN" altLang="en-US" dirty="0" smtClean="0"/>
-              <a:t> </a:t>
-            </a:r>
-            <a:r>
-              <a:rPr kumimoji="1" lang="en-US" altLang="zh-CN" dirty="0" smtClean="0"/>
-              <a:t>=</a:t>
-            </a:r>
-            <a:r>
-              <a:rPr kumimoji="1" lang="zh-CN" altLang="en-US" dirty="0" smtClean="0"/>
-              <a:t> </a:t>
-            </a:r>
-            <a:r>
-              <a:rPr kumimoji="1" lang="en-US" altLang="zh-CN" dirty="0" smtClean="0"/>
-              <a:t>Normal</a:t>
-            </a:r>
-            <a:r>
-              <a:rPr kumimoji="1" lang="zh-CN" altLang="en-US" dirty="0" smtClean="0"/>
-              <a:t>（不带事务排序功能）、</a:t>
-            </a:r>
-            <a:r>
-              <a:rPr kumimoji="1" lang="en-US" altLang="zh-CN" dirty="0" err="1" smtClean="0"/>
-              <a:t>DealDeadlock</a:t>
-            </a:r>
-            <a:r>
-              <a:rPr kumimoji="1" lang="zh-CN" altLang="en-US" dirty="0" smtClean="0"/>
-              <a:t>（带事务排序功能）</a:t>
+            <a:r>
+              <a:rPr kumimoji="1" lang="zh-CN" altLang="en-US" dirty="0" smtClean="0"/>
+              <a:t>测试方法</a:t>
             </a:r>
             <a:endParaRPr kumimoji="1" lang="en-US" altLang="zh-CN" dirty="0" smtClean="0"/>
           </a:p>
           <a:p>
             <a:r>
               <a:rPr kumimoji="1" lang="zh-CN" altLang="en-US" dirty="0" smtClean="0"/>
-              <a:t>根据</a:t>
-            </a:r>
-            <a:r>
-              <a:rPr kumimoji="1" lang="en-US" altLang="zh-CN" dirty="0" smtClean="0"/>
-              <a:t>Frontend</a:t>
-            </a:r>
-            <a:r>
-              <a:rPr kumimoji="1" lang="zh-CN" altLang="en-US" dirty="0" smtClean="0"/>
-              <a:t>、</a:t>
-            </a:r>
-            <a:r>
-              <a:rPr kumimoji="1" lang="en-US" altLang="zh-CN" dirty="0" smtClean="0"/>
-              <a:t>Backend</a:t>
-            </a:r>
-            <a:r>
-              <a:rPr kumimoji="1" lang="zh-CN" altLang="en-US" dirty="0" smtClean="0"/>
-              <a:t>节点的相对位置测试时延带来的影响</a:t>
-            </a:r>
-            <a:endParaRPr kumimoji="1" lang="en-US" altLang="zh-CN" dirty="0" smtClean="0"/>
-          </a:p>
-          <a:p>
-            <a:pPr lvl="1"/>
-            <a:r>
-              <a:rPr kumimoji="1" lang="zh-CN" altLang="en-US" dirty="0" smtClean="0"/>
-              <a:t>两者位于相同的主机（通信时延忽略）</a:t>
-            </a:r>
-            <a:endParaRPr kumimoji="1" lang="en-US" altLang="zh-CN" dirty="0" smtClean="0"/>
-          </a:p>
-          <a:p>
-            <a:pPr lvl="1"/>
-            <a:r>
-              <a:rPr kumimoji="1" lang="zh-CN" altLang="en-US" dirty="0" smtClean="0"/>
-              <a:t>两者位于不同的主机（通信时延约</a:t>
-            </a:r>
-            <a:r>
-              <a:rPr kumimoji="1" lang="en-US" altLang="zh-CN" dirty="0" smtClean="0"/>
-              <a:t>5ms</a:t>
-            </a:r>
-            <a:r>
-              <a:rPr kumimoji="1" lang="zh-CN" altLang="en-US" dirty="0" smtClean="0"/>
-              <a:t>）</a:t>
-            </a:r>
-            <a:endParaRPr kumimoji="1" lang="en-US" altLang="zh-CN" dirty="0" smtClean="0"/>
+              <a:t>测试结果</a:t>
+            </a:r>
+            <a:endParaRPr kumimoji="1" lang="zh-CN" altLang="en-US" dirty="0"/>
           </a:p>
         </p:txBody>
       </p:sp>
     </p:spTree>
     <p:extLst>
       <p:ext uri="{BB962C8B-B14F-4D97-AF65-F5344CB8AC3E}">
-        <p14:creationId xmlns:p14="http://schemas.microsoft.com/office/powerpoint/2010/main" val="1312855258"/>
+        <p14:creationId xmlns:p14="http://schemas.microsoft.com/office/powerpoint/2010/main" val="705241764"/>
       </p:ext>
     </p:extLst>
   </p:cSld>
@@ -9468,16 +12324,12 @@
               <a:t>测试情况及结果 </a:t>
             </a:r>
             <a:r>
-              <a:rPr kumimoji="1" lang="mr-IN" altLang="zh-CN" dirty="0" smtClean="0"/>
+              <a:rPr kumimoji="1" lang="en-US" altLang="zh-CN" dirty="0" smtClean="0"/>
               <a:t>–</a:t>
             </a:r>
             <a:r>
               <a:rPr kumimoji="1" lang="zh-CN" altLang="en-US" dirty="0" smtClean="0"/>
-              <a:t> 测试方法（</a:t>
-            </a:r>
-            <a:r>
-              <a:rPr kumimoji="1" lang="zh-CN" altLang="en-US" dirty="0" smtClean="0"/>
-              <a:t>续）</a:t>
+              <a:t> 测试目标</a:t>
             </a:r>
             <a:endParaRPr kumimoji="1" lang="zh-CN" altLang="en-US" dirty="0"/>
           </a:p>
@@ -9500,151 +12352,88 @@
           <a:p>
             <a:r>
               <a:rPr kumimoji="1" lang="zh-CN" altLang="en-US" dirty="0" smtClean="0"/>
-              <a:t>部署</a:t>
-            </a:r>
+              <a:t>比较如下三种方案两</a:t>
+            </a:r>
+            <a:r>
+              <a:rPr kumimoji="1" lang="x-none" altLang="zh-CN" dirty="0" smtClean="0"/>
+              <a:t>段式</a:t>
+            </a:r>
+            <a:r>
+              <a:rPr kumimoji="1" lang="zh-CN" altLang="en-US" dirty="0" smtClean="0"/>
+              <a:t>提交的效率</a:t>
+            </a:r>
+            <a:endParaRPr kumimoji="1" lang="en-US" altLang="zh-CN" dirty="0" smtClean="0"/>
+          </a:p>
+          <a:p>
+            <a:pPr marL="914400" lvl="1" indent="-457200">
+              <a:buFont typeface="+mj-lt"/>
+              <a:buAutoNum type="arabicPeriod"/>
+            </a:pPr>
             <a:r>
               <a:rPr kumimoji="1" lang="en-US" altLang="zh-CN" dirty="0" smtClean="0"/>
-              <a:t>Leader</a:t>
-            </a:r>
-            <a:r>
-              <a:rPr kumimoji="1" lang="zh-CN" altLang="en-US" dirty="0" smtClean="0"/>
-              <a:t>、</a:t>
-            </a:r>
-            <a:r>
-              <a:rPr kumimoji="1" lang="en-US" altLang="zh-CN" dirty="0" smtClean="0"/>
-              <a:t>Frontend</a:t>
-            </a:r>
-            <a:r>
-              <a:rPr kumimoji="1" lang="zh-CN" altLang="en-US" dirty="0" smtClean="0"/>
-              <a:t>、</a:t>
-            </a:r>
-            <a:r>
-              <a:rPr kumimoji="1" lang="en-US" altLang="zh-CN" dirty="0" smtClean="0"/>
-              <a:t>Backend</a:t>
-            </a:r>
-            <a:r>
-              <a:rPr kumimoji="1" lang="zh-CN" altLang="en-US" dirty="0" smtClean="0"/>
-              <a:t>、</a:t>
-            </a:r>
-            <a:r>
-              <a:rPr kumimoji="1" lang="en-US" altLang="zh-CN" dirty="0" smtClean="0"/>
-              <a:t>Proxy</a:t>
-            </a:r>
-            <a:r>
-              <a:rPr kumimoji="1" lang="zh-CN" altLang="en-US" dirty="0" smtClean="0"/>
-              <a:t>节点后，启动</a:t>
-            </a:r>
-            <a:r>
-              <a:rPr kumimoji="1" lang="en-US" altLang="zh-CN" dirty="0" smtClean="0"/>
-              <a:t>Operator</a:t>
-            </a:r>
-            <a:r>
-              <a:rPr kumimoji="1" lang="zh-CN" altLang="en-US" dirty="0" smtClean="0"/>
-              <a:t>进行吞吐测试或时延测试</a:t>
+              <a:t>ODL</a:t>
+            </a:r>
+            <a:r>
+              <a:rPr kumimoji="1" lang="zh-CN" altLang="en-US" dirty="0" smtClean="0"/>
+              <a:t>原有方案</a:t>
             </a:r>
             <a:endParaRPr kumimoji="1" lang="en-US" altLang="zh-CN" dirty="0" smtClean="0"/>
           </a:p>
           <a:p>
-            <a:pPr lvl="1"/>
-            <a:r>
-              <a:rPr kumimoji="1" lang="zh-CN" altLang="en-US" dirty="0" smtClean="0"/>
-              <a:t>吞吐测试：每组测试提交</a:t>
-            </a:r>
-            <a:r>
-              <a:rPr kumimoji="1" lang="en-US" altLang="zh-CN" dirty="0" smtClean="0"/>
-              <a:t>1000</a:t>
-            </a:r>
-            <a:r>
-              <a:rPr kumimoji="1" lang="zh-CN" altLang="en-US" dirty="0" smtClean="0"/>
-              <a:t>次，提交间隔</a:t>
-            </a:r>
-            <a:r>
-              <a:rPr kumimoji="1" lang="en-US" altLang="zh-CN" dirty="0" smtClean="0"/>
-              <a:t>0</a:t>
-            </a:r>
-            <a:r>
-              <a:rPr kumimoji="1" lang="zh-CN" altLang="en-US" dirty="0" smtClean="0"/>
-              <a:t>，测试时长</a:t>
-            </a:r>
-            <a:r>
-              <a:rPr kumimoji="1" lang="en-US" altLang="zh-CN" dirty="0" smtClean="0"/>
-              <a:t>5s</a:t>
-            </a:r>
-            <a:r>
-              <a:rPr kumimoji="1" lang="zh-CN" altLang="en-US" dirty="0" smtClean="0"/>
-              <a:t>，测试间隔时间</a:t>
-            </a:r>
-            <a:r>
-              <a:rPr kumimoji="1" lang="en-US" altLang="zh-CN" dirty="0" smtClean="0"/>
-              <a:t>5s</a:t>
-            </a:r>
-            <a:r>
-              <a:rPr kumimoji="1" lang="zh-CN" altLang="en-US" dirty="0" smtClean="0"/>
-              <a:t>，进行</a:t>
-            </a:r>
-            <a:r>
-              <a:rPr kumimoji="1" lang="en-US" altLang="zh-CN" dirty="0" smtClean="0"/>
-              <a:t>30</a:t>
-            </a:r>
-            <a:r>
-              <a:rPr kumimoji="1" lang="zh-CN" altLang="en-US" dirty="0" smtClean="0"/>
-              <a:t>组测试；</a:t>
+            <a:pPr marL="914400" lvl="1" indent="-457200">
+              <a:buFont typeface="+mj-lt"/>
+              <a:buAutoNum type="arabicPeriod"/>
+            </a:pPr>
+            <a:r>
+              <a:rPr kumimoji="1" lang="zh-CN" altLang="en-US" dirty="0" smtClean="0"/>
+              <a:t>代理方案</a:t>
             </a:r>
             <a:endParaRPr kumimoji="1" lang="en-US" altLang="zh-CN" dirty="0" smtClean="0"/>
           </a:p>
           <a:p>
-            <a:pPr lvl="1"/>
-            <a:r>
-              <a:rPr kumimoji="1" lang="zh-CN" altLang="en-US" dirty="0" smtClean="0"/>
-              <a:t>时延测试：每组测试提交</a:t>
-            </a:r>
-            <a:r>
-              <a:rPr kumimoji="1" lang="en-US" altLang="zh-CN" dirty="0" smtClean="0"/>
-              <a:t>10</a:t>
-            </a:r>
-            <a:r>
-              <a:rPr kumimoji="1" lang="zh-CN" altLang="en-US" dirty="0" smtClean="0"/>
-              <a:t>次，提交间隔</a:t>
-            </a:r>
-            <a:r>
-              <a:rPr kumimoji="1" lang="en-US" altLang="zh-CN" dirty="0" smtClean="0"/>
-              <a:t>1s</a:t>
-            </a:r>
-            <a:r>
-              <a:rPr kumimoji="1" lang="zh-CN" altLang="en-US" dirty="0" smtClean="0"/>
-              <a:t>，测试时长</a:t>
-            </a:r>
-            <a:r>
-              <a:rPr kumimoji="1" lang="en-US" altLang="zh-CN" dirty="0" smtClean="0"/>
-              <a:t>10s</a:t>
-            </a:r>
-            <a:r>
-              <a:rPr kumimoji="1" lang="zh-CN" altLang="en-US" dirty="0" smtClean="0"/>
-              <a:t>，测试间隔时间</a:t>
-            </a:r>
-            <a:r>
-              <a:rPr kumimoji="1" lang="en-US" altLang="zh-CN" dirty="0" smtClean="0"/>
-              <a:t>5s</a:t>
-            </a:r>
-            <a:r>
-              <a:rPr kumimoji="1" lang="zh-CN" altLang="en-US" dirty="0" smtClean="0"/>
-              <a:t>，进行</a:t>
-            </a:r>
-            <a:r>
-              <a:rPr kumimoji="1" lang="en-US" altLang="zh-CN" dirty="0" smtClean="0"/>
-              <a:t>30</a:t>
-            </a:r>
-            <a:r>
-              <a:rPr kumimoji="1" lang="zh-CN" altLang="en-US" dirty="0" smtClean="0"/>
-              <a:t>组测试；</a:t>
+            <a:pPr marL="914400" lvl="1" indent="-457200">
+              <a:buFont typeface="+mj-lt"/>
+              <a:buAutoNum type="arabicPeriod"/>
+            </a:pPr>
+            <a:r>
+              <a:rPr kumimoji="1" lang="zh-CN" altLang="en-US" dirty="0" smtClean="0"/>
+              <a:t>事务排序方案</a:t>
             </a:r>
             <a:endParaRPr kumimoji="1" lang="en-US" altLang="zh-CN" dirty="0" smtClean="0"/>
           </a:p>
           <a:p>
             <a:r>
               <a:rPr kumimoji="1" lang="zh-CN" altLang="en-US" dirty="0" smtClean="0"/>
-              <a:t>对测试结果进行统计分析</a:t>
-            </a:r>
+              <a:t>测试通信时延带来的影响</a:t>
+            </a:r>
+            <a:endParaRPr kumimoji="1" lang="en-US" altLang="zh-CN" dirty="0" smtClean="0"/>
+          </a:p>
+          <a:p>
+            <a:r>
+              <a:rPr kumimoji="1" lang="zh-CN" altLang="en-US" dirty="0" smtClean="0"/>
+              <a:t>使用时延、吞吐率两个指标来衡量提交的效率</a:t>
+            </a:r>
+            <a:endParaRPr kumimoji="1" lang="en-US" altLang="zh-CN" dirty="0" smtClean="0"/>
+          </a:p>
+          <a:p>
+            <a:pPr marL="914400" lvl="1" indent="-457200">
+              <a:buFont typeface="+mj-lt"/>
+              <a:buAutoNum type="arabicPeriod"/>
+            </a:pPr>
+            <a:endParaRPr kumimoji="1" lang="en-US" altLang="zh-CN" dirty="0" smtClean="0"/>
+          </a:p>
+          <a:p>
+            <a:pPr marL="914400" lvl="1" indent="-457200">
+              <a:buFont typeface="+mj-lt"/>
+              <a:buAutoNum type="arabicPeriod"/>
+            </a:pPr>
+            <a:endParaRPr kumimoji="1" lang="en-US" altLang="zh-CN" dirty="0" smtClean="0"/>
+          </a:p>
+          <a:p>
+            <a:pPr marL="914400" lvl="1" indent="-457200">
+              <a:buFont typeface="+mj-lt"/>
+              <a:buAutoNum type="arabicPeriod"/>
+            </a:pPr>
             <a:endParaRPr kumimoji="1" lang="zh-CN" altLang="en-US" dirty="0"/>
           </a:p>
         </p:txBody>
@@ -9652,7 +12441,7 @@
     </p:spTree>
     <p:extLst>
       <p:ext uri="{BB962C8B-B14F-4D97-AF65-F5344CB8AC3E}">
-        <p14:creationId xmlns:p14="http://schemas.microsoft.com/office/powerpoint/2010/main" val="767506115"/>
+        <p14:creationId xmlns:p14="http://schemas.microsoft.com/office/powerpoint/2010/main" val="1036079755"/>
       </p:ext>
     </p:extLst>
   </p:cSld>
@@ -9703,19 +12492,15 @@
           <a:p>
             <a:r>
               <a:rPr kumimoji="1" lang="zh-CN" altLang="en-US" dirty="0" smtClean="0"/>
-              <a:t>测试情况及结果</a:t>
-            </a:r>
-            <a:r>
-              <a:rPr kumimoji="1" lang="zh-CN" altLang="en-US" dirty="0"/>
-              <a:t> </a:t>
-            </a:r>
-            <a:r>
-              <a:rPr kumimoji="1" lang="mr-IN" altLang="zh-CN" dirty="0" smtClean="0"/>
+              <a:t>测试情况及结果 </a:t>
+            </a:r>
+            <a:r>
+              <a:rPr kumimoji="1" lang="en-US" altLang="zh-CN" dirty="0" smtClean="0"/>
               <a:t>–</a:t>
             </a:r>
             <a:r>
               <a:rPr kumimoji="1" lang="zh-CN" altLang="en-US" dirty="0" smtClean="0"/>
-              <a:t> 测试结果</a:t>
+              <a:t> 测试方法</a:t>
             </a:r>
             <a:endParaRPr kumimoji="1" lang="zh-CN" altLang="en-US" dirty="0"/>
           </a:p>
@@ -9738,11 +12523,23 @@
           <a:p>
             <a:r>
               <a:rPr kumimoji="1" lang="zh-CN" altLang="en-US" dirty="0" smtClean="0"/>
-              <a:t>测试包含三个维度（方案，测试内容，时延影响），共</a:t>
+              <a:t>对</a:t>
             </a:r>
             <a:r>
               <a:rPr kumimoji="1" lang="en-US" altLang="zh-CN" dirty="0" smtClean="0"/>
-              <a:t>3×2×2</a:t>
+              <a:t>Leader</a:t>
+            </a:r>
+            <a:r>
+              <a:rPr kumimoji="1" lang="zh-CN" altLang="en-US" dirty="0" smtClean="0"/>
+              <a:t>节点进行配置以选择方案</a:t>
+            </a:r>
+            <a:endParaRPr kumimoji="1" lang="en-US" altLang="zh-CN" dirty="0" smtClean="0"/>
+          </a:p>
+          <a:p>
+            <a:pPr lvl="1"/>
+            <a:r>
+              <a:rPr kumimoji="1" lang="en-US" altLang="zh-CN" dirty="0" err="1" smtClean="0"/>
+              <a:t>CohortProxyType</a:t>
             </a:r>
             <a:r>
               <a:rPr kumimoji="1" lang="zh-CN" altLang="en-US" dirty="0" smtClean="0"/>
@@ -9758,11 +12555,126 @@
             </a:r>
             <a:r>
               <a:rPr kumimoji="1" lang="en-US" altLang="zh-CN" dirty="0" smtClean="0"/>
-              <a:t>12</a:t>
-            </a:r>
-            <a:r>
-              <a:rPr kumimoji="1" lang="zh-CN" altLang="en-US" dirty="0" smtClean="0"/>
-              <a:t>组测试</a:t>
+              <a:t>Sync</a:t>
+            </a:r>
+            <a:r>
+              <a:rPr kumimoji="1" lang="zh-CN" altLang="en-US" dirty="0" smtClean="0"/>
+              <a:t>（</a:t>
+            </a:r>
+            <a:r>
+              <a:rPr kumimoji="1" lang="en-US" altLang="zh-CN" dirty="0" smtClean="0"/>
+              <a:t>ODL</a:t>
+            </a:r>
+            <a:r>
+              <a:rPr kumimoji="1" lang="zh-CN" altLang="en-US" dirty="0" smtClean="0"/>
+              <a:t>的同步方案）、</a:t>
+            </a:r>
+            <a:r>
+              <a:rPr kumimoji="1" lang="en-US" altLang="zh-CN" dirty="0" smtClean="0"/>
+              <a:t>Forward</a:t>
+            </a:r>
+            <a:r>
+              <a:rPr kumimoji="1" lang="zh-CN" altLang="en-US" dirty="0" smtClean="0"/>
+              <a:t>（代理方案）、</a:t>
+            </a:r>
+            <a:r>
+              <a:rPr kumimoji="1" lang="en-US" altLang="zh-CN" dirty="0" smtClean="0"/>
+              <a:t>Concurrent</a:t>
+            </a:r>
+            <a:r>
+              <a:rPr kumimoji="1" lang="zh-CN" altLang="en-US" dirty="0" smtClean="0"/>
+              <a:t>（异步，由</a:t>
+            </a:r>
+            <a:r>
+              <a:rPr kumimoji="1" lang="en-US" altLang="zh-CN" dirty="0" smtClean="0"/>
+              <a:t>Shard</a:t>
+            </a:r>
+            <a:r>
+              <a:rPr kumimoji="1" lang="zh-CN" altLang="en-US" dirty="0" smtClean="0"/>
+              <a:t>负责事务排序的方案）</a:t>
+            </a:r>
+            <a:endParaRPr kumimoji="1" lang="en-US" altLang="zh-CN" dirty="0"/>
+          </a:p>
+          <a:p>
+            <a:pPr lvl="1"/>
+            <a:r>
+              <a:rPr kumimoji="1" lang="en-US" altLang="zh-CN" dirty="0" err="1" smtClean="0"/>
+              <a:t>ShardType</a:t>
+            </a:r>
+            <a:r>
+              <a:rPr kumimoji="1" lang="zh-CN" altLang="en-US" dirty="0" smtClean="0"/>
+              <a:t> </a:t>
+            </a:r>
+            <a:r>
+              <a:rPr kumimoji="1" lang="en-US" altLang="zh-CN" dirty="0" smtClean="0"/>
+              <a:t>=</a:t>
+            </a:r>
+            <a:r>
+              <a:rPr kumimoji="1" lang="zh-CN" altLang="en-US" dirty="0" smtClean="0"/>
+              <a:t> </a:t>
+            </a:r>
+            <a:r>
+              <a:rPr kumimoji="1" lang="en-US" altLang="zh-CN" dirty="0" smtClean="0"/>
+              <a:t>Normal</a:t>
+            </a:r>
+            <a:r>
+              <a:rPr kumimoji="1" lang="zh-CN" altLang="en-US" dirty="0" smtClean="0"/>
+              <a:t>（不带事务排序功能）、</a:t>
+            </a:r>
+            <a:r>
+              <a:rPr kumimoji="1" lang="en-US" altLang="zh-CN" dirty="0" err="1" smtClean="0"/>
+              <a:t>DealDeadlock</a:t>
+            </a:r>
+            <a:r>
+              <a:rPr kumimoji="1" lang="zh-CN" altLang="en-US" dirty="0" smtClean="0"/>
+              <a:t>（带事务排序功能）</a:t>
+            </a:r>
+            <a:endParaRPr kumimoji="1" lang="en-US" altLang="zh-CN" dirty="0" smtClean="0"/>
+          </a:p>
+          <a:p>
+            <a:r>
+              <a:rPr kumimoji="1" lang="zh-CN" altLang="en-US" dirty="0" smtClean="0"/>
+              <a:t>根据</a:t>
+            </a:r>
+            <a:r>
+              <a:rPr kumimoji="1" lang="en-US" altLang="zh-CN" dirty="0" smtClean="0"/>
+              <a:t>Frontend</a:t>
+            </a:r>
+            <a:r>
+              <a:rPr kumimoji="1" lang="zh-CN" altLang="en-US" dirty="0" smtClean="0"/>
+              <a:t>、</a:t>
+            </a:r>
+            <a:r>
+              <a:rPr kumimoji="1" lang="en-US" altLang="zh-CN" dirty="0" smtClean="0"/>
+              <a:t>Backend</a:t>
+            </a:r>
+            <a:r>
+              <a:rPr kumimoji="1" lang="zh-CN" altLang="en-US" dirty="0" smtClean="0"/>
+              <a:t>节点的相对位置测试时延带来的影响</a:t>
+            </a:r>
+            <a:endParaRPr kumimoji="1" lang="en-US" altLang="zh-CN" dirty="0" smtClean="0"/>
+          </a:p>
+          <a:p>
+            <a:pPr lvl="1"/>
+            <a:r>
+              <a:rPr kumimoji="1" lang="zh-CN" altLang="en-US" dirty="0" smtClean="0"/>
+              <a:t>两者位于相同的主机（通信时延忽略）</a:t>
+            </a:r>
+            <a:endParaRPr kumimoji="1" lang="en-US" altLang="zh-CN" dirty="0" smtClean="0"/>
+          </a:p>
+          <a:p>
+            <a:pPr lvl="1"/>
+            <a:r>
+              <a:rPr kumimoji="1" lang="zh-CN" altLang="en-US" dirty="0" smtClean="0"/>
+              <a:t>两者位于不同的主机（通信时延约</a:t>
+            </a:r>
+            <a:r>
+              <a:rPr kumimoji="1" lang="en-US" altLang="zh-CN" dirty="0" smtClean="0"/>
+              <a:t>5ms</a:t>
+            </a:r>
+            <a:r>
+              <a:rPr kumimoji="1" lang="zh-CN" altLang="en-US" dirty="0" smtClean="0"/>
+              <a:t>）</a:t>
             </a:r>
             <a:endParaRPr kumimoji="1" lang="en-US" altLang="zh-CN" dirty="0" smtClean="0"/>
           </a:p>
@@ -9771,7 +12683,7 @@
     </p:spTree>
     <p:extLst>
       <p:ext uri="{BB962C8B-B14F-4D97-AF65-F5344CB8AC3E}">
-        <p14:creationId xmlns:p14="http://schemas.microsoft.com/office/powerpoint/2010/main" val="1396815268"/>
+        <p14:creationId xmlns:p14="http://schemas.microsoft.com/office/powerpoint/2010/main" val="1595032409"/>
       </p:ext>
     </p:extLst>
   </p:cSld>
@@ -9822,50 +12734,15 @@
           <a:p>
             <a:r>
               <a:rPr kumimoji="1" lang="zh-CN" altLang="en-US" dirty="0" smtClean="0"/>
-              <a:t>测试结果</a:t>
-            </a:r>
-            <a:r>
-              <a:rPr kumimoji="1" lang="zh-CN" altLang="en-US" dirty="0"/>
-              <a:t> </a:t>
-            </a:r>
-            <a:r>
-              <a:rPr kumimoji="1" lang="mr-IN" altLang="zh-CN" dirty="0" smtClean="0"/>
+              <a:t>测试情况及结果 </a:t>
+            </a:r>
+            <a:r>
+              <a:rPr kumimoji="1" lang="en-US" altLang="zh-CN" dirty="0" smtClean="0"/>
               <a:t>–</a:t>
             </a:r>
             <a:r>
               <a:rPr kumimoji="1" lang="zh-CN" altLang="en-US" dirty="0" smtClean="0"/>
-              <a:t> （原始方案，</a:t>
-            </a:r>
-            <a:r>
-              <a:rPr kumimoji="1" lang="en-US" altLang="zh-CN" dirty="0" smtClean="0"/>
-              <a:t>_</a:t>
-            </a:r>
-            <a:r>
-              <a:rPr kumimoji="1" lang="zh-CN" altLang="en-US" dirty="0" smtClean="0"/>
-              <a:t>，无通信时延）</a:t>
-            </a:r>
-            <a:endParaRPr kumimoji="1" lang="zh-CN" altLang="en-US" dirty="0"/>
-          </a:p>
-        </p:txBody>
-      </p:sp>
-      <p:sp>
-        <p:nvSpPr>
-          <p:cNvPr id="4" name="文本占位符 3"/>
-          <p:cNvSpPr>
-            <a:spLocks noGrp="1"/>
-          </p:cNvSpPr>
-          <p:nvPr>
-            <p:ph type="body" idx="1"/>
-          </p:nvPr>
-        </p:nvSpPr>
-        <p:spPr/>
-        <p:txBody>
-          <a:bodyPr/>
-          <a:lstStyle/>
-          <a:p>
-            <a:r>
-              <a:rPr kumimoji="1" lang="zh-CN" altLang="en-US" dirty="0" smtClean="0"/>
-              <a:t>吞吐测试</a:t>
+              <a:t> 测试方法（续）</a:t>
             </a:r>
             <a:endParaRPr kumimoji="1" lang="zh-CN" altLang="en-US" dirty="0"/>
           </a:p>
@@ -9878,7 +12755,7 @@
             <a:spLocks noGrp="1"/>
           </p:cNvSpPr>
           <p:nvPr>
-            <p:ph sz="half" idx="2"/>
+            <p:ph idx="1"/>
           </p:nvPr>
         </p:nvSpPr>
         <p:spPr/>
@@ -9887,63 +12764,160 @@
           <a:lstStyle/>
           <a:p>
             <a:r>
+              <a:rPr kumimoji="1" lang="zh-CN" altLang="en-US" dirty="0" smtClean="0"/>
+              <a:t>部署</a:t>
+            </a:r>
+            <a:r>
               <a:rPr kumimoji="1" lang="en-US" altLang="zh-CN" dirty="0" smtClean="0"/>
-              <a:t>TO</a:t>
-            </a:r>
-            <a:r>
-              <a:rPr kumimoji="1" lang="zh-CN" altLang="en-US" dirty="0" smtClean="0"/>
-              <a:t>：承泽，结果折线图放在这里</a:t>
+              <a:t>Leader</a:t>
+            </a:r>
+            <a:r>
+              <a:rPr kumimoji="1" lang="zh-CN" altLang="en-US" dirty="0" smtClean="0"/>
+              <a:t>、</a:t>
+            </a:r>
+            <a:r>
+              <a:rPr kumimoji="1" lang="en-US" altLang="zh-CN" dirty="0" smtClean="0"/>
+              <a:t>Frontend</a:t>
+            </a:r>
+            <a:r>
+              <a:rPr kumimoji="1" lang="zh-CN" altLang="en-US" dirty="0" smtClean="0"/>
+              <a:t>、</a:t>
+            </a:r>
+            <a:r>
+              <a:rPr kumimoji="1" lang="en-US" altLang="zh-CN" dirty="0" smtClean="0"/>
+              <a:t>Backend</a:t>
+            </a:r>
+            <a:r>
+              <a:rPr kumimoji="1" lang="zh-CN" altLang="en-US" dirty="0" smtClean="0"/>
+              <a:t>、</a:t>
+            </a:r>
+            <a:r>
+              <a:rPr kumimoji="1" lang="en-US" altLang="zh-CN" dirty="0" smtClean="0"/>
+              <a:t>Proxy</a:t>
+            </a:r>
+            <a:r>
+              <a:rPr kumimoji="1" lang="zh-CN" altLang="en-US" dirty="0" smtClean="0"/>
+              <a:t>节点后，启动</a:t>
+            </a:r>
+            <a:r>
+              <a:rPr kumimoji="1" lang="en-US" altLang="zh-CN" dirty="0" smtClean="0"/>
+              <a:t>Operator</a:t>
+            </a:r>
+            <a:r>
+              <a:rPr kumimoji="1" lang="zh-CN" altLang="en-US" dirty="0" smtClean="0"/>
+              <a:t>进行吞吐测试或时延测试</a:t>
             </a:r>
             <a:endParaRPr kumimoji="1" lang="en-US" altLang="zh-CN" dirty="0" smtClean="0"/>
           </a:p>
-        </p:txBody>
-      </p:sp>
-      <p:sp>
-        <p:nvSpPr>
-          <p:cNvPr id="5" name="文本占位符 4"/>
-          <p:cNvSpPr>
-            <a:spLocks noGrp="1"/>
-          </p:cNvSpPr>
-          <p:nvPr>
-            <p:ph type="body" sz="quarter" idx="3"/>
-          </p:nvPr>
-        </p:nvSpPr>
-        <p:spPr/>
-        <p:txBody>
-          <a:bodyPr/>
-          <a:lstStyle/>
-          <a:p>
-            <a:r>
-              <a:rPr kumimoji="1" lang="zh-CN" altLang="en-US" dirty="0" smtClean="0"/>
-              <a:t>时延测试</a:t>
+          <a:p>
+            <a:pPr lvl="1"/>
+            <a:r>
+              <a:rPr kumimoji="1" lang="zh-CN" altLang="en-US" dirty="0" smtClean="0"/>
+              <a:t>吞吐测试：每组测试提交</a:t>
+            </a:r>
+            <a:r>
+              <a:rPr kumimoji="1" lang="en-US" altLang="zh-CN" dirty="0" smtClean="0"/>
+              <a:t>1000</a:t>
+            </a:r>
+            <a:r>
+              <a:rPr kumimoji="1" lang="zh-CN" altLang="en-US" dirty="0" smtClean="0"/>
+              <a:t>次，提交间隔</a:t>
+            </a:r>
+            <a:r>
+              <a:rPr kumimoji="1" lang="en-US" altLang="zh-CN" dirty="0" smtClean="0"/>
+              <a:t>0</a:t>
+            </a:r>
+            <a:r>
+              <a:rPr kumimoji="1" lang="zh-CN" altLang="en-US" dirty="0" smtClean="0"/>
+              <a:t>，测试时长</a:t>
+            </a:r>
+            <a:r>
+              <a:rPr kumimoji="1" lang="en-US" altLang="zh-CN" dirty="0" smtClean="0"/>
+              <a:t>5s</a:t>
+            </a:r>
+            <a:r>
+              <a:rPr kumimoji="1" lang="zh-CN" altLang="en-US" dirty="0" smtClean="0"/>
+              <a:t>，测试间隔时间</a:t>
+            </a:r>
+            <a:r>
+              <a:rPr kumimoji="1" lang="en-US" altLang="zh-CN" dirty="0" smtClean="0"/>
+              <a:t>5s</a:t>
+            </a:r>
+            <a:r>
+              <a:rPr kumimoji="1" lang="zh-CN" altLang="en-US" dirty="0" smtClean="0"/>
+              <a:t>，进行</a:t>
+            </a:r>
+            <a:r>
+              <a:rPr kumimoji="1" lang="en-US" altLang="zh-CN" dirty="0" smtClean="0"/>
+              <a:t>30</a:t>
+            </a:r>
+            <a:r>
+              <a:rPr kumimoji="1" lang="zh-CN" altLang="en-US" dirty="0" smtClean="0"/>
+              <a:t>组测试；</a:t>
+            </a:r>
+            <a:endParaRPr kumimoji="1" lang="en-US" altLang="zh-CN" dirty="0" smtClean="0"/>
+          </a:p>
+          <a:p>
+            <a:pPr lvl="1"/>
+            <a:r>
+              <a:rPr kumimoji="1" lang="zh-CN" altLang="en-US" dirty="0" smtClean="0"/>
+              <a:t>时延测试：每组测试提交</a:t>
+            </a:r>
+            <a:r>
+              <a:rPr kumimoji="1" lang="en-US" altLang="zh-CN" dirty="0" smtClean="0"/>
+              <a:t>10</a:t>
+            </a:r>
+            <a:r>
+              <a:rPr kumimoji="1" lang="zh-CN" altLang="en-US" dirty="0" smtClean="0"/>
+              <a:t>次，提交间隔</a:t>
+            </a:r>
+            <a:r>
+              <a:rPr kumimoji="1" lang="en-US" altLang="zh-CN" dirty="0" smtClean="0"/>
+              <a:t>1s</a:t>
+            </a:r>
+            <a:r>
+              <a:rPr kumimoji="1" lang="zh-CN" altLang="en-US" dirty="0" smtClean="0"/>
+              <a:t>，测试时长</a:t>
+            </a:r>
+            <a:r>
+              <a:rPr kumimoji="1" lang="en-US" altLang="zh-CN" dirty="0" smtClean="0"/>
+              <a:t>10s</a:t>
+            </a:r>
+            <a:r>
+              <a:rPr kumimoji="1" lang="zh-CN" altLang="en-US" dirty="0" smtClean="0"/>
+              <a:t>，测试间隔时间</a:t>
+            </a:r>
+            <a:r>
+              <a:rPr kumimoji="1" lang="en-US" altLang="zh-CN" dirty="0" smtClean="0"/>
+              <a:t>5s</a:t>
+            </a:r>
+            <a:r>
+              <a:rPr kumimoji="1" lang="zh-CN" altLang="en-US" dirty="0" smtClean="0"/>
+              <a:t>，进行</a:t>
+            </a:r>
+            <a:r>
+              <a:rPr kumimoji="1" lang="en-US" altLang="zh-CN" dirty="0" smtClean="0"/>
+              <a:t>30</a:t>
+            </a:r>
+            <a:r>
+              <a:rPr kumimoji="1" lang="zh-CN" altLang="en-US" dirty="0" smtClean="0"/>
+              <a:t>组测试；</a:t>
+            </a:r>
+            <a:endParaRPr kumimoji="1" lang="en-US" altLang="zh-CN" dirty="0" smtClean="0"/>
+          </a:p>
+          <a:p>
+            <a:r>
+              <a:rPr kumimoji="1" lang="zh-CN" altLang="en-US" dirty="0" smtClean="0"/>
+              <a:t>对测试结果进行统计分析</a:t>
             </a:r>
             <a:endParaRPr kumimoji="1" lang="zh-CN" altLang="en-US" dirty="0"/>
-          </a:p>
-        </p:txBody>
-      </p:sp>
-      <p:sp>
-        <p:nvSpPr>
-          <p:cNvPr id="6" name="内容占位符 5"/>
-          <p:cNvSpPr>
-            <a:spLocks noGrp="1"/>
-          </p:cNvSpPr>
-          <p:nvPr>
-            <p:ph sz="quarter" idx="4"/>
-          </p:nvPr>
-        </p:nvSpPr>
-        <p:spPr/>
-        <p:txBody>
-          <a:bodyPr/>
-          <a:lstStyle/>
-          <a:p>
-            <a:endParaRPr kumimoji="1" lang="zh-CN" altLang="en-US"/>
           </a:p>
         </p:txBody>
       </p:sp>
     </p:spTree>
     <p:extLst>
       <p:ext uri="{BB962C8B-B14F-4D97-AF65-F5344CB8AC3E}">
-        <p14:creationId xmlns:p14="http://schemas.microsoft.com/office/powerpoint/2010/main" val="1235486199"/>
+        <p14:creationId xmlns:p14="http://schemas.microsoft.com/office/powerpoint/2010/main" val="671332562"/>
       </p:ext>
     </p:extLst>
   </p:cSld>
@@ -10116,50 +13090,19 @@
           <a:p>
             <a:r>
               <a:rPr kumimoji="1" lang="zh-CN" altLang="en-US" dirty="0" smtClean="0"/>
-              <a:t>测试结果</a:t>
+              <a:t>测试情况及结果</a:t>
             </a:r>
             <a:r>
               <a:rPr kumimoji="1" lang="zh-CN" altLang="en-US" dirty="0"/>
               <a:t> </a:t>
             </a:r>
             <a:r>
-              <a:rPr kumimoji="1" lang="mr-IN" altLang="zh-CN" dirty="0" smtClean="0"/>
+              <a:rPr kumimoji="1" lang="en-US" altLang="zh-CN" dirty="0" smtClean="0"/>
               <a:t>–</a:t>
             </a:r>
             <a:r>
               <a:rPr kumimoji="1" lang="zh-CN" altLang="en-US" dirty="0" smtClean="0"/>
-              <a:t> （原始方案，</a:t>
-            </a:r>
-            <a:r>
-              <a:rPr kumimoji="1" lang="en-US" altLang="zh-CN" dirty="0" smtClean="0"/>
-              <a:t>_</a:t>
-            </a:r>
-            <a:r>
-              <a:rPr kumimoji="1" lang="zh-CN" altLang="en-US" dirty="0" smtClean="0"/>
-              <a:t>，有通信时延）</a:t>
-            </a:r>
-            <a:endParaRPr kumimoji="1" lang="zh-CN" altLang="en-US" dirty="0"/>
-          </a:p>
-        </p:txBody>
-      </p:sp>
-      <p:sp>
-        <p:nvSpPr>
-          <p:cNvPr id="4" name="文本占位符 3"/>
-          <p:cNvSpPr>
-            <a:spLocks noGrp="1"/>
-          </p:cNvSpPr>
-          <p:nvPr>
-            <p:ph type="body" idx="1"/>
-          </p:nvPr>
-        </p:nvSpPr>
-        <p:spPr/>
-        <p:txBody>
-          <a:bodyPr/>
-          <a:lstStyle/>
-          <a:p>
-            <a:r>
-              <a:rPr kumimoji="1" lang="zh-CN" altLang="en-US" dirty="0" smtClean="0"/>
-              <a:t>吞吐测试</a:t>
+              <a:t> 测试结果</a:t>
             </a:r>
             <a:endParaRPr kumimoji="1" lang="zh-CN" altLang="en-US" dirty="0"/>
           </a:p>
@@ -10172,7 +13115,7 @@
             <a:spLocks noGrp="1"/>
           </p:cNvSpPr>
           <p:nvPr>
-            <p:ph sz="half" idx="2"/>
+            <p:ph idx="1"/>
           </p:nvPr>
         </p:nvSpPr>
         <p:spPr/>
@@ -10180,56 +13123,42 @@
           <a:bodyPr/>
           <a:lstStyle/>
           <a:p>
+            <a:r>
+              <a:rPr kumimoji="1" lang="zh-CN" altLang="en-US" dirty="0" smtClean="0"/>
+              <a:t>测试包含三个维度（方案，测试内容，时延影响），共</a:t>
+            </a:r>
+            <a:r>
+              <a:rPr kumimoji="1" lang="en-US" altLang="zh-CN" dirty="0" smtClean="0"/>
+              <a:t>3×2×2</a:t>
+            </a:r>
+            <a:r>
+              <a:rPr kumimoji="1" lang="zh-CN" altLang="en-US" dirty="0" smtClean="0"/>
+              <a:t> </a:t>
+            </a:r>
+            <a:r>
+              <a:rPr kumimoji="1" lang="en-US" altLang="zh-CN" dirty="0" smtClean="0"/>
+              <a:t>=</a:t>
+            </a:r>
+            <a:r>
+              <a:rPr kumimoji="1" lang="zh-CN" altLang="en-US" dirty="0" smtClean="0"/>
+              <a:t> </a:t>
+            </a:r>
+            <a:r>
+              <a:rPr kumimoji="1" lang="en-US" altLang="zh-CN" dirty="0" smtClean="0"/>
+              <a:t>12</a:t>
+            </a:r>
+            <a:r>
+              <a:rPr kumimoji="1" lang="zh-CN" altLang="en-US" dirty="0" smtClean="0"/>
+              <a:t>组测试</a:t>
+            </a:r>
             <a:endParaRPr kumimoji="1" lang="en-US" altLang="zh-CN" dirty="0" smtClean="0"/>
-          </a:p>
-        </p:txBody>
-      </p:sp>
-      <p:sp>
-        <p:nvSpPr>
-          <p:cNvPr id="5" name="文本占位符 4"/>
-          <p:cNvSpPr>
-            <a:spLocks noGrp="1"/>
-          </p:cNvSpPr>
-          <p:nvPr>
-            <p:ph type="body" sz="quarter" idx="3"/>
-          </p:nvPr>
-        </p:nvSpPr>
-        <p:spPr/>
-        <p:txBody>
-          <a:bodyPr/>
-          <a:lstStyle/>
-          <a:p>
-            <a:r>
-              <a:rPr kumimoji="1" lang="zh-CN" altLang="en-US" dirty="0" smtClean="0"/>
-              <a:t>时延测试</a:t>
-            </a:r>
-            <a:endParaRPr kumimoji="1" lang="zh-CN" altLang="en-US" dirty="0"/>
-          </a:p>
-        </p:txBody>
-      </p:sp>
-      <p:sp>
-        <p:nvSpPr>
-          <p:cNvPr id="6" name="内容占位符 5"/>
-          <p:cNvSpPr>
-            <a:spLocks noGrp="1"/>
-          </p:cNvSpPr>
-          <p:nvPr>
-            <p:ph sz="quarter" idx="4"/>
-          </p:nvPr>
-        </p:nvSpPr>
-        <p:spPr/>
-        <p:txBody>
-          <a:bodyPr/>
-          <a:lstStyle/>
-          <a:p>
-            <a:endParaRPr kumimoji="1" lang="zh-CN" altLang="en-US"/>
           </a:p>
         </p:txBody>
       </p:sp>
     </p:spTree>
     <p:extLst>
       <p:ext uri="{BB962C8B-B14F-4D97-AF65-F5344CB8AC3E}">
-        <p14:creationId xmlns:p14="http://schemas.microsoft.com/office/powerpoint/2010/main" val="1896225409"/>
+        <p14:creationId xmlns:p14="http://schemas.microsoft.com/office/powerpoint/2010/main" val="207288196"/>
       </p:ext>
     </p:extLst>
   </p:cSld>
@@ -10287,12 +13216,20 @@
               <a:t> </a:t>
             </a:r>
             <a:r>
-              <a:rPr kumimoji="1" lang="mr-IN" altLang="zh-CN" dirty="0" smtClean="0"/>
+              <a:rPr kumimoji="1" lang="en-US" altLang="zh-CN" dirty="0" smtClean="0"/>
               <a:t>–</a:t>
             </a:r>
             <a:r>
               <a:rPr kumimoji="1" lang="zh-CN" altLang="en-US" dirty="0" smtClean="0"/>
-              <a:t> （代理方案，</a:t>
+              <a:t> （</a:t>
+            </a:r>
+            <a:r>
+              <a:rPr kumimoji="1" lang="x-none" altLang="zh-CN" dirty="0" smtClean="0"/>
+              <a:t>原始</a:t>
+            </a:r>
+            <a:r>
+              <a:rPr kumimoji="1" lang="zh-CN" altLang="en-US" dirty="0" smtClean="0"/>
+              <a:t>方案，</a:t>
             </a:r>
             <a:r>
               <a:rPr kumimoji="1" lang="en-US" altLang="zh-CN" dirty="0" smtClean="0"/>
@@ -10331,25 +13268,6 @@
       </p:sp>
       <p:sp>
         <p:nvSpPr>
-          <p:cNvPr id="3" name="内容占位符 2"/>
-          <p:cNvSpPr>
-            <a:spLocks noGrp="1"/>
-          </p:cNvSpPr>
-          <p:nvPr>
-            <p:ph sz="half" idx="2"/>
-          </p:nvPr>
-        </p:nvSpPr>
-        <p:spPr/>
-        <p:txBody>
-          <a:bodyPr/>
-          <a:lstStyle/>
-          <a:p>
-            <a:endParaRPr kumimoji="1" lang="en-US" altLang="zh-CN" dirty="0" smtClean="0"/>
-          </a:p>
-        </p:txBody>
-      </p:sp>
-      <p:sp>
-        <p:nvSpPr>
           <p:cNvPr id="5" name="文本占位符 4"/>
           <p:cNvSpPr>
             <a:spLocks noGrp="1"/>
@@ -10371,29 +13289,62 @@
           </a:p>
         </p:txBody>
       </p:sp>
-      <p:sp>
-        <p:nvSpPr>
-          <p:cNvPr id="6" name="内容占位符 5"/>
-          <p:cNvSpPr>
-            <a:spLocks noGrp="1"/>
-          </p:cNvSpPr>
+      <p:pic>
+        <p:nvPicPr>
+          <p:cNvPr id="10" name="Content Placeholder 9"/>
+          <p:cNvPicPr>
+            <a:picLocks noGrp="1" noChangeAspect="1"/>
+          </p:cNvPicPr>
+          <p:nvPr>
+            <p:ph sz="half" idx="2"/>
+          </p:nvPr>
+        </p:nvPicPr>
+        <p:blipFill>
+          <a:blip r:embed="rId2"/>
+          <a:stretch>
+            <a:fillRect/>
+          </a:stretch>
+        </p:blipFill>
+        <p:spPr>
+          <a:xfrm>
+            <a:off x="840105" y="2531110"/>
+            <a:ext cx="5157470" cy="3631565"/>
+          </a:xfrm>
+          <a:prstGeom prst="rect">
+            <a:avLst/>
+          </a:prstGeom>
+        </p:spPr>
+      </p:pic>
+      <p:pic>
+        <p:nvPicPr>
+          <p:cNvPr id="13" name="Content Placeholder 12"/>
+          <p:cNvPicPr>
+            <a:picLocks noGrp="1" noChangeAspect="1"/>
+          </p:cNvPicPr>
           <p:nvPr>
             <p:ph sz="quarter" idx="4"/>
           </p:nvPr>
-        </p:nvSpPr>
-        <p:spPr/>
-        <p:txBody>
-          <a:bodyPr/>
-          <a:lstStyle/>
-          <a:p>
-            <a:endParaRPr kumimoji="1" lang="zh-CN" altLang="en-US"/>
-          </a:p>
-        </p:txBody>
-      </p:sp>
+        </p:nvPicPr>
+        <p:blipFill>
+          <a:blip r:embed="rId3"/>
+          <a:stretch>
+            <a:fillRect/>
+          </a:stretch>
+        </p:blipFill>
+        <p:spPr>
+          <a:xfrm>
+            <a:off x="6172200" y="2583180"/>
+            <a:ext cx="5183505" cy="3527425"/>
+          </a:xfrm>
+          <a:prstGeom prst="rect">
+            <a:avLst/>
+          </a:prstGeom>
+        </p:spPr>
+      </p:pic>
     </p:spTree>
     <p:extLst>
       <p:ext uri="{BB962C8B-B14F-4D97-AF65-F5344CB8AC3E}">
-        <p14:creationId xmlns:p14="http://schemas.microsoft.com/office/powerpoint/2010/main" val="912527620"/>
+        <p14:creationId xmlns:p14="http://schemas.microsoft.com/office/powerpoint/2010/main" val="674234738"/>
       </p:ext>
     </p:extLst>
   </p:cSld>
@@ -10451,12 +13402,22 @@
               <a:t> </a:t>
             </a:r>
             <a:r>
-              <a:rPr kumimoji="1" lang="mr-IN" altLang="zh-CN" dirty="0" smtClean="0"/>
+              <a:rPr kumimoji="1" lang="en-US" altLang="zh-CN" dirty="0" smtClean="0"/>
               <a:t>–</a:t>
             </a:r>
             <a:r>
               <a:rPr kumimoji="1" lang="zh-CN" altLang="en-US" dirty="0" smtClean="0"/>
-              <a:t> （代理方案，</a:t>
+              <a:t> （</a:t>
+            </a:r>
+            <a:r>
+              <a:rPr kumimoji="1" lang="x-none" altLang="zh-CN" dirty="0" smtClean="0">
+                <a:sym typeface="+mn-ea"/>
+              </a:rPr>
+              <a:t>原始</a:t>
+            </a:r>
+            <a:r>
+              <a:rPr kumimoji="1" lang="zh-CN" altLang="en-US" dirty="0" smtClean="0"/>
+              <a:t>方案，</a:t>
             </a:r>
             <a:r>
               <a:rPr kumimoji="1" lang="en-US" altLang="zh-CN" dirty="0" smtClean="0"/>
@@ -10495,25 +13456,6 @@
       </p:sp>
       <p:sp>
         <p:nvSpPr>
-          <p:cNvPr id="3" name="内容占位符 2"/>
-          <p:cNvSpPr>
-            <a:spLocks noGrp="1"/>
-          </p:cNvSpPr>
-          <p:nvPr>
-            <p:ph sz="half" idx="2"/>
-          </p:nvPr>
-        </p:nvSpPr>
-        <p:spPr/>
-        <p:txBody>
-          <a:bodyPr/>
-          <a:lstStyle/>
-          <a:p>
-            <a:endParaRPr kumimoji="1" lang="en-US" altLang="zh-CN" dirty="0" smtClean="0"/>
-          </a:p>
-        </p:txBody>
-      </p:sp>
-      <p:sp>
-        <p:nvSpPr>
           <p:cNvPr id="5" name="文本占位符 4"/>
           <p:cNvSpPr>
             <a:spLocks noGrp="1"/>
@@ -10535,29 +13477,62 @@
           </a:p>
         </p:txBody>
       </p:sp>
-      <p:sp>
-        <p:nvSpPr>
-          <p:cNvPr id="6" name="内容占位符 5"/>
-          <p:cNvSpPr>
-            <a:spLocks noGrp="1"/>
-          </p:cNvSpPr>
+      <p:pic>
+        <p:nvPicPr>
+          <p:cNvPr id="6" name="Content Placeholder 5"/>
+          <p:cNvPicPr>
+            <a:picLocks noGrp="1" noChangeAspect="1"/>
+          </p:cNvPicPr>
           <p:nvPr>
             <p:ph sz="quarter" idx="4"/>
           </p:nvPr>
-        </p:nvSpPr>
-        <p:spPr/>
-        <p:txBody>
-          <a:bodyPr/>
-          <a:lstStyle/>
-          <a:p>
-            <a:endParaRPr kumimoji="1" lang="zh-CN" altLang="en-US"/>
-          </a:p>
-        </p:txBody>
-      </p:sp>
+        </p:nvPicPr>
+        <p:blipFill>
+          <a:blip r:embed="rId2"/>
+          <a:stretch>
+            <a:fillRect/>
+          </a:stretch>
+        </p:blipFill>
+        <p:spPr>
+          <a:xfrm>
+            <a:off x="6172200" y="2583180"/>
+            <a:ext cx="5183505" cy="3527425"/>
+          </a:xfrm>
+          <a:prstGeom prst="rect">
+            <a:avLst/>
+          </a:prstGeom>
+        </p:spPr>
+      </p:pic>
+      <p:pic>
+        <p:nvPicPr>
+          <p:cNvPr id="10" name="Content Placeholder 9"/>
+          <p:cNvPicPr>
+            <a:picLocks noGrp="1" noChangeAspect="1"/>
+          </p:cNvPicPr>
+          <p:nvPr>
+            <p:ph sz="half" idx="2"/>
+          </p:nvPr>
+        </p:nvPicPr>
+        <p:blipFill>
+          <a:blip r:embed="rId3"/>
+          <a:stretch>
+            <a:fillRect/>
+          </a:stretch>
+        </p:blipFill>
+        <p:spPr>
+          <a:xfrm>
+            <a:off x="840105" y="2531110"/>
+            <a:ext cx="5157470" cy="3631565"/>
+          </a:xfrm>
+          <a:prstGeom prst="rect">
+            <a:avLst/>
+          </a:prstGeom>
+        </p:spPr>
+      </p:pic>
     </p:spTree>
     <p:extLst>
       <p:ext uri="{BB962C8B-B14F-4D97-AF65-F5344CB8AC3E}">
-        <p14:creationId xmlns:p14="http://schemas.microsoft.com/office/powerpoint/2010/main" val="1670986113"/>
+        <p14:creationId xmlns:p14="http://schemas.microsoft.com/office/powerpoint/2010/main" val="1739519994"/>
       </p:ext>
     </p:extLst>
   </p:cSld>
@@ -10615,12 +13590,22 @@
               <a:t> </a:t>
             </a:r>
             <a:r>
-              <a:rPr kumimoji="1" lang="mr-IN" altLang="zh-CN" dirty="0" smtClean="0"/>
+              <a:rPr kumimoji="1" lang="en-US" altLang="zh-CN" dirty="0" smtClean="0"/>
               <a:t>–</a:t>
             </a:r>
             <a:r>
               <a:rPr kumimoji="1" lang="zh-CN" altLang="en-US" dirty="0" smtClean="0"/>
-              <a:t> （排序方案，</a:t>
+              <a:t> （</a:t>
+            </a:r>
+            <a:r>
+              <a:rPr kumimoji="1" lang="zh-CN" altLang="en-US" dirty="0" smtClean="0">
+                <a:sym typeface="+mn-ea"/>
+              </a:rPr>
+              <a:t>排序</a:t>
+            </a:r>
+            <a:r>
+              <a:rPr kumimoji="1" lang="zh-CN" altLang="en-US" dirty="0" smtClean="0"/>
+              <a:t>方案，</a:t>
             </a:r>
             <a:r>
               <a:rPr kumimoji="1" lang="en-US" altLang="zh-CN" dirty="0" smtClean="0"/>
@@ -10659,25 +13644,6 @@
       </p:sp>
       <p:sp>
         <p:nvSpPr>
-          <p:cNvPr id="3" name="内容占位符 2"/>
-          <p:cNvSpPr>
-            <a:spLocks noGrp="1"/>
-          </p:cNvSpPr>
-          <p:nvPr>
-            <p:ph sz="half" idx="2"/>
-          </p:nvPr>
-        </p:nvSpPr>
-        <p:spPr/>
-        <p:txBody>
-          <a:bodyPr/>
-          <a:lstStyle/>
-          <a:p>
-            <a:endParaRPr kumimoji="1" lang="en-US" altLang="zh-CN" dirty="0" smtClean="0"/>
-          </a:p>
-        </p:txBody>
-      </p:sp>
-      <p:sp>
-        <p:nvSpPr>
           <p:cNvPr id="5" name="文本占位符 4"/>
           <p:cNvSpPr>
             <a:spLocks noGrp="1"/>
@@ -10699,29 +13665,62 @@
           </a:p>
         </p:txBody>
       </p:sp>
-      <p:sp>
-        <p:nvSpPr>
-          <p:cNvPr id="6" name="内容占位符 5"/>
-          <p:cNvSpPr>
-            <a:spLocks noGrp="1"/>
-          </p:cNvSpPr>
+      <p:pic>
+        <p:nvPicPr>
+          <p:cNvPr id="7" name="Content Placeholder 6"/>
+          <p:cNvPicPr>
+            <a:picLocks noGrp="1" noChangeAspect="1"/>
+          </p:cNvPicPr>
+          <p:nvPr>
+            <p:ph sz="half" idx="2"/>
+          </p:nvPr>
+        </p:nvPicPr>
+        <p:blipFill>
+          <a:blip r:embed="rId2"/>
+          <a:stretch>
+            <a:fillRect/>
+          </a:stretch>
+        </p:blipFill>
+        <p:spPr>
+          <a:xfrm>
+            <a:off x="851535" y="2505075"/>
+            <a:ext cx="5133975" cy="3684905"/>
+          </a:xfrm>
+          <a:prstGeom prst="rect">
+            <a:avLst/>
+          </a:prstGeom>
+        </p:spPr>
+      </p:pic>
+      <p:pic>
+        <p:nvPicPr>
+          <p:cNvPr id="10" name="Content Placeholder 9"/>
+          <p:cNvPicPr>
+            <a:picLocks noGrp="1" noChangeAspect="1"/>
+          </p:cNvPicPr>
           <p:nvPr>
             <p:ph sz="quarter" idx="4"/>
           </p:nvPr>
-        </p:nvSpPr>
-        <p:spPr/>
-        <p:txBody>
-          <a:bodyPr/>
-          <a:lstStyle/>
-          <a:p>
-            <a:endParaRPr kumimoji="1" lang="zh-CN" altLang="en-US"/>
-          </a:p>
-        </p:txBody>
-      </p:sp>
+        </p:nvPicPr>
+        <p:blipFill>
+          <a:blip r:embed="rId3"/>
+          <a:stretch>
+            <a:fillRect/>
+          </a:stretch>
+        </p:blipFill>
+        <p:spPr>
+          <a:xfrm>
+            <a:off x="6172200" y="2583180"/>
+            <a:ext cx="5183505" cy="3527425"/>
+          </a:xfrm>
+          <a:prstGeom prst="rect">
+            <a:avLst/>
+          </a:prstGeom>
+        </p:spPr>
+      </p:pic>
     </p:spTree>
     <p:extLst>
       <p:ext uri="{BB962C8B-B14F-4D97-AF65-F5344CB8AC3E}">
-        <p14:creationId xmlns:p14="http://schemas.microsoft.com/office/powerpoint/2010/main" val="1619949372"/>
+        <p14:creationId xmlns:p14="http://schemas.microsoft.com/office/powerpoint/2010/main" val="270168900"/>
       </p:ext>
     </p:extLst>
   </p:cSld>
@@ -10779,12 +13778,22 @@
               <a:t> </a:t>
             </a:r>
             <a:r>
-              <a:rPr kumimoji="1" lang="mr-IN" altLang="zh-CN" dirty="0" smtClean="0"/>
+              <a:rPr kumimoji="1" lang="en-US" altLang="zh-CN" dirty="0" smtClean="0"/>
               <a:t>–</a:t>
             </a:r>
             <a:r>
               <a:rPr kumimoji="1" lang="zh-CN" altLang="en-US" dirty="0" smtClean="0"/>
-              <a:t> （排序方案，</a:t>
+              <a:t> （</a:t>
+            </a:r>
+            <a:r>
+              <a:rPr kumimoji="1" lang="zh-CN" altLang="en-US" dirty="0" smtClean="0">
+                <a:sym typeface="+mn-ea"/>
+              </a:rPr>
+              <a:t>排序</a:t>
+            </a:r>
+            <a:r>
+              <a:rPr kumimoji="1" lang="zh-CN" altLang="en-US" dirty="0" smtClean="0"/>
+              <a:t>方案，</a:t>
             </a:r>
             <a:r>
               <a:rPr kumimoji="1" lang="en-US" altLang="zh-CN" dirty="0" smtClean="0"/>
@@ -10823,25 +13832,6 @@
       </p:sp>
       <p:sp>
         <p:nvSpPr>
-          <p:cNvPr id="3" name="内容占位符 2"/>
-          <p:cNvSpPr>
-            <a:spLocks noGrp="1"/>
-          </p:cNvSpPr>
-          <p:nvPr>
-            <p:ph sz="half" idx="2"/>
-          </p:nvPr>
-        </p:nvSpPr>
-        <p:spPr/>
-        <p:txBody>
-          <a:bodyPr/>
-          <a:lstStyle/>
-          <a:p>
-            <a:endParaRPr kumimoji="1" lang="en-US" altLang="zh-CN" dirty="0" smtClean="0"/>
-          </a:p>
-        </p:txBody>
-      </p:sp>
-      <p:sp>
-        <p:nvSpPr>
           <p:cNvPr id="5" name="文本占位符 4"/>
           <p:cNvSpPr>
             <a:spLocks noGrp="1"/>
@@ -10863,29 +13853,62 @@
           </a:p>
         </p:txBody>
       </p:sp>
-      <p:sp>
-        <p:nvSpPr>
-          <p:cNvPr id="6" name="内容占位符 5"/>
-          <p:cNvSpPr>
-            <a:spLocks noGrp="1"/>
-          </p:cNvSpPr>
+      <p:pic>
+        <p:nvPicPr>
+          <p:cNvPr id="8" name="Content Placeholder 7"/>
+          <p:cNvPicPr>
+            <a:picLocks noGrp="1" noChangeAspect="1"/>
+          </p:cNvPicPr>
+          <p:nvPr>
+            <p:ph sz="half" idx="2"/>
+          </p:nvPr>
+        </p:nvPicPr>
+        <p:blipFill>
+          <a:blip r:embed="rId3"/>
+          <a:stretch>
+            <a:fillRect/>
+          </a:stretch>
+        </p:blipFill>
+        <p:spPr>
+          <a:xfrm>
+            <a:off x="840105" y="2552065"/>
+            <a:ext cx="5157470" cy="3590290"/>
+          </a:xfrm>
+          <a:prstGeom prst="rect">
+            <a:avLst/>
+          </a:prstGeom>
+        </p:spPr>
+      </p:pic>
+      <p:pic>
+        <p:nvPicPr>
+          <p:cNvPr id="10" name="Content Placeholder 9"/>
+          <p:cNvPicPr>
+            <a:picLocks noGrp="1" noChangeAspect="1"/>
+          </p:cNvPicPr>
           <p:nvPr>
             <p:ph sz="quarter" idx="4"/>
           </p:nvPr>
-        </p:nvSpPr>
-        <p:spPr/>
-        <p:txBody>
-          <a:bodyPr/>
-          <a:lstStyle/>
-          <a:p>
-            <a:endParaRPr kumimoji="1" lang="zh-CN" altLang="en-US"/>
-          </a:p>
-        </p:txBody>
-      </p:sp>
+        </p:nvPicPr>
+        <p:blipFill>
+          <a:blip r:embed="rId4"/>
+          <a:stretch>
+            <a:fillRect/>
+          </a:stretch>
+        </p:blipFill>
+        <p:spPr>
+          <a:xfrm>
+            <a:off x="6172200" y="2590165"/>
+            <a:ext cx="5183505" cy="3513455"/>
+          </a:xfrm>
+          <a:prstGeom prst="rect">
+            <a:avLst/>
+          </a:prstGeom>
+        </p:spPr>
+      </p:pic>
     </p:spTree>
     <p:extLst>
       <p:ext uri="{BB962C8B-B14F-4D97-AF65-F5344CB8AC3E}">
-        <p14:creationId xmlns:p14="http://schemas.microsoft.com/office/powerpoint/2010/main" val="691418538"/>
+        <p14:creationId xmlns:p14="http://schemas.microsoft.com/office/powerpoint/2010/main" val="948272542"/>
       </p:ext>
     </p:extLst>
   </p:cSld>
@@ -10943,7 +13966,7 @@
               <a:t> </a:t>
             </a:r>
             <a:r>
-              <a:rPr kumimoji="1" lang="mr-IN" altLang="zh-CN" dirty="0" smtClean="0"/>
+              <a:rPr kumimoji="1" lang="en-US" altLang="zh-CN" dirty="0" smtClean="0"/>
               <a:t>–</a:t>
             </a:r>
             <a:r>
@@ -10951,12 +13974,14 @@
               <a:t> （</a:t>
             </a:r>
             <a:r>
-              <a:rPr kumimoji="1" lang="en-US" altLang="zh-CN" dirty="0" smtClean="0"/>
-              <a:t>_</a:t>
-            </a:r>
-            <a:r>
-              <a:rPr kumimoji="1" lang="zh-CN" altLang="en-US" dirty="0" smtClean="0"/>
-              <a:t>，</a:t>
+              <a:rPr kumimoji="1" lang="zh-CN" altLang="en-US" dirty="0" smtClean="0">
+                <a:sym typeface="+mn-ea"/>
+              </a:rPr>
+              <a:t>代理</a:t>
+            </a:r>
+            <a:r>
+              <a:rPr kumimoji="1" lang="zh-CN" altLang="en-US" dirty="0" smtClean="0"/>
+              <a:t>方案，</a:t>
             </a:r>
             <a:r>
               <a:rPr kumimoji="1" lang="en-US" altLang="zh-CN" dirty="0" smtClean="0"/>
@@ -10995,41 +14020,6 @@
       </p:sp>
       <p:sp>
         <p:nvSpPr>
-          <p:cNvPr id="3" name="内容占位符 2"/>
-          <p:cNvSpPr>
-            <a:spLocks noGrp="1"/>
-          </p:cNvSpPr>
-          <p:nvPr>
-            <p:ph sz="half" idx="2"/>
-          </p:nvPr>
-        </p:nvSpPr>
-        <p:spPr/>
-        <p:txBody>
-          <a:bodyPr/>
-          <a:lstStyle/>
-          <a:p>
-            <a:r>
-              <a:rPr kumimoji="1" lang="en-US" altLang="zh-CN" dirty="0" smtClean="0"/>
-              <a:t>TO</a:t>
-            </a:r>
-            <a:r>
-              <a:rPr kumimoji="1" lang="zh-CN" altLang="en-US" dirty="0" smtClean="0"/>
-              <a:t>：这里放综合结果（</a:t>
-            </a:r>
-            <a:r>
-              <a:rPr kumimoji="1" lang="en-US" altLang="zh-CN" dirty="0" smtClean="0"/>
-              <a:t>3</a:t>
-            </a:r>
-            <a:r>
-              <a:rPr kumimoji="1" lang="zh-CN" altLang="en-US" dirty="0" smtClean="0"/>
-              <a:t>种方案的折线放在一张图上）</a:t>
-            </a:r>
-            <a:endParaRPr kumimoji="1" lang="en-US" altLang="zh-CN" dirty="0" smtClean="0"/>
-          </a:p>
-        </p:txBody>
-      </p:sp>
-      <p:sp>
-        <p:nvSpPr>
           <p:cNvPr id="5" name="文本占位符 4"/>
           <p:cNvSpPr>
             <a:spLocks noGrp="1"/>
@@ -11051,29 +14041,62 @@
           </a:p>
         </p:txBody>
       </p:sp>
-      <p:sp>
-        <p:nvSpPr>
-          <p:cNvPr id="6" name="内容占位符 5"/>
-          <p:cNvSpPr>
-            <a:spLocks noGrp="1"/>
-          </p:cNvSpPr>
+      <p:pic>
+        <p:nvPicPr>
+          <p:cNvPr id="7" name="Content Placeholder 6"/>
+          <p:cNvPicPr>
+            <a:picLocks noGrp="1" noChangeAspect="1"/>
+          </p:cNvPicPr>
+          <p:nvPr>
+            <p:ph sz="half" idx="2"/>
+          </p:nvPr>
+        </p:nvPicPr>
+        <p:blipFill>
+          <a:blip r:embed="rId2"/>
+          <a:stretch>
+            <a:fillRect/>
+          </a:stretch>
+        </p:blipFill>
+        <p:spPr>
+          <a:xfrm>
+            <a:off x="840105" y="2552065"/>
+            <a:ext cx="5157470" cy="3590290"/>
+          </a:xfrm>
+          <a:prstGeom prst="rect">
+            <a:avLst/>
+          </a:prstGeom>
+        </p:spPr>
+      </p:pic>
+      <p:pic>
+        <p:nvPicPr>
+          <p:cNvPr id="8" name="Content Placeholder 7"/>
+          <p:cNvPicPr>
+            <a:picLocks noGrp="1" noChangeAspect="1"/>
+          </p:cNvPicPr>
           <p:nvPr>
             <p:ph sz="quarter" idx="4"/>
           </p:nvPr>
-        </p:nvSpPr>
-        <p:spPr/>
-        <p:txBody>
-          <a:bodyPr/>
-          <a:lstStyle/>
-          <a:p>
-            <a:endParaRPr kumimoji="1" lang="zh-CN" altLang="en-US"/>
-          </a:p>
-        </p:txBody>
-      </p:sp>
+        </p:nvPicPr>
+        <p:blipFill>
+          <a:blip r:embed="rId3"/>
+          <a:stretch>
+            <a:fillRect/>
+          </a:stretch>
+        </p:blipFill>
+        <p:spPr>
+          <a:xfrm>
+            <a:off x="6172200" y="2583180"/>
+            <a:ext cx="5183505" cy="3527425"/>
+          </a:xfrm>
+          <a:prstGeom prst="rect">
+            <a:avLst/>
+          </a:prstGeom>
+        </p:spPr>
+      </p:pic>
     </p:spTree>
     <p:extLst>
       <p:ext uri="{BB962C8B-B14F-4D97-AF65-F5344CB8AC3E}">
-        <p14:creationId xmlns:p14="http://schemas.microsoft.com/office/powerpoint/2010/main" val="1425264886"/>
+        <p14:creationId xmlns:p14="http://schemas.microsoft.com/office/powerpoint/2010/main" val="1571051174"/>
       </p:ext>
     </p:extLst>
   </p:cSld>
@@ -11087,6 +14110,1127 @@
       </p:par>
     </p:tnLst>
   </p:timing>
+</p:sld>
+</file>
+
+<file path=ppt/slides/slide26.xml><?xml version="1.0" encoding="utf-8"?>
+<p:sld xmlns:a="http://schemas.openxmlformats.org/drawingml/2006/main" xmlns:r="http://schemas.openxmlformats.org/officeDocument/2006/relationships" xmlns:p="http://schemas.openxmlformats.org/presentationml/2006/main">
+  <p:cSld>
+    <p:spTree>
+      <p:nvGrpSpPr>
+        <p:cNvPr id="1" name=""/>
+        <p:cNvGrpSpPr/>
+        <p:nvPr/>
+      </p:nvGrpSpPr>
+      <p:grpSpPr>
+        <a:xfrm>
+          <a:off x="0" y="0"/>
+          <a:ext cx="0" cy="0"/>
+          <a:chOff x="0" y="0"/>
+          <a:chExt cx="0" cy="0"/>
+        </a:xfrm>
+      </p:grpSpPr>
+      <p:sp>
+        <p:nvSpPr>
+          <p:cNvPr id="2" name="标题 1"/>
+          <p:cNvSpPr>
+            <a:spLocks noGrp="1"/>
+          </p:cNvSpPr>
+          <p:nvPr>
+            <p:ph type="title"/>
+          </p:nvPr>
+        </p:nvSpPr>
+        <p:spPr/>
+        <p:txBody>
+          <a:bodyPr>
+            <a:normAutofit/>
+          </a:bodyPr>
+          <a:lstStyle/>
+          <a:p>
+            <a:r>
+              <a:rPr kumimoji="1" lang="zh-CN" altLang="en-US" dirty="0" smtClean="0"/>
+              <a:t>测试结果</a:t>
+            </a:r>
+            <a:r>
+              <a:rPr kumimoji="1" lang="zh-CN" altLang="en-US" dirty="0"/>
+              <a:t> </a:t>
+            </a:r>
+            <a:r>
+              <a:rPr kumimoji="1" lang="en-US" altLang="zh-CN" dirty="0" smtClean="0"/>
+              <a:t>–</a:t>
+            </a:r>
+            <a:r>
+              <a:rPr kumimoji="1" lang="zh-CN" altLang="en-US" dirty="0" smtClean="0"/>
+              <a:t> （</a:t>
+            </a:r>
+            <a:r>
+              <a:rPr kumimoji="1" lang="zh-CN" altLang="en-US" dirty="0" smtClean="0">
+                <a:sym typeface="+mn-ea"/>
+              </a:rPr>
+              <a:t>代理</a:t>
+            </a:r>
+            <a:r>
+              <a:rPr kumimoji="1" lang="zh-CN" altLang="en-US" dirty="0" smtClean="0"/>
+              <a:t>方案，</a:t>
+            </a:r>
+            <a:r>
+              <a:rPr kumimoji="1" lang="en-US" altLang="zh-CN" dirty="0" smtClean="0"/>
+              <a:t>_</a:t>
+            </a:r>
+            <a:r>
+              <a:rPr kumimoji="1" lang="zh-CN" altLang="en-US" dirty="0" smtClean="0"/>
+              <a:t>，有通信时延）</a:t>
+            </a:r>
+            <a:endParaRPr kumimoji="1" lang="zh-CN" altLang="en-US" dirty="0"/>
+          </a:p>
+        </p:txBody>
+      </p:sp>
+      <p:sp>
+        <p:nvSpPr>
+          <p:cNvPr id="4" name="文本占位符 3"/>
+          <p:cNvSpPr>
+            <a:spLocks noGrp="1"/>
+          </p:cNvSpPr>
+          <p:nvPr>
+            <p:ph type="body" idx="1"/>
+          </p:nvPr>
+        </p:nvSpPr>
+        <p:spPr/>
+        <p:txBody>
+          <a:bodyPr/>
+          <a:lstStyle/>
+          <a:p>
+            <a:r>
+              <a:rPr kumimoji="1" lang="zh-CN" altLang="en-US" dirty="0" smtClean="0"/>
+              <a:t>吞吐测试</a:t>
+            </a:r>
+            <a:endParaRPr kumimoji="1" lang="zh-CN" altLang="en-US" dirty="0"/>
+          </a:p>
+        </p:txBody>
+      </p:sp>
+      <p:sp>
+        <p:nvSpPr>
+          <p:cNvPr id="5" name="文本占位符 4"/>
+          <p:cNvSpPr>
+            <a:spLocks noGrp="1"/>
+          </p:cNvSpPr>
+          <p:nvPr>
+            <p:ph type="body" sz="quarter" idx="3"/>
+          </p:nvPr>
+        </p:nvSpPr>
+        <p:spPr/>
+        <p:txBody>
+          <a:bodyPr/>
+          <a:lstStyle/>
+          <a:p>
+            <a:r>
+              <a:rPr kumimoji="1" lang="zh-CN" altLang="en-US" dirty="0" smtClean="0"/>
+              <a:t>时延测试</a:t>
+            </a:r>
+            <a:endParaRPr kumimoji="1" lang="zh-CN" altLang="en-US" dirty="0"/>
+          </a:p>
+        </p:txBody>
+      </p:sp>
+      <p:pic>
+        <p:nvPicPr>
+          <p:cNvPr id="7" name="Content Placeholder 6"/>
+          <p:cNvPicPr>
+            <a:picLocks noGrp="1" noChangeAspect="1"/>
+          </p:cNvPicPr>
+          <p:nvPr>
+            <p:ph sz="half" idx="2"/>
+          </p:nvPr>
+        </p:nvPicPr>
+        <p:blipFill>
+          <a:blip r:embed="rId2"/>
+          <a:stretch>
+            <a:fillRect/>
+          </a:stretch>
+        </p:blipFill>
+        <p:spPr>
+          <a:xfrm>
+            <a:off x="840105" y="2552065"/>
+            <a:ext cx="5157470" cy="3590290"/>
+          </a:xfrm>
+          <a:prstGeom prst="rect">
+            <a:avLst/>
+          </a:prstGeom>
+        </p:spPr>
+      </p:pic>
+      <p:pic>
+        <p:nvPicPr>
+          <p:cNvPr id="10" name="Content Placeholder 9"/>
+          <p:cNvPicPr>
+            <a:picLocks noGrp="1" noChangeAspect="1"/>
+          </p:cNvPicPr>
+          <p:nvPr>
+            <p:ph sz="quarter" idx="4"/>
+          </p:nvPr>
+        </p:nvPicPr>
+        <p:blipFill>
+          <a:blip r:embed="rId3"/>
+          <a:stretch>
+            <a:fillRect/>
+          </a:stretch>
+        </p:blipFill>
+        <p:spPr>
+          <a:xfrm>
+            <a:off x="6172200" y="2583180"/>
+            <a:ext cx="5183505" cy="3527425"/>
+          </a:xfrm>
+          <a:prstGeom prst="rect">
+            <a:avLst/>
+          </a:prstGeom>
+        </p:spPr>
+      </p:pic>
+    </p:spTree>
+    <p:extLst>
+      <p:ext uri="{BB962C8B-B14F-4D97-AF65-F5344CB8AC3E}">
+        <p14:creationId xmlns:p14="http://schemas.microsoft.com/office/powerpoint/2010/main" val="1345641553"/>
+      </p:ext>
+    </p:extLst>
+  </p:cSld>
+  <p:clrMapOvr>
+    <a:masterClrMapping/>
+  </p:clrMapOvr>
+  <p:timing>
+    <p:tnLst>
+      <p:par>
+        <p:cTn id="1" dur="indefinite" restart="never" nodeType="tmRoot"/>
+      </p:par>
+    </p:tnLst>
+  </p:timing>
+</p:sld>
+</file>
+
+<file path=ppt/slides/slide27.xml><?xml version="1.0" encoding="utf-8"?>
+<p:sld xmlns:a="http://schemas.openxmlformats.org/drawingml/2006/main" xmlns:r="http://schemas.openxmlformats.org/officeDocument/2006/relationships" xmlns:p="http://schemas.openxmlformats.org/presentationml/2006/main">
+  <p:cSld>
+    <p:spTree>
+      <p:nvGrpSpPr>
+        <p:cNvPr id="1" name=""/>
+        <p:cNvGrpSpPr/>
+        <p:nvPr/>
+      </p:nvGrpSpPr>
+      <p:grpSpPr>
+        <a:xfrm>
+          <a:off x="0" y="0"/>
+          <a:ext cx="0" cy="0"/>
+          <a:chOff x="0" y="0"/>
+          <a:chExt cx="0" cy="0"/>
+        </a:xfrm>
+      </p:grpSpPr>
+      <p:sp>
+        <p:nvSpPr>
+          <p:cNvPr id="2" name="标题 1"/>
+          <p:cNvSpPr>
+            <a:spLocks noGrp="1"/>
+          </p:cNvSpPr>
+          <p:nvPr>
+            <p:ph type="title"/>
+          </p:nvPr>
+        </p:nvSpPr>
+        <p:spPr/>
+        <p:txBody>
+          <a:bodyPr/>
+          <a:lstStyle/>
+          <a:p>
+            <a:r>
+              <a:rPr kumimoji="1" lang="zh-CN" altLang="en-US" dirty="0" smtClean="0"/>
+              <a:t>测试结果</a:t>
+            </a:r>
+            <a:r>
+              <a:rPr kumimoji="1" lang="zh-CN" altLang="en-US" dirty="0"/>
+              <a:t> </a:t>
+            </a:r>
+            <a:r>
+              <a:rPr kumimoji="1" lang="en-US" altLang="zh-CN" dirty="0" smtClean="0"/>
+              <a:t>–</a:t>
+            </a:r>
+            <a:r>
+              <a:rPr kumimoji="1" lang="zh-CN" altLang="en-US" dirty="0" smtClean="0"/>
+              <a:t> （</a:t>
+            </a:r>
+            <a:r>
+              <a:rPr kumimoji="1" lang="en-US" altLang="zh-CN" dirty="0" smtClean="0"/>
+              <a:t>_</a:t>
+            </a:r>
+            <a:r>
+              <a:rPr kumimoji="1" lang="zh-CN" altLang="en-US" dirty="0" smtClean="0"/>
+              <a:t>，</a:t>
+            </a:r>
+            <a:r>
+              <a:rPr kumimoji="1" lang="en-US" altLang="zh-CN" dirty="0" smtClean="0"/>
+              <a:t>_</a:t>
+            </a:r>
+            <a:r>
+              <a:rPr kumimoji="1" lang="zh-CN" altLang="en-US" dirty="0" smtClean="0"/>
+              <a:t>，无通信时延）</a:t>
+            </a:r>
+            <a:endParaRPr kumimoji="1" lang="zh-CN" altLang="en-US" dirty="0"/>
+          </a:p>
+        </p:txBody>
+      </p:sp>
+      <p:sp>
+        <p:nvSpPr>
+          <p:cNvPr id="4" name="文本占位符 3"/>
+          <p:cNvSpPr>
+            <a:spLocks noGrp="1"/>
+          </p:cNvSpPr>
+          <p:nvPr>
+            <p:ph type="body" idx="1"/>
+          </p:nvPr>
+        </p:nvSpPr>
+        <p:spPr/>
+        <p:txBody>
+          <a:bodyPr/>
+          <a:lstStyle/>
+          <a:p>
+            <a:r>
+              <a:rPr kumimoji="1" lang="zh-CN" altLang="en-US" dirty="0" smtClean="0"/>
+              <a:t>吞吐测试</a:t>
+            </a:r>
+            <a:endParaRPr kumimoji="1" lang="zh-CN" altLang="en-US" dirty="0"/>
+          </a:p>
+        </p:txBody>
+      </p:sp>
+      <p:sp>
+        <p:nvSpPr>
+          <p:cNvPr id="5" name="文本占位符 4"/>
+          <p:cNvSpPr>
+            <a:spLocks noGrp="1"/>
+          </p:cNvSpPr>
+          <p:nvPr>
+            <p:ph type="body" sz="quarter" idx="3"/>
+          </p:nvPr>
+        </p:nvSpPr>
+        <p:spPr/>
+        <p:txBody>
+          <a:bodyPr/>
+          <a:lstStyle/>
+          <a:p>
+            <a:r>
+              <a:rPr kumimoji="1" lang="zh-CN" altLang="en-US" dirty="0" smtClean="0"/>
+              <a:t>时延测试</a:t>
+            </a:r>
+            <a:endParaRPr kumimoji="1" lang="zh-CN" altLang="en-US" dirty="0"/>
+          </a:p>
+        </p:txBody>
+      </p:sp>
+      <p:pic>
+        <p:nvPicPr>
+          <p:cNvPr id="11" name="Content Placeholder 10"/>
+          <p:cNvPicPr>
+            <a:picLocks noGrp="1" noChangeAspect="1"/>
+          </p:cNvPicPr>
+          <p:nvPr>
+            <p:ph sz="quarter" idx="4"/>
+          </p:nvPr>
+        </p:nvPicPr>
+        <p:blipFill>
+          <a:blip r:embed="rId2"/>
+          <a:stretch>
+            <a:fillRect/>
+          </a:stretch>
+        </p:blipFill>
+        <p:spPr>
+          <a:xfrm>
+            <a:off x="6172200" y="2600325"/>
+            <a:ext cx="5183505" cy="3493770"/>
+          </a:xfrm>
+          <a:prstGeom prst="rect">
+            <a:avLst/>
+          </a:prstGeom>
+        </p:spPr>
+      </p:pic>
+      <p:sp>
+        <p:nvSpPr>
+          <p:cNvPr id="20" name="Text Box 19"/>
+          <p:cNvSpPr txBox="1"/>
+          <p:nvPr/>
+        </p:nvSpPr>
+        <p:spPr>
+          <a:xfrm>
+            <a:off x="11123295" y="4176395"/>
+            <a:ext cx="909320" cy="243840"/>
+          </a:xfrm>
+          <a:prstGeom prst="rect">
+            <a:avLst/>
+          </a:prstGeom>
+          <a:noFill/>
+        </p:spPr>
+        <p:txBody>
+          <a:bodyPr wrap="square" rtlCol="0" anchor="t">
+            <a:spAutoFit/>
+          </a:bodyPr>
+          <a:lstStyle/>
+          <a:p>
+            <a:r>
+              <a:rPr kumimoji="1" lang="x-none" altLang="zh-CN" sz="1000" dirty="0">
+                <a:sym typeface="+mn-ea"/>
+              </a:rPr>
+              <a:t>优先级排序</a:t>
+            </a:r>
+          </a:p>
+        </p:txBody>
+      </p:sp>
+      <p:sp>
+        <p:nvSpPr>
+          <p:cNvPr id="21" name="Text Box 20"/>
+          <p:cNvSpPr txBox="1"/>
+          <p:nvPr/>
+        </p:nvSpPr>
+        <p:spPr>
+          <a:xfrm>
+            <a:off x="5832475" y="2970530"/>
+            <a:ext cx="909320" cy="243840"/>
+          </a:xfrm>
+          <a:prstGeom prst="rect">
+            <a:avLst/>
+          </a:prstGeom>
+          <a:noFill/>
+        </p:spPr>
+        <p:txBody>
+          <a:bodyPr wrap="square" rtlCol="0" anchor="t">
+            <a:spAutoFit/>
+          </a:bodyPr>
+          <a:lstStyle/>
+          <a:p>
+            <a:r>
+              <a:rPr kumimoji="1" lang="x-none" altLang="zh-CN" sz="1000" dirty="0">
+                <a:sym typeface="+mn-ea"/>
+              </a:rPr>
+              <a:t>优先级排序</a:t>
+            </a:r>
+          </a:p>
+        </p:txBody>
+      </p:sp>
+      <p:sp>
+        <p:nvSpPr>
+          <p:cNvPr id="22" name="Text Box 21"/>
+          <p:cNvSpPr txBox="1"/>
+          <p:nvPr/>
+        </p:nvSpPr>
+        <p:spPr>
+          <a:xfrm>
+            <a:off x="5851525" y="3730625"/>
+            <a:ext cx="909320" cy="243840"/>
+          </a:xfrm>
+          <a:prstGeom prst="rect">
+            <a:avLst/>
+          </a:prstGeom>
+          <a:noFill/>
+        </p:spPr>
+        <p:txBody>
+          <a:bodyPr wrap="square" rtlCol="0" anchor="t">
+            <a:spAutoFit/>
+          </a:bodyPr>
+          <a:lstStyle/>
+          <a:p>
+            <a:r>
+              <a:rPr kumimoji="1" lang="x-none" altLang="zh-CN" sz="1000" dirty="0">
+                <a:sym typeface="+mn-ea"/>
+              </a:rPr>
+              <a:t>代理</a:t>
+            </a:r>
+          </a:p>
+        </p:txBody>
+      </p:sp>
+      <p:sp>
+        <p:nvSpPr>
+          <p:cNvPr id="23" name="Text Box 22"/>
+          <p:cNvSpPr txBox="1"/>
+          <p:nvPr/>
+        </p:nvSpPr>
+        <p:spPr>
+          <a:xfrm>
+            <a:off x="5851525" y="4998085"/>
+            <a:ext cx="909320" cy="243840"/>
+          </a:xfrm>
+          <a:prstGeom prst="rect">
+            <a:avLst/>
+          </a:prstGeom>
+          <a:noFill/>
+        </p:spPr>
+        <p:txBody>
+          <a:bodyPr wrap="square" rtlCol="0" anchor="t">
+            <a:spAutoFit/>
+          </a:bodyPr>
+          <a:lstStyle/>
+          <a:p>
+            <a:r>
+              <a:rPr kumimoji="1" lang="x-none" altLang="zh-CN" sz="1000" dirty="0">
+                <a:sym typeface="+mn-ea"/>
+              </a:rPr>
+              <a:t>原始</a:t>
+            </a:r>
+          </a:p>
+        </p:txBody>
+      </p:sp>
+      <p:sp>
+        <p:nvSpPr>
+          <p:cNvPr id="24" name="Text Box 23"/>
+          <p:cNvSpPr txBox="1"/>
+          <p:nvPr/>
+        </p:nvSpPr>
+        <p:spPr>
+          <a:xfrm>
+            <a:off x="11123295" y="5120005"/>
+            <a:ext cx="909320" cy="243840"/>
+          </a:xfrm>
+          <a:prstGeom prst="rect">
+            <a:avLst/>
+          </a:prstGeom>
+          <a:noFill/>
+        </p:spPr>
+        <p:txBody>
+          <a:bodyPr wrap="square" rtlCol="0" anchor="t">
+            <a:spAutoFit/>
+          </a:bodyPr>
+          <a:lstStyle/>
+          <a:p>
+            <a:r>
+              <a:rPr kumimoji="1" lang="x-none" altLang="zh-CN" sz="1000" dirty="0">
+                <a:sym typeface="+mn-ea"/>
+              </a:rPr>
+              <a:t>原始</a:t>
+            </a:r>
+          </a:p>
+        </p:txBody>
+      </p:sp>
+      <p:sp>
+        <p:nvSpPr>
+          <p:cNvPr id="25" name="Text Box 24"/>
+          <p:cNvSpPr txBox="1"/>
+          <p:nvPr/>
+        </p:nvSpPr>
+        <p:spPr>
+          <a:xfrm>
+            <a:off x="11123295" y="5484495"/>
+            <a:ext cx="909320" cy="243840"/>
+          </a:xfrm>
+          <a:prstGeom prst="rect">
+            <a:avLst/>
+          </a:prstGeom>
+          <a:noFill/>
+        </p:spPr>
+        <p:txBody>
+          <a:bodyPr wrap="square" rtlCol="0" anchor="t">
+            <a:spAutoFit/>
+          </a:bodyPr>
+          <a:lstStyle/>
+          <a:p>
+            <a:r>
+              <a:rPr kumimoji="1" lang="x-none" altLang="zh-CN" sz="1000" dirty="0">
+                <a:sym typeface="+mn-ea"/>
+              </a:rPr>
+              <a:t>代理</a:t>
+            </a:r>
+          </a:p>
+        </p:txBody>
+      </p:sp>
+      <p:pic>
+        <p:nvPicPr>
+          <p:cNvPr id="27" name="Content Placeholder 26"/>
+          <p:cNvPicPr>
+            <a:picLocks noGrp="1" noChangeAspect="1"/>
+          </p:cNvPicPr>
+          <p:nvPr>
+            <p:ph sz="half" idx="2"/>
+          </p:nvPr>
+        </p:nvPicPr>
+        <p:blipFill>
+          <a:blip r:embed="rId3"/>
+          <a:stretch>
+            <a:fillRect/>
+          </a:stretch>
+        </p:blipFill>
+        <p:spPr>
+          <a:xfrm>
+            <a:off x="763905" y="2552065"/>
+            <a:ext cx="5157470" cy="3590290"/>
+          </a:xfrm>
+          <a:prstGeom prst="rect">
+            <a:avLst/>
+          </a:prstGeom>
+        </p:spPr>
+      </p:pic>
+    </p:spTree>
+    <p:extLst>
+      <p:ext uri="{BB962C8B-B14F-4D97-AF65-F5344CB8AC3E}">
+        <p14:creationId xmlns:p14="http://schemas.microsoft.com/office/powerpoint/2010/main" val="1047294714"/>
+      </p:ext>
+    </p:extLst>
+  </p:cSld>
+  <p:clrMapOvr>
+    <a:masterClrMapping/>
+  </p:clrMapOvr>
+  <p:timing>
+    <p:tnLst>
+      <p:par>
+        <p:cTn id="1" dur="indefinite" restart="never" nodeType="tmRoot"/>
+      </p:par>
+    </p:tnLst>
+  </p:timing>
+</p:sld>
+</file>
+
+<file path=ppt/slides/slide28.xml><?xml version="1.0" encoding="utf-8"?>
+<p:sld xmlns:a="http://schemas.openxmlformats.org/drawingml/2006/main" xmlns:r="http://schemas.openxmlformats.org/officeDocument/2006/relationships" xmlns:p="http://schemas.openxmlformats.org/presentationml/2006/main">
+  <p:cSld>
+    <p:spTree>
+      <p:nvGrpSpPr>
+        <p:cNvPr id="1" name=""/>
+        <p:cNvGrpSpPr/>
+        <p:nvPr/>
+      </p:nvGrpSpPr>
+      <p:grpSpPr>
+        <a:xfrm>
+          <a:off x="0" y="0"/>
+          <a:ext cx="0" cy="0"/>
+          <a:chOff x="0" y="0"/>
+          <a:chExt cx="0" cy="0"/>
+        </a:xfrm>
+      </p:grpSpPr>
+      <p:sp>
+        <p:nvSpPr>
+          <p:cNvPr id="2" name="标题 1"/>
+          <p:cNvSpPr>
+            <a:spLocks noGrp="1"/>
+          </p:cNvSpPr>
+          <p:nvPr>
+            <p:ph type="title"/>
+          </p:nvPr>
+        </p:nvSpPr>
+        <p:spPr/>
+        <p:txBody>
+          <a:bodyPr/>
+          <a:lstStyle/>
+          <a:p>
+            <a:r>
+              <a:rPr kumimoji="1" lang="zh-CN" altLang="en-US" dirty="0" smtClean="0"/>
+              <a:t>测试结果</a:t>
+            </a:r>
+            <a:r>
+              <a:rPr kumimoji="1" lang="zh-CN" altLang="en-US" dirty="0"/>
+              <a:t> </a:t>
+            </a:r>
+            <a:r>
+              <a:rPr kumimoji="1" lang="en-US" altLang="zh-CN" dirty="0" smtClean="0"/>
+              <a:t>–</a:t>
+            </a:r>
+            <a:r>
+              <a:rPr kumimoji="1" lang="zh-CN" altLang="en-US" dirty="0" smtClean="0"/>
+              <a:t> （</a:t>
+            </a:r>
+            <a:r>
+              <a:rPr kumimoji="1" lang="en-US" altLang="zh-CN" dirty="0" smtClean="0"/>
+              <a:t>_</a:t>
+            </a:r>
+            <a:r>
+              <a:rPr kumimoji="1" lang="zh-CN" altLang="en-US" dirty="0" smtClean="0"/>
+              <a:t>，</a:t>
+            </a:r>
+            <a:r>
+              <a:rPr kumimoji="1" lang="en-US" altLang="zh-CN" dirty="0" smtClean="0"/>
+              <a:t>_</a:t>
+            </a:r>
+            <a:r>
+              <a:rPr kumimoji="1" lang="zh-CN" altLang="en-US" dirty="0" smtClean="0"/>
+              <a:t>，</a:t>
+            </a:r>
+            <a:r>
+              <a:rPr kumimoji="1" lang="x-none" altLang="zh-CN" dirty="0" smtClean="0"/>
+              <a:t>有</a:t>
+            </a:r>
+            <a:r>
+              <a:rPr kumimoji="1" lang="zh-CN" altLang="en-US" dirty="0" smtClean="0"/>
+              <a:t>通信时延）</a:t>
+            </a:r>
+            <a:endParaRPr kumimoji="1" lang="zh-CN" altLang="en-US" dirty="0"/>
+          </a:p>
+        </p:txBody>
+      </p:sp>
+      <p:sp>
+        <p:nvSpPr>
+          <p:cNvPr id="4" name="文本占位符 3"/>
+          <p:cNvSpPr>
+            <a:spLocks noGrp="1"/>
+          </p:cNvSpPr>
+          <p:nvPr>
+            <p:ph type="body" idx="1"/>
+          </p:nvPr>
+        </p:nvSpPr>
+        <p:spPr/>
+        <p:txBody>
+          <a:bodyPr/>
+          <a:lstStyle/>
+          <a:p>
+            <a:r>
+              <a:rPr kumimoji="1" lang="zh-CN" altLang="en-US" dirty="0" smtClean="0"/>
+              <a:t>吞吐测试</a:t>
+            </a:r>
+            <a:endParaRPr kumimoji="1" lang="zh-CN" altLang="en-US" dirty="0"/>
+          </a:p>
+        </p:txBody>
+      </p:sp>
+      <p:sp>
+        <p:nvSpPr>
+          <p:cNvPr id="5" name="文本占位符 4"/>
+          <p:cNvSpPr>
+            <a:spLocks noGrp="1"/>
+          </p:cNvSpPr>
+          <p:nvPr>
+            <p:ph type="body" sz="quarter" idx="3"/>
+          </p:nvPr>
+        </p:nvSpPr>
+        <p:spPr/>
+        <p:txBody>
+          <a:bodyPr/>
+          <a:lstStyle/>
+          <a:p>
+            <a:r>
+              <a:rPr kumimoji="1" lang="zh-CN" altLang="en-US" dirty="0" smtClean="0"/>
+              <a:t>时延测试</a:t>
+            </a:r>
+            <a:endParaRPr kumimoji="1" lang="zh-CN" altLang="en-US" dirty="0"/>
+          </a:p>
+        </p:txBody>
+      </p:sp>
+      <p:pic>
+        <p:nvPicPr>
+          <p:cNvPr id="21" name="Content Placeholder 20"/>
+          <p:cNvPicPr>
+            <a:picLocks noGrp="1" noChangeAspect="1"/>
+          </p:cNvPicPr>
+          <p:nvPr>
+            <p:ph sz="quarter" idx="4"/>
+          </p:nvPr>
+        </p:nvPicPr>
+        <p:blipFill>
+          <a:blip r:embed="rId2"/>
+          <a:stretch>
+            <a:fillRect/>
+          </a:stretch>
+        </p:blipFill>
+        <p:spPr>
+          <a:xfrm>
+            <a:off x="6172200" y="2600325"/>
+            <a:ext cx="5183505" cy="3493770"/>
+          </a:xfrm>
+          <a:prstGeom prst="rect">
+            <a:avLst/>
+          </a:prstGeom>
+        </p:spPr>
+      </p:pic>
+      <p:sp>
+        <p:nvSpPr>
+          <p:cNvPr id="22" name="Text Box 21"/>
+          <p:cNvSpPr txBox="1"/>
+          <p:nvPr/>
+        </p:nvSpPr>
+        <p:spPr>
+          <a:xfrm>
+            <a:off x="5785485" y="2922905"/>
+            <a:ext cx="909320" cy="243840"/>
+          </a:xfrm>
+          <a:prstGeom prst="rect">
+            <a:avLst/>
+          </a:prstGeom>
+          <a:noFill/>
+        </p:spPr>
+        <p:txBody>
+          <a:bodyPr wrap="square" rtlCol="0" anchor="t">
+            <a:spAutoFit/>
+          </a:bodyPr>
+          <a:lstStyle/>
+          <a:p>
+            <a:r>
+              <a:rPr kumimoji="1" lang="x-none" altLang="zh-CN" sz="1000" dirty="0">
+                <a:sym typeface="+mn-ea"/>
+              </a:rPr>
+              <a:t>优先级排序</a:t>
+            </a:r>
+          </a:p>
+        </p:txBody>
+      </p:sp>
+      <p:sp>
+        <p:nvSpPr>
+          <p:cNvPr id="23" name="Text Box 22"/>
+          <p:cNvSpPr txBox="1"/>
+          <p:nvPr/>
+        </p:nvSpPr>
+        <p:spPr>
+          <a:xfrm>
+            <a:off x="11189970" y="4130675"/>
+            <a:ext cx="909320" cy="243840"/>
+          </a:xfrm>
+          <a:prstGeom prst="rect">
+            <a:avLst/>
+          </a:prstGeom>
+          <a:noFill/>
+        </p:spPr>
+        <p:txBody>
+          <a:bodyPr wrap="square" rtlCol="0" anchor="t">
+            <a:spAutoFit/>
+          </a:bodyPr>
+          <a:lstStyle/>
+          <a:p>
+            <a:r>
+              <a:rPr kumimoji="1" lang="x-none" altLang="zh-CN" sz="1000" dirty="0">
+                <a:sym typeface="+mn-ea"/>
+              </a:rPr>
+              <a:t>优先级排序</a:t>
+            </a:r>
+          </a:p>
+        </p:txBody>
+      </p:sp>
+      <p:sp>
+        <p:nvSpPr>
+          <p:cNvPr id="24" name="Text Box 23"/>
+          <p:cNvSpPr txBox="1"/>
+          <p:nvPr/>
+        </p:nvSpPr>
+        <p:spPr>
+          <a:xfrm>
+            <a:off x="5766435" y="4953000"/>
+            <a:ext cx="909320" cy="243840"/>
+          </a:xfrm>
+          <a:prstGeom prst="rect">
+            <a:avLst/>
+          </a:prstGeom>
+          <a:noFill/>
+        </p:spPr>
+        <p:txBody>
+          <a:bodyPr wrap="square" rtlCol="0" anchor="t">
+            <a:spAutoFit/>
+          </a:bodyPr>
+          <a:lstStyle/>
+          <a:p>
+            <a:r>
+              <a:rPr kumimoji="1" lang="x-none" altLang="zh-CN" sz="1000" dirty="0">
+                <a:sym typeface="+mn-ea"/>
+              </a:rPr>
+              <a:t>原始</a:t>
+            </a:r>
+          </a:p>
+        </p:txBody>
+      </p:sp>
+      <p:sp>
+        <p:nvSpPr>
+          <p:cNvPr id="25" name="Text Box 24"/>
+          <p:cNvSpPr txBox="1"/>
+          <p:nvPr/>
+        </p:nvSpPr>
+        <p:spPr>
+          <a:xfrm>
+            <a:off x="11189970" y="5122545"/>
+            <a:ext cx="909320" cy="243840"/>
+          </a:xfrm>
+          <a:prstGeom prst="rect">
+            <a:avLst/>
+          </a:prstGeom>
+          <a:noFill/>
+        </p:spPr>
+        <p:txBody>
+          <a:bodyPr wrap="square" rtlCol="0" anchor="t">
+            <a:spAutoFit/>
+          </a:bodyPr>
+          <a:lstStyle/>
+          <a:p>
+            <a:r>
+              <a:rPr kumimoji="1" lang="x-none" altLang="zh-CN" sz="1000" dirty="0">
+                <a:sym typeface="+mn-ea"/>
+              </a:rPr>
+              <a:t>原始</a:t>
+            </a:r>
+          </a:p>
+        </p:txBody>
+      </p:sp>
+      <p:sp>
+        <p:nvSpPr>
+          <p:cNvPr id="26" name="Text Box 25"/>
+          <p:cNvSpPr txBox="1"/>
+          <p:nvPr/>
+        </p:nvSpPr>
+        <p:spPr>
+          <a:xfrm>
+            <a:off x="5814060" y="3529330"/>
+            <a:ext cx="909320" cy="243840"/>
+          </a:xfrm>
+          <a:prstGeom prst="rect">
+            <a:avLst/>
+          </a:prstGeom>
+          <a:noFill/>
+        </p:spPr>
+        <p:txBody>
+          <a:bodyPr wrap="square" rtlCol="0" anchor="t">
+            <a:spAutoFit/>
+          </a:bodyPr>
+          <a:lstStyle/>
+          <a:p>
+            <a:r>
+              <a:rPr kumimoji="1" lang="x-none" altLang="zh-CN" sz="1000" dirty="0">
+                <a:sym typeface="+mn-ea"/>
+              </a:rPr>
+              <a:t>代理</a:t>
+            </a:r>
+          </a:p>
+        </p:txBody>
+      </p:sp>
+      <p:sp>
+        <p:nvSpPr>
+          <p:cNvPr id="27" name="Text Box 26"/>
+          <p:cNvSpPr txBox="1"/>
+          <p:nvPr/>
+        </p:nvSpPr>
+        <p:spPr>
+          <a:xfrm>
+            <a:off x="11189970" y="5484495"/>
+            <a:ext cx="909320" cy="243840"/>
+          </a:xfrm>
+          <a:prstGeom prst="rect">
+            <a:avLst/>
+          </a:prstGeom>
+          <a:noFill/>
+        </p:spPr>
+        <p:txBody>
+          <a:bodyPr wrap="square" rtlCol="0" anchor="t">
+            <a:spAutoFit/>
+          </a:bodyPr>
+          <a:lstStyle/>
+          <a:p>
+            <a:r>
+              <a:rPr kumimoji="1" lang="x-none" altLang="zh-CN" sz="1000" dirty="0">
+                <a:sym typeface="+mn-ea"/>
+              </a:rPr>
+              <a:t>代理</a:t>
+            </a:r>
+          </a:p>
+        </p:txBody>
+      </p:sp>
+      <p:pic>
+        <p:nvPicPr>
+          <p:cNvPr id="36" name="Content Placeholder 35"/>
+          <p:cNvPicPr>
+            <a:picLocks noGrp="1" noChangeAspect="1"/>
+          </p:cNvPicPr>
+          <p:nvPr>
+            <p:ph sz="half" idx="2"/>
+          </p:nvPr>
+        </p:nvPicPr>
+        <p:blipFill>
+          <a:blip r:embed="rId3"/>
+          <a:stretch>
+            <a:fillRect/>
+          </a:stretch>
+        </p:blipFill>
+        <p:spPr>
+          <a:xfrm>
+            <a:off x="687705" y="2552065"/>
+            <a:ext cx="5157470" cy="3590290"/>
+          </a:xfrm>
+          <a:prstGeom prst="rect">
+            <a:avLst/>
+          </a:prstGeom>
+        </p:spPr>
+      </p:pic>
+    </p:spTree>
+    <p:extLst>
+      <p:ext uri="{BB962C8B-B14F-4D97-AF65-F5344CB8AC3E}">
+        <p14:creationId xmlns:p14="http://schemas.microsoft.com/office/powerpoint/2010/main" val="1106287386"/>
+      </p:ext>
+    </p:extLst>
+  </p:cSld>
+  <p:clrMapOvr>
+    <a:masterClrMapping/>
+  </p:clrMapOvr>
+  <p:timing>
+    <p:tnLst>
+      <p:par>
+        <p:cTn id="1" dur="indefinite" restart="never" nodeType="tmRoot"/>
+      </p:par>
+    </p:tnLst>
+  </p:timing>
+</p:sld>
+</file>
+
+<file path=ppt/slides/slide29.xml><?xml version="1.0" encoding="utf-8"?>
+<p:sld xmlns:a="http://schemas.openxmlformats.org/drawingml/2006/main" xmlns:r="http://schemas.openxmlformats.org/officeDocument/2006/relationships" xmlns:p="http://schemas.openxmlformats.org/presentationml/2006/main">
+  <p:cSld>
+    <p:spTree>
+      <p:nvGrpSpPr>
+        <p:cNvPr id="1" name=""/>
+        <p:cNvGrpSpPr/>
+        <p:nvPr/>
+      </p:nvGrpSpPr>
+      <p:grpSpPr>
+        <a:xfrm>
+          <a:off x="0" y="0"/>
+          <a:ext cx="0" cy="0"/>
+          <a:chOff x="0" y="0"/>
+          <a:chExt cx="0" cy="0"/>
+        </a:xfrm>
+      </p:grpSpPr>
+      <p:sp>
+        <p:nvSpPr>
+          <p:cNvPr id="9" name="标题 8"/>
+          <p:cNvSpPr>
+            <a:spLocks noGrp="1"/>
+          </p:cNvSpPr>
+          <p:nvPr>
+            <p:ph type="title"/>
+          </p:nvPr>
+        </p:nvSpPr>
+        <p:spPr/>
+        <p:txBody>
+          <a:bodyPr/>
+          <a:lstStyle/>
+          <a:p>
+            <a:r>
+              <a:rPr kumimoji="1" lang="zh-CN" altLang="en-US" dirty="0" smtClean="0"/>
+              <a:t>测试结论</a:t>
+            </a:r>
+            <a:endParaRPr kumimoji="1" lang="zh-CN" altLang="en-US" dirty="0"/>
+          </a:p>
+        </p:txBody>
+      </p:sp>
+      <p:sp>
+        <p:nvSpPr>
+          <p:cNvPr id="10" name="内容占位符 9"/>
+          <p:cNvSpPr>
+            <a:spLocks noGrp="1"/>
+          </p:cNvSpPr>
+          <p:nvPr>
+            <p:ph idx="1"/>
+          </p:nvPr>
+        </p:nvSpPr>
+        <p:spPr/>
+        <p:txBody>
+          <a:bodyPr>
+            <a:normAutofit fontScale="97500" lnSpcReduction="10000"/>
+          </a:bodyPr>
+          <a:lstStyle/>
+          <a:p>
+            <a:pPr marL="0" indent="0">
+              <a:buNone/>
+            </a:pPr>
+            <a:r>
+              <a:rPr kumimoji="1" lang="x-none" altLang="zh-CN" dirty="0"/>
+              <a:t>1.在传输时间延时可以忽略的情况下，</a:t>
+            </a:r>
+          </a:p>
+          <a:p>
+            <a:r>
+              <a:rPr kumimoji="1" lang="x-none" altLang="zh-CN" dirty="0"/>
+              <a:t>吞吐率：优先级排序方案 &gt; 代理方案    &gt; ODL原始方案</a:t>
+            </a:r>
+          </a:p>
+          <a:p>
+            <a:r>
+              <a:rPr kumimoji="1" lang="x-none" altLang="zh-CN" dirty="0"/>
+              <a:t>延时：	  代理方案	 &lt; ODL原始方案 &lt; </a:t>
+            </a:r>
+            <a:r>
+              <a:rPr kumimoji="1" lang="x-none" altLang="zh-CN" dirty="0">
+                <a:sym typeface="+mn-ea"/>
+              </a:rPr>
+              <a:t>优先级排序方案</a:t>
+            </a:r>
+            <a:endParaRPr kumimoji="1" lang="x-none" altLang="zh-CN" dirty="0"/>
+          </a:p>
+          <a:p>
+            <a:pPr marL="0" indent="0">
+              <a:buNone/>
+            </a:pPr>
+            <a:r>
+              <a:rPr kumimoji="1" lang="x-none" altLang="zh-CN" dirty="0"/>
+              <a:t>2.在有传输时延时</a:t>
+            </a:r>
+            <a:r>
+              <a:rPr kumimoji="1" lang="x-none" altLang="zh-CN" dirty="0">
+                <a:sym typeface="+mn-ea"/>
+              </a:rPr>
+              <a:t>的情况下</a:t>
+            </a:r>
+            <a:r>
+              <a:rPr kumimoji="1" lang="x-none" altLang="zh-CN" dirty="0"/>
+              <a:t>，</a:t>
+            </a:r>
+          </a:p>
+          <a:p>
+            <a:r>
+              <a:rPr kumimoji="1" lang="x-none" altLang="zh-CN" dirty="0"/>
+              <a:t>结论不变</a:t>
+            </a:r>
+          </a:p>
+          <a:p>
+            <a:pPr marL="0" indent="0">
+              <a:buNone/>
+            </a:pPr>
+            <a:r>
+              <a:rPr kumimoji="1" lang="x-none" altLang="zh-CN" dirty="0"/>
+              <a:t>3.</a:t>
+            </a:r>
+            <a:r>
+              <a:rPr kumimoji="1" lang="x-none" altLang="zh-CN" dirty="0">
+                <a:sym typeface="+mn-ea"/>
+              </a:rPr>
+              <a:t>ODL原始方案的吞吐率是代理方案和优先级方案的1/3以下。</a:t>
+            </a:r>
+            <a:endParaRPr kumimoji="1" lang="x-none" altLang="zh-CN" dirty="0"/>
+          </a:p>
+          <a:p>
+            <a:pPr marL="0" indent="0">
+              <a:buNone/>
+            </a:pPr>
+            <a:r>
+              <a:rPr kumimoji="1" lang="x-none" altLang="zh-CN" dirty="0"/>
+              <a:t>4.代理方案和优先级排序方案比较：</a:t>
+            </a:r>
+          </a:p>
+          <a:p>
+            <a:pPr marL="0" indent="0">
+              <a:buNone/>
+            </a:pPr>
+            <a:r>
+              <a:rPr kumimoji="1" lang="x-none" altLang="zh-CN" dirty="0"/>
+              <a:t>	吞吐率：</a:t>
+            </a:r>
+            <a:r>
+              <a:rPr kumimoji="1" lang="x-none" altLang="zh-CN" dirty="0">
+                <a:sym typeface="+mn-ea"/>
+              </a:rPr>
+              <a:t>优先级排序方案略好</a:t>
+            </a:r>
+          </a:p>
+          <a:p>
+            <a:pPr marL="0" indent="0">
+              <a:buNone/>
+            </a:pPr>
+            <a:r>
+              <a:rPr kumimoji="1" lang="x-none" altLang="zh-CN" dirty="0">
+                <a:sym typeface="+mn-ea"/>
+              </a:rPr>
+              <a:t>	延时  ：代理方案略好</a:t>
+            </a:r>
+            <a:endParaRPr kumimoji="1" lang="x-none" altLang="zh-CN" dirty="0"/>
+          </a:p>
+          <a:p>
+            <a:endParaRPr kumimoji="1" lang="x-none" altLang="zh-CN" dirty="0"/>
+          </a:p>
+        </p:txBody>
+      </p:sp>
+    </p:spTree>
+    <p:extLst>
+      <p:ext uri="{BB962C8B-B14F-4D97-AF65-F5344CB8AC3E}">
+        <p14:creationId xmlns:p14="http://schemas.microsoft.com/office/powerpoint/2010/main" val="458680776"/>
+      </p:ext>
+    </p:extLst>
+  </p:cSld>
+  <p:clrMapOvr>
+    <a:masterClrMapping/>
+  </p:clrMapOvr>
 </p:sld>
 </file>
 
@@ -11504,11 +15648,7 @@
             <a:pPr lvl="1"/>
             <a:r>
               <a:rPr kumimoji="1" lang="zh-CN" altLang="en-US" dirty="0" smtClean="0"/>
-              <a:t>研发目的：</a:t>
-            </a:r>
-            <a:r>
-              <a:rPr kumimoji="1" lang="zh-CN" altLang="en-US" dirty="0" smtClean="0"/>
-              <a:t>更加专注于对以</a:t>
+              <a:t>研发目的：更加专注于对以</a:t>
             </a:r>
             <a:r>
               <a:rPr kumimoji="1" lang="en-US" altLang="zh-CN" dirty="0" smtClean="0"/>
@@ -11675,7 +15815,6 @@
               <a:rPr kumimoji="1" lang="en-US" altLang="zh-CN" dirty="0" smtClean="0"/>
               <a:t>Transaction</a:t>
             </a:r>
-            <a:endParaRPr kumimoji="1" lang="en-US" altLang="zh-CN" dirty="0" smtClean="0"/>
           </a:p>
           <a:p>
             <a:r>
@@ -11825,8 +15964,9 @@
           <a:p>
             <a:r>
               <a:rPr kumimoji="1" lang="en-US" altLang="zh-CN" dirty="0" smtClean="0"/>
-              <a:t>Leader</a:t>
-            </a:r>
+              <a:t>Operator</a:t>
+            </a:r>
+            <a:endParaRPr kumimoji="1" lang="en-US" altLang="zh-CN" dirty="0" smtClean="0"/>
           </a:p>
         </p:txBody>
       </p:sp>
@@ -12083,11 +16223,7 @@
             </a:r>
             <a:r>
               <a:rPr kumimoji="1" lang="zh-CN" altLang="en-US" dirty="0" smtClean="0"/>
-              <a:t> </a:t>
-            </a:r>
-            <a:r>
-              <a:rPr kumimoji="1" lang="zh-CN" altLang="en-US" dirty="0" smtClean="0"/>
-              <a:t>系统整体架构图</a:t>
+              <a:t> 系统整体架构图</a:t>
             </a:r>
             <a:endParaRPr kumimoji="1" lang="zh-CN" altLang="en-US" dirty="0"/>
           </a:p>
